--- a/2021/（チラシ）ITで地域課題を解決しよう.pptx
+++ b/2021/（チラシ）ITで地域課題を解決しよう.pptx
@@ -274,6 +274,694 @@
 <file path=ppt/changesInfos/changesInfo1.xml><?xml version="1.0" encoding="utf-8"?>
 <pc:chgInfo xmlns:a="http://schemas.openxmlformats.org/drawingml/2006/main" xmlns:r="http://schemas.openxmlformats.org/officeDocument/2006/relationships" xmlns:ac="http://schemas.microsoft.com/office/drawing/2013/main/command" xmlns:pc="http://schemas.microsoft.com/office/powerpoint/2013/main/command">
   <pc:docChgLst>
+    <pc:chgData name="Itoh Kiyohito" userId="973df969519ed28b" providerId="LiveId" clId="{A9ED4E88-A9D2-42DC-AA60-140FD6D8B4AD}"/>
+    <pc:docChg chg="undo custSel delSld modSld sldOrd">
+      <pc:chgData name="Itoh Kiyohito" userId="973df969519ed28b" providerId="LiveId" clId="{A9ED4E88-A9D2-42DC-AA60-140FD6D8B4AD}" dt="2021-07-12T08:53:39.220" v="3508" actId="1076"/>
+      <pc:docMkLst>
+        <pc:docMk/>
+      </pc:docMkLst>
+      <pc:sldChg chg="addSp modSp mod">
+        <pc:chgData name="Itoh Kiyohito" userId="973df969519ed28b" providerId="LiveId" clId="{A9ED4E88-A9D2-42DC-AA60-140FD6D8B4AD}" dt="2021-07-12T06:16:17.596" v="114" actId="20577"/>
+        <pc:sldMkLst>
+          <pc:docMk/>
+          <pc:sldMk cId="0" sldId="256"/>
+        </pc:sldMkLst>
+        <pc:spChg chg="add mod">
+          <ac:chgData name="Itoh Kiyohito" userId="973df969519ed28b" providerId="LiveId" clId="{A9ED4E88-A9D2-42DC-AA60-140FD6D8B4AD}" dt="2021-07-12T06:16:17.596" v="114" actId="20577"/>
+          <ac:spMkLst>
+            <pc:docMk/>
+            <pc:sldMk cId="0" sldId="256"/>
+            <ac:spMk id="4" creationId="{5B84FDDC-4025-4DCF-9979-F406FBC438C5}"/>
+          </ac:spMkLst>
+        </pc:spChg>
+      </pc:sldChg>
+      <pc:sldChg chg="addSp modSp mod ord">
+        <pc:chgData name="Itoh Kiyohito" userId="973df969519ed28b" providerId="LiveId" clId="{A9ED4E88-A9D2-42DC-AA60-140FD6D8B4AD}" dt="2021-07-12T08:53:39.220" v="3508" actId="1076"/>
+        <pc:sldMkLst>
+          <pc:docMk/>
+          <pc:sldMk cId="0" sldId="262"/>
+        </pc:sldMkLst>
+        <pc:spChg chg="mod">
+          <ac:chgData name="Itoh Kiyohito" userId="973df969519ed28b" providerId="LiveId" clId="{A9ED4E88-A9D2-42DC-AA60-140FD6D8B4AD}" dt="2021-07-12T06:27:30.252" v="380" actId="20577"/>
+          <ac:spMkLst>
+            <pc:docMk/>
+            <pc:sldMk cId="0" sldId="262"/>
+            <ac:spMk id="107" creationId="{00000000-0000-0000-0000-000000000000}"/>
+          </ac:spMkLst>
+        </pc:spChg>
+        <pc:picChg chg="add mod">
+          <ac:chgData name="Itoh Kiyohito" userId="973df969519ed28b" providerId="LiveId" clId="{A9ED4E88-A9D2-42DC-AA60-140FD6D8B4AD}" dt="2021-07-12T08:53:39.220" v="3508" actId="1076"/>
+          <ac:picMkLst>
+            <pc:docMk/>
+            <pc:sldMk cId="0" sldId="262"/>
+            <ac:picMk id="1026" creationId="{A26A7807-A3CE-474D-9DD4-79A4DDCF0EAC}"/>
+          </ac:picMkLst>
+        </pc:picChg>
+      </pc:sldChg>
+      <pc:sldChg chg="addSp delSp modSp mod">
+        <pc:chgData name="Itoh Kiyohito" userId="973df969519ed28b" providerId="LiveId" clId="{A9ED4E88-A9D2-42DC-AA60-140FD6D8B4AD}" dt="2021-07-12T07:59:09.198" v="2161" actId="20577"/>
+        <pc:sldMkLst>
+          <pc:docMk/>
+          <pc:sldMk cId="0" sldId="267"/>
+        </pc:sldMkLst>
+        <pc:spChg chg="add del">
+          <ac:chgData name="Itoh Kiyohito" userId="973df969519ed28b" providerId="LiveId" clId="{A9ED4E88-A9D2-42DC-AA60-140FD6D8B4AD}" dt="2021-07-12T06:36:56.919" v="757" actId="11529"/>
+          <ac:spMkLst>
+            <pc:docMk/>
+            <pc:sldMk cId="0" sldId="267"/>
+            <ac:spMk id="2" creationId="{FA097213-BDDC-49F7-A624-4C24979B47D6}"/>
+          </ac:spMkLst>
+        </pc:spChg>
+        <pc:spChg chg="add mod">
+          <ac:chgData name="Itoh Kiyohito" userId="973df969519ed28b" providerId="LiveId" clId="{A9ED4E88-A9D2-42DC-AA60-140FD6D8B4AD}" dt="2021-07-12T07:56:27.028" v="2131" actId="1038"/>
+          <ac:spMkLst>
+            <pc:docMk/>
+            <pc:sldMk cId="0" sldId="267"/>
+            <ac:spMk id="3" creationId="{BA3FAF98-5A6B-45D8-AEDC-6359B1502ADC}"/>
+          </ac:spMkLst>
+        </pc:spChg>
+        <pc:spChg chg="add mod">
+          <ac:chgData name="Itoh Kiyohito" userId="973df969519ed28b" providerId="LiveId" clId="{A9ED4E88-A9D2-42DC-AA60-140FD6D8B4AD}" dt="2021-07-12T07:56:27.028" v="2131" actId="1038"/>
+          <ac:spMkLst>
+            <pc:docMk/>
+            <pc:sldMk cId="0" sldId="267"/>
+            <ac:spMk id="9" creationId="{BC22BE19-18B4-4A32-BC71-815743C03EF5}"/>
+          </ac:spMkLst>
+        </pc:spChg>
+        <pc:spChg chg="add mod">
+          <ac:chgData name="Itoh Kiyohito" userId="973df969519ed28b" providerId="LiveId" clId="{A9ED4E88-A9D2-42DC-AA60-140FD6D8B4AD}" dt="2021-07-12T07:59:09.198" v="2161" actId="20577"/>
+          <ac:spMkLst>
+            <pc:docMk/>
+            <pc:sldMk cId="0" sldId="267"/>
+            <ac:spMk id="10" creationId="{944DB7F7-0981-461B-A039-55C8C6399A1A}"/>
+          </ac:spMkLst>
+        </pc:spChg>
+        <pc:spChg chg="add del mod">
+          <ac:chgData name="Itoh Kiyohito" userId="973df969519ed28b" providerId="LiveId" clId="{A9ED4E88-A9D2-42DC-AA60-140FD6D8B4AD}" dt="2021-07-12T06:48:06.163" v="1010" actId="478"/>
+          <ac:spMkLst>
+            <pc:docMk/>
+            <pc:sldMk cId="0" sldId="267"/>
+            <ac:spMk id="11" creationId="{38A4C412-FC5C-4845-A1F0-A4FDC9EB1E19}"/>
+          </ac:spMkLst>
+        </pc:spChg>
+        <pc:spChg chg="add mod">
+          <ac:chgData name="Itoh Kiyohito" userId="973df969519ed28b" providerId="LiveId" clId="{A9ED4E88-A9D2-42DC-AA60-140FD6D8B4AD}" dt="2021-07-12T07:56:27.028" v="2131" actId="1038"/>
+          <ac:spMkLst>
+            <pc:docMk/>
+            <pc:sldMk cId="0" sldId="267"/>
+            <ac:spMk id="12" creationId="{686D13A8-995E-4490-BBAA-626373A0DE1D}"/>
+          </ac:spMkLst>
+        </pc:spChg>
+        <pc:spChg chg="add mod">
+          <ac:chgData name="Itoh Kiyohito" userId="973df969519ed28b" providerId="LiveId" clId="{A9ED4E88-A9D2-42DC-AA60-140FD6D8B4AD}" dt="2021-07-12T07:56:27.028" v="2131" actId="1038"/>
+          <ac:spMkLst>
+            <pc:docMk/>
+            <pc:sldMk cId="0" sldId="267"/>
+            <ac:spMk id="13" creationId="{AB87D2B6-F4EF-43E3-91C9-3B2164A61A51}"/>
+          </ac:spMkLst>
+        </pc:spChg>
+        <pc:spChg chg="add mod">
+          <ac:chgData name="Itoh Kiyohito" userId="973df969519ed28b" providerId="LiveId" clId="{A9ED4E88-A9D2-42DC-AA60-140FD6D8B4AD}" dt="2021-07-12T07:56:27.028" v="2131" actId="1038"/>
+          <ac:spMkLst>
+            <pc:docMk/>
+            <pc:sldMk cId="0" sldId="267"/>
+            <ac:spMk id="14" creationId="{6FB91F32-BF31-462C-81EA-C94E4ACF1776}"/>
+          </ac:spMkLst>
+        </pc:spChg>
+        <pc:spChg chg="add mod">
+          <ac:chgData name="Itoh Kiyohito" userId="973df969519ed28b" providerId="LiveId" clId="{A9ED4E88-A9D2-42DC-AA60-140FD6D8B4AD}" dt="2021-07-12T07:56:27.028" v="2131" actId="1038"/>
+          <ac:spMkLst>
+            <pc:docMk/>
+            <pc:sldMk cId="0" sldId="267"/>
+            <ac:spMk id="15" creationId="{4C48F3EB-9DE9-485E-8BF9-E04DF6106725}"/>
+          </ac:spMkLst>
+        </pc:spChg>
+        <pc:spChg chg="add mod">
+          <ac:chgData name="Itoh Kiyohito" userId="973df969519ed28b" providerId="LiveId" clId="{A9ED4E88-A9D2-42DC-AA60-140FD6D8B4AD}" dt="2021-07-12T07:56:27.028" v="2131" actId="1038"/>
+          <ac:spMkLst>
+            <pc:docMk/>
+            <pc:sldMk cId="0" sldId="267"/>
+            <ac:spMk id="16" creationId="{1FFA94B3-E487-4E38-A39B-30937810333B}"/>
+          </ac:spMkLst>
+        </pc:spChg>
+        <pc:spChg chg="add mod">
+          <ac:chgData name="Itoh Kiyohito" userId="973df969519ed28b" providerId="LiveId" clId="{A9ED4E88-A9D2-42DC-AA60-140FD6D8B4AD}" dt="2021-07-12T07:56:27.028" v="2131" actId="1038"/>
+          <ac:spMkLst>
+            <pc:docMk/>
+            <pc:sldMk cId="0" sldId="267"/>
+            <ac:spMk id="17" creationId="{D4A33FA7-327D-4C4C-B3CB-016E5C39AE1A}"/>
+          </ac:spMkLst>
+        </pc:spChg>
+        <pc:spChg chg="add mod">
+          <ac:chgData name="Itoh Kiyohito" userId="973df969519ed28b" providerId="LiveId" clId="{A9ED4E88-A9D2-42DC-AA60-140FD6D8B4AD}" dt="2021-07-12T07:56:27.028" v="2131" actId="1038"/>
+          <ac:spMkLst>
+            <pc:docMk/>
+            <pc:sldMk cId="0" sldId="267"/>
+            <ac:spMk id="18" creationId="{20B15E00-7C6A-4463-B035-0C6BBD646AD0}"/>
+          </ac:spMkLst>
+        </pc:spChg>
+        <pc:spChg chg="add mod">
+          <ac:chgData name="Itoh Kiyohito" userId="973df969519ed28b" providerId="LiveId" clId="{A9ED4E88-A9D2-42DC-AA60-140FD6D8B4AD}" dt="2021-07-12T07:56:27.028" v="2131" actId="1038"/>
+          <ac:spMkLst>
+            <pc:docMk/>
+            <pc:sldMk cId="0" sldId="267"/>
+            <ac:spMk id="19" creationId="{D1D9F2A9-EC2D-4B36-87E4-E1C762C39C4E}"/>
+          </ac:spMkLst>
+        </pc:spChg>
+        <pc:spChg chg="add mod">
+          <ac:chgData name="Itoh Kiyohito" userId="973df969519ed28b" providerId="LiveId" clId="{A9ED4E88-A9D2-42DC-AA60-140FD6D8B4AD}" dt="2021-07-12T07:56:27.028" v="2131" actId="1038"/>
+          <ac:spMkLst>
+            <pc:docMk/>
+            <pc:sldMk cId="0" sldId="267"/>
+            <ac:spMk id="20" creationId="{504F5624-06EB-47CE-9B16-EB3133416221}"/>
+          </ac:spMkLst>
+        </pc:spChg>
+        <pc:spChg chg="add mod">
+          <ac:chgData name="Itoh Kiyohito" userId="973df969519ed28b" providerId="LiveId" clId="{A9ED4E88-A9D2-42DC-AA60-140FD6D8B4AD}" dt="2021-07-12T07:56:27.028" v="2131" actId="1038"/>
+          <ac:spMkLst>
+            <pc:docMk/>
+            <pc:sldMk cId="0" sldId="267"/>
+            <ac:spMk id="21" creationId="{AD0CCC33-9302-4E9D-892F-23C6CE50F9BB}"/>
+          </ac:spMkLst>
+        </pc:spChg>
+        <pc:spChg chg="add mod">
+          <ac:chgData name="Itoh Kiyohito" userId="973df969519ed28b" providerId="LiveId" clId="{A9ED4E88-A9D2-42DC-AA60-140FD6D8B4AD}" dt="2021-07-12T07:56:27.028" v="2131" actId="1038"/>
+          <ac:spMkLst>
+            <pc:docMk/>
+            <pc:sldMk cId="0" sldId="267"/>
+            <ac:spMk id="22" creationId="{B8ECAC2C-F4CD-4CF4-AE33-9F5B3EE45FD1}"/>
+          </ac:spMkLst>
+        </pc:spChg>
+        <pc:spChg chg="add mod">
+          <ac:chgData name="Itoh Kiyohito" userId="973df969519ed28b" providerId="LiveId" clId="{A9ED4E88-A9D2-42DC-AA60-140FD6D8B4AD}" dt="2021-07-12T07:56:27.028" v="2131" actId="1038"/>
+          <ac:spMkLst>
+            <pc:docMk/>
+            <pc:sldMk cId="0" sldId="267"/>
+            <ac:spMk id="23" creationId="{8C39156F-C149-41DB-95B5-E3B4B3C71F64}"/>
+          </ac:spMkLst>
+        </pc:spChg>
+        <pc:spChg chg="add mod">
+          <ac:chgData name="Itoh Kiyohito" userId="973df969519ed28b" providerId="LiveId" clId="{A9ED4E88-A9D2-42DC-AA60-140FD6D8B4AD}" dt="2021-07-12T07:56:27.028" v="2131" actId="1038"/>
+          <ac:spMkLst>
+            <pc:docMk/>
+            <pc:sldMk cId="0" sldId="267"/>
+            <ac:spMk id="24" creationId="{45ECAE92-DEDC-4545-B50C-A8A29E1E4A4E}"/>
+          </ac:spMkLst>
+        </pc:spChg>
+        <pc:spChg chg="add mod">
+          <ac:chgData name="Itoh Kiyohito" userId="973df969519ed28b" providerId="LiveId" clId="{A9ED4E88-A9D2-42DC-AA60-140FD6D8B4AD}" dt="2021-07-12T07:56:27.028" v="2131" actId="1038"/>
+          <ac:spMkLst>
+            <pc:docMk/>
+            <pc:sldMk cId="0" sldId="267"/>
+            <ac:spMk id="25" creationId="{07AEF24E-6620-43B3-9014-D9F9A66092B2}"/>
+          </ac:spMkLst>
+        </pc:spChg>
+        <pc:spChg chg="mod">
+          <ac:chgData name="Itoh Kiyohito" userId="973df969519ed28b" providerId="LiveId" clId="{A9ED4E88-A9D2-42DC-AA60-140FD6D8B4AD}" dt="2021-07-12T07:42:59.504" v="1960" actId="20577"/>
+          <ac:spMkLst>
+            <pc:docMk/>
+            <pc:sldMk cId="0" sldId="267"/>
+            <ac:spMk id="160" creationId="{00000000-0000-0000-0000-000000000000}"/>
+          </ac:spMkLst>
+        </pc:spChg>
+        <pc:spChg chg="mod">
+          <ac:chgData name="Itoh Kiyohito" userId="973df969519ed28b" providerId="LiveId" clId="{A9ED4E88-A9D2-42DC-AA60-140FD6D8B4AD}" dt="2021-07-12T07:56:27.028" v="2131" actId="1038"/>
+          <ac:spMkLst>
+            <pc:docMk/>
+            <pc:sldMk cId="0" sldId="267"/>
+            <ac:spMk id="161" creationId="{00000000-0000-0000-0000-000000000000}"/>
+          </ac:spMkLst>
+        </pc:spChg>
+        <pc:spChg chg="mod">
+          <ac:chgData name="Itoh Kiyohito" userId="973df969519ed28b" providerId="LiveId" clId="{A9ED4E88-A9D2-42DC-AA60-140FD6D8B4AD}" dt="2021-07-12T07:56:27.028" v="2131" actId="1038"/>
+          <ac:spMkLst>
+            <pc:docMk/>
+            <pc:sldMk cId="0" sldId="267"/>
+            <ac:spMk id="162" creationId="{00000000-0000-0000-0000-000000000000}"/>
+          </ac:spMkLst>
+        </pc:spChg>
+        <pc:spChg chg="mod">
+          <ac:chgData name="Itoh Kiyohito" userId="973df969519ed28b" providerId="LiveId" clId="{A9ED4E88-A9D2-42DC-AA60-140FD6D8B4AD}" dt="2021-07-12T07:56:27.028" v="2131" actId="1038"/>
+          <ac:spMkLst>
+            <pc:docMk/>
+            <pc:sldMk cId="0" sldId="267"/>
+            <ac:spMk id="163" creationId="{00000000-0000-0000-0000-000000000000}"/>
+          </ac:spMkLst>
+        </pc:spChg>
+      </pc:sldChg>
+      <pc:sldChg chg="modSp mod">
+        <pc:chgData name="Itoh Kiyohito" userId="973df969519ed28b" providerId="LiveId" clId="{A9ED4E88-A9D2-42DC-AA60-140FD6D8B4AD}" dt="2021-07-12T08:51:17.354" v="3485" actId="20577"/>
+        <pc:sldMkLst>
+          <pc:docMk/>
+          <pc:sldMk cId="0" sldId="284"/>
+        </pc:sldMkLst>
+        <pc:graphicFrameChg chg="modGraphic">
+          <ac:chgData name="Itoh Kiyohito" userId="973df969519ed28b" providerId="LiveId" clId="{A9ED4E88-A9D2-42DC-AA60-140FD6D8B4AD}" dt="2021-07-12T08:51:17.354" v="3485" actId="20577"/>
+          <ac:graphicFrameMkLst>
+            <pc:docMk/>
+            <pc:sldMk cId="0" sldId="284"/>
+            <ac:graphicFrameMk id="480" creationId="{00000000-0000-0000-0000-000000000000}"/>
+          </ac:graphicFrameMkLst>
+        </pc:graphicFrameChg>
+      </pc:sldChg>
+      <pc:sldChg chg="modSp mod">
+        <pc:chgData name="Itoh Kiyohito" userId="973df969519ed28b" providerId="LiveId" clId="{A9ED4E88-A9D2-42DC-AA60-140FD6D8B4AD}" dt="2021-07-12T07:58:15.827" v="2146" actId="20577"/>
+        <pc:sldMkLst>
+          <pc:docMk/>
+          <pc:sldMk cId="3613530894" sldId="295"/>
+        </pc:sldMkLst>
+        <pc:spChg chg="mod">
+          <ac:chgData name="Itoh Kiyohito" userId="973df969519ed28b" providerId="LiveId" clId="{A9ED4E88-A9D2-42DC-AA60-140FD6D8B4AD}" dt="2021-07-12T07:58:15.827" v="2146" actId="20577"/>
+          <ac:spMkLst>
+            <pc:docMk/>
+            <pc:sldMk cId="3613530894" sldId="295"/>
+            <ac:spMk id="12" creationId="{2A671D8A-90FB-4257-88A8-14D5C315EEE4}"/>
+          </ac:spMkLst>
+        </pc:spChg>
+        <pc:spChg chg="mod">
+          <ac:chgData name="Itoh Kiyohito" userId="973df969519ed28b" providerId="LiveId" clId="{A9ED4E88-A9D2-42DC-AA60-140FD6D8B4AD}" dt="2021-07-12T07:58:04.914" v="2142" actId="20577"/>
+          <ac:spMkLst>
+            <pc:docMk/>
+            <pc:sldMk cId="3613530894" sldId="295"/>
+            <ac:spMk id="571" creationId="{00000000-0000-0000-0000-000000000000}"/>
+          </ac:spMkLst>
+        </pc:spChg>
+        <pc:spChg chg="mod">
+          <ac:chgData name="Itoh Kiyohito" userId="973df969519ed28b" providerId="LiveId" clId="{A9ED4E88-A9D2-42DC-AA60-140FD6D8B4AD}" dt="2021-07-12T07:58:07.249" v="2143" actId="20577"/>
+          <ac:spMkLst>
+            <pc:docMk/>
+            <pc:sldMk cId="3613530894" sldId="295"/>
+            <ac:spMk id="572" creationId="{00000000-0000-0000-0000-000000000000}"/>
+          </ac:spMkLst>
+        </pc:spChg>
+        <pc:spChg chg="mod">
+          <ac:chgData name="Itoh Kiyohito" userId="973df969519ed28b" providerId="LiveId" clId="{A9ED4E88-A9D2-42DC-AA60-140FD6D8B4AD}" dt="2021-07-12T07:58:09.626" v="2144" actId="20577"/>
+          <ac:spMkLst>
+            <pc:docMk/>
+            <pc:sldMk cId="3613530894" sldId="295"/>
+            <ac:spMk id="573" creationId="{00000000-0000-0000-0000-000000000000}"/>
+          </ac:spMkLst>
+        </pc:spChg>
+        <pc:spChg chg="mod">
+          <ac:chgData name="Itoh Kiyohito" userId="973df969519ed28b" providerId="LiveId" clId="{A9ED4E88-A9D2-42DC-AA60-140FD6D8B4AD}" dt="2021-07-12T07:58:12.374" v="2145" actId="20577"/>
+          <ac:spMkLst>
+            <pc:docMk/>
+            <pc:sldMk cId="3613530894" sldId="295"/>
+            <ac:spMk id="574" creationId="{00000000-0000-0000-0000-000000000000}"/>
+          </ac:spMkLst>
+        </pc:spChg>
+      </pc:sldChg>
+      <pc:sldChg chg="del">
+        <pc:chgData name="Itoh Kiyohito" userId="973df969519ed28b" providerId="LiveId" clId="{A9ED4E88-A9D2-42DC-AA60-140FD6D8B4AD}" dt="2021-07-12T07:57:56.652" v="2141" actId="47"/>
+        <pc:sldMkLst>
+          <pc:docMk/>
+          <pc:sldMk cId="1930786836" sldId="297"/>
+        </pc:sldMkLst>
+      </pc:sldChg>
+      <pc:sldChg chg="modSp mod ord">
+        <pc:chgData name="Itoh Kiyohito" userId="973df969519ed28b" providerId="LiveId" clId="{A9ED4E88-A9D2-42DC-AA60-140FD6D8B4AD}" dt="2021-07-12T08:52:14.293" v="3499" actId="1035"/>
+        <pc:sldMkLst>
+          <pc:docMk/>
+          <pc:sldMk cId="1229821054" sldId="298"/>
+        </pc:sldMkLst>
+        <pc:spChg chg="mod">
+          <ac:chgData name="Itoh Kiyohito" userId="973df969519ed28b" providerId="LiveId" clId="{A9ED4E88-A9D2-42DC-AA60-140FD6D8B4AD}" dt="2021-07-12T08:52:14.293" v="3499" actId="1035"/>
+          <ac:spMkLst>
+            <pc:docMk/>
+            <pc:sldMk cId="1229821054" sldId="298"/>
+            <ac:spMk id="100" creationId="{00000000-0000-0000-0000-000000000000}"/>
+          </ac:spMkLst>
+        </pc:spChg>
+      </pc:sldChg>
+      <pc:sldChg chg="del">
+        <pc:chgData name="Itoh Kiyohito" userId="973df969519ed28b" providerId="LiveId" clId="{A9ED4E88-A9D2-42DC-AA60-140FD6D8B4AD}" dt="2021-07-12T07:54:12.663" v="2072" actId="47"/>
+        <pc:sldMkLst>
+          <pc:docMk/>
+          <pc:sldMk cId="553870286" sldId="299"/>
+        </pc:sldMkLst>
+      </pc:sldChg>
+      <pc:sldChg chg="delSp modSp mod">
+        <pc:chgData name="Itoh Kiyohito" userId="973df969519ed28b" providerId="LiveId" clId="{A9ED4E88-A9D2-42DC-AA60-140FD6D8B4AD}" dt="2021-07-12T08:00:29.797" v="2199" actId="478"/>
+        <pc:sldMkLst>
+          <pc:docMk/>
+          <pc:sldMk cId="2960280254" sldId="301"/>
+        </pc:sldMkLst>
+        <pc:spChg chg="mod">
+          <ac:chgData name="Itoh Kiyohito" userId="973df969519ed28b" providerId="LiveId" clId="{A9ED4E88-A9D2-42DC-AA60-140FD6D8B4AD}" dt="2021-07-12T08:00:20.718" v="2196" actId="1037"/>
+          <ac:spMkLst>
+            <pc:docMk/>
+            <pc:sldMk cId="2960280254" sldId="301"/>
+            <ac:spMk id="42" creationId="{2E2BBCCD-E041-4F14-970D-45F841CB6B5A}"/>
+          </ac:spMkLst>
+        </pc:spChg>
+        <pc:spChg chg="del mod">
+          <ac:chgData name="Itoh Kiyohito" userId="973df969519ed28b" providerId="LiveId" clId="{A9ED4E88-A9D2-42DC-AA60-140FD6D8B4AD}" dt="2021-07-12T08:00:29.797" v="2199" actId="478"/>
+          <ac:spMkLst>
+            <pc:docMk/>
+            <pc:sldMk cId="2960280254" sldId="301"/>
+            <ac:spMk id="427" creationId="{00000000-0000-0000-0000-000000000000}"/>
+          </ac:spMkLst>
+        </pc:spChg>
+        <pc:spChg chg="del">
+          <ac:chgData name="Itoh Kiyohito" userId="973df969519ed28b" providerId="LiveId" clId="{A9ED4E88-A9D2-42DC-AA60-140FD6D8B4AD}" dt="2021-07-12T08:00:25.793" v="2197" actId="478"/>
+          <ac:spMkLst>
+            <pc:docMk/>
+            <pc:sldMk cId="2960280254" sldId="301"/>
+            <ac:spMk id="435" creationId="{00000000-0000-0000-0000-000000000000}"/>
+          </ac:spMkLst>
+        </pc:spChg>
+        <pc:cxnChg chg="mod">
+          <ac:chgData name="Itoh Kiyohito" userId="973df969519ed28b" providerId="LiveId" clId="{A9ED4E88-A9D2-42DC-AA60-140FD6D8B4AD}" dt="2021-07-12T08:00:20.718" v="2196" actId="1037"/>
+          <ac:cxnSpMkLst>
+            <pc:docMk/>
+            <pc:sldMk cId="2960280254" sldId="301"/>
+            <ac:cxnSpMk id="41" creationId="{E3946EE2-FA32-4ABD-A1E1-57240C0B4FEA}"/>
+          </ac:cxnSpMkLst>
+        </pc:cxnChg>
+        <pc:cxnChg chg="del mod">
+          <ac:chgData name="Itoh Kiyohito" userId="973df969519ed28b" providerId="LiveId" clId="{A9ED4E88-A9D2-42DC-AA60-140FD6D8B4AD}" dt="2021-07-12T08:00:29.797" v="2199" actId="478"/>
+          <ac:cxnSpMkLst>
+            <pc:docMk/>
+            <pc:sldMk cId="2960280254" sldId="301"/>
+            <ac:cxnSpMk id="426" creationId="{00000000-0000-0000-0000-000000000000}"/>
+          </ac:cxnSpMkLst>
+        </pc:cxnChg>
+        <pc:cxnChg chg="del">
+          <ac:chgData name="Itoh Kiyohito" userId="973df969519ed28b" providerId="LiveId" clId="{A9ED4E88-A9D2-42DC-AA60-140FD6D8B4AD}" dt="2021-07-12T08:00:25.793" v="2197" actId="478"/>
+          <ac:cxnSpMkLst>
+            <pc:docMk/>
+            <pc:sldMk cId="2960280254" sldId="301"/>
+            <ac:cxnSpMk id="434" creationId="{00000000-0000-0000-0000-000000000000}"/>
+          </ac:cxnSpMkLst>
+        </pc:cxnChg>
+      </pc:sldChg>
+      <pc:sldChg chg="del">
+        <pc:chgData name="Itoh Kiyohito" userId="973df969519ed28b" providerId="LiveId" clId="{A9ED4E88-A9D2-42DC-AA60-140FD6D8B4AD}" dt="2021-07-12T07:59:52.286" v="2162" actId="47"/>
+        <pc:sldMkLst>
+          <pc:docMk/>
+          <pc:sldMk cId="3244503695" sldId="306"/>
+        </pc:sldMkLst>
+      </pc:sldChg>
+    </pc:docChg>
+  </pc:docChgLst>
+  <pc:docChgLst>
+    <pc:chgData name="Itoh Kiyohito" userId="973df969519ed28b" providerId="LiveId" clId="{547C3CDD-96C2-4A28-89E7-0547D37E74C2}"/>
+    <pc:docChg chg="addSld delSld modSld">
+      <pc:chgData name="Itoh Kiyohito" userId="973df969519ed28b" providerId="LiveId" clId="{547C3CDD-96C2-4A28-89E7-0547D37E74C2}" dt="2021-06-29T23:44:33.419" v="5" actId="47"/>
+      <pc:docMkLst>
+        <pc:docMk/>
+      </pc:docMkLst>
+      <pc:sldChg chg="modSp mod">
+        <pc:chgData name="Itoh Kiyohito" userId="973df969519ed28b" providerId="LiveId" clId="{547C3CDD-96C2-4A28-89E7-0547D37E74C2}" dt="2021-06-29T23:43:36.950" v="2" actId="6549"/>
+        <pc:sldMkLst>
+          <pc:docMk/>
+          <pc:sldMk cId="0" sldId="256"/>
+        </pc:sldMkLst>
+        <pc:spChg chg="mod">
+          <ac:chgData name="Itoh Kiyohito" userId="973df969519ed28b" providerId="LiveId" clId="{547C3CDD-96C2-4A28-89E7-0547D37E74C2}" dt="2021-06-29T23:43:36.950" v="2" actId="6549"/>
+          <ac:spMkLst>
+            <pc:docMk/>
+            <pc:sldMk cId="0" sldId="256"/>
+            <ac:spMk id="62" creationId="{00000000-0000-0000-0000-000000000000}"/>
+          </ac:spMkLst>
+        </pc:spChg>
+      </pc:sldChg>
+      <pc:sldChg chg="modNotes">
+        <pc:chgData name="Itoh Kiyohito" userId="973df969519ed28b" providerId="LiveId" clId="{547C3CDD-96C2-4A28-89E7-0547D37E74C2}" dt="2021-06-29T23:43:51.281" v="3" actId="16037"/>
+        <pc:sldMkLst>
+          <pc:docMk/>
+          <pc:sldMk cId="0" sldId="257"/>
+        </pc:sldMkLst>
+      </pc:sldChg>
+      <pc:sldChg chg="modNotes">
+        <pc:chgData name="Itoh Kiyohito" userId="973df969519ed28b" providerId="LiveId" clId="{547C3CDD-96C2-4A28-89E7-0547D37E74C2}" dt="2021-06-29T23:43:51.281" v="3" actId="16037"/>
+        <pc:sldMkLst>
+          <pc:docMk/>
+          <pc:sldMk cId="0" sldId="258"/>
+        </pc:sldMkLst>
+      </pc:sldChg>
+      <pc:sldChg chg="modNotes">
+        <pc:chgData name="Itoh Kiyohito" userId="973df969519ed28b" providerId="LiveId" clId="{547C3CDD-96C2-4A28-89E7-0547D37E74C2}" dt="2021-06-29T23:43:51.281" v="3" actId="16037"/>
+        <pc:sldMkLst>
+          <pc:docMk/>
+          <pc:sldMk cId="0" sldId="259"/>
+        </pc:sldMkLst>
+      </pc:sldChg>
+      <pc:sldChg chg="modNotes">
+        <pc:chgData name="Itoh Kiyohito" userId="973df969519ed28b" providerId="LiveId" clId="{547C3CDD-96C2-4A28-89E7-0547D37E74C2}" dt="2021-06-29T23:43:51.281" v="3" actId="16037"/>
+        <pc:sldMkLst>
+          <pc:docMk/>
+          <pc:sldMk cId="0" sldId="260"/>
+        </pc:sldMkLst>
+      </pc:sldChg>
+      <pc:sldChg chg="modNotes">
+        <pc:chgData name="Itoh Kiyohito" userId="973df969519ed28b" providerId="LiveId" clId="{547C3CDD-96C2-4A28-89E7-0547D37E74C2}" dt="2021-06-29T23:43:51.281" v="3" actId="16037"/>
+        <pc:sldMkLst>
+          <pc:docMk/>
+          <pc:sldMk cId="0" sldId="261"/>
+        </pc:sldMkLst>
+      </pc:sldChg>
+      <pc:sldChg chg="modNotes">
+        <pc:chgData name="Itoh Kiyohito" userId="973df969519ed28b" providerId="LiveId" clId="{547C3CDD-96C2-4A28-89E7-0547D37E74C2}" dt="2021-06-29T23:43:51.281" v="3" actId="16037"/>
+        <pc:sldMkLst>
+          <pc:docMk/>
+          <pc:sldMk cId="0" sldId="262"/>
+        </pc:sldMkLst>
+      </pc:sldChg>
+      <pc:sldChg chg="modNotes">
+        <pc:chgData name="Itoh Kiyohito" userId="973df969519ed28b" providerId="LiveId" clId="{547C3CDD-96C2-4A28-89E7-0547D37E74C2}" dt="2021-06-29T23:43:51.281" v="3" actId="16037"/>
+        <pc:sldMkLst>
+          <pc:docMk/>
+          <pc:sldMk cId="0" sldId="263"/>
+        </pc:sldMkLst>
+      </pc:sldChg>
+      <pc:sldChg chg="modNotes">
+        <pc:chgData name="Itoh Kiyohito" userId="973df969519ed28b" providerId="LiveId" clId="{547C3CDD-96C2-4A28-89E7-0547D37E74C2}" dt="2021-06-29T23:43:51.281" v="3" actId="16037"/>
+        <pc:sldMkLst>
+          <pc:docMk/>
+          <pc:sldMk cId="0" sldId="264"/>
+        </pc:sldMkLst>
+      </pc:sldChg>
+      <pc:sldChg chg="modNotes">
+        <pc:chgData name="Itoh Kiyohito" userId="973df969519ed28b" providerId="LiveId" clId="{547C3CDD-96C2-4A28-89E7-0547D37E74C2}" dt="2021-06-29T23:43:51.281" v="3" actId="16037"/>
+        <pc:sldMkLst>
+          <pc:docMk/>
+          <pc:sldMk cId="0" sldId="265"/>
+        </pc:sldMkLst>
+      </pc:sldChg>
+      <pc:sldChg chg="modNotes">
+        <pc:chgData name="Itoh Kiyohito" userId="973df969519ed28b" providerId="LiveId" clId="{547C3CDD-96C2-4A28-89E7-0547D37E74C2}" dt="2021-06-29T23:43:51.281" v="3" actId="16037"/>
+        <pc:sldMkLst>
+          <pc:docMk/>
+          <pc:sldMk cId="0" sldId="266"/>
+        </pc:sldMkLst>
+      </pc:sldChg>
+      <pc:sldChg chg="modNotes">
+        <pc:chgData name="Itoh Kiyohito" userId="973df969519ed28b" providerId="LiveId" clId="{547C3CDD-96C2-4A28-89E7-0547D37E74C2}" dt="2021-06-29T23:43:51.281" v="3" actId="16037"/>
+        <pc:sldMkLst>
+          <pc:docMk/>
+          <pc:sldMk cId="0" sldId="267"/>
+        </pc:sldMkLst>
+      </pc:sldChg>
+      <pc:sldChg chg="modNotes">
+        <pc:chgData name="Itoh Kiyohito" userId="973df969519ed28b" providerId="LiveId" clId="{547C3CDD-96C2-4A28-89E7-0547D37E74C2}" dt="2021-06-29T23:43:51.281" v="3" actId="16037"/>
+        <pc:sldMkLst>
+          <pc:docMk/>
+          <pc:sldMk cId="0" sldId="268"/>
+        </pc:sldMkLst>
+      </pc:sldChg>
+      <pc:sldChg chg="modNotes">
+        <pc:chgData name="Itoh Kiyohito" userId="973df969519ed28b" providerId="LiveId" clId="{547C3CDD-96C2-4A28-89E7-0547D37E74C2}" dt="2021-06-29T23:43:51.281" v="3" actId="16037"/>
+        <pc:sldMkLst>
+          <pc:docMk/>
+          <pc:sldMk cId="0" sldId="269"/>
+        </pc:sldMkLst>
+      </pc:sldChg>
+      <pc:sldChg chg="modNotes">
+        <pc:chgData name="Itoh Kiyohito" userId="973df969519ed28b" providerId="LiveId" clId="{547C3CDD-96C2-4A28-89E7-0547D37E74C2}" dt="2021-06-29T23:43:51.281" v="3" actId="16037"/>
+        <pc:sldMkLst>
+          <pc:docMk/>
+          <pc:sldMk cId="0" sldId="270"/>
+        </pc:sldMkLst>
+      </pc:sldChg>
+      <pc:sldChg chg="modNotes">
+        <pc:chgData name="Itoh Kiyohito" userId="973df969519ed28b" providerId="LiveId" clId="{547C3CDD-96C2-4A28-89E7-0547D37E74C2}" dt="2021-06-29T23:43:51.281" v="3" actId="16037"/>
+        <pc:sldMkLst>
+          <pc:docMk/>
+          <pc:sldMk cId="0" sldId="271"/>
+        </pc:sldMkLst>
+      </pc:sldChg>
+      <pc:sldChg chg="modNotes">
+        <pc:chgData name="Itoh Kiyohito" userId="973df969519ed28b" providerId="LiveId" clId="{547C3CDD-96C2-4A28-89E7-0547D37E74C2}" dt="2021-06-29T23:43:51.281" v="3" actId="16037"/>
+        <pc:sldMkLst>
+          <pc:docMk/>
+          <pc:sldMk cId="0" sldId="272"/>
+        </pc:sldMkLst>
+      </pc:sldChg>
+      <pc:sldChg chg="modNotes">
+        <pc:chgData name="Itoh Kiyohito" userId="973df969519ed28b" providerId="LiveId" clId="{547C3CDD-96C2-4A28-89E7-0547D37E74C2}" dt="2021-06-29T23:43:51.281" v="3" actId="16037"/>
+        <pc:sldMkLst>
+          <pc:docMk/>
+          <pc:sldMk cId="0" sldId="273"/>
+        </pc:sldMkLst>
+      </pc:sldChg>
+      <pc:sldChg chg="modNotes">
+        <pc:chgData name="Itoh Kiyohito" userId="973df969519ed28b" providerId="LiveId" clId="{547C3CDD-96C2-4A28-89E7-0547D37E74C2}" dt="2021-06-29T23:43:51.281" v="3" actId="16037"/>
+        <pc:sldMkLst>
+          <pc:docMk/>
+          <pc:sldMk cId="0" sldId="274"/>
+        </pc:sldMkLst>
+      </pc:sldChg>
+      <pc:sldChg chg="modNotes">
+        <pc:chgData name="Itoh Kiyohito" userId="973df969519ed28b" providerId="LiveId" clId="{547C3CDD-96C2-4A28-89E7-0547D37E74C2}" dt="2021-06-29T23:43:51.281" v="3" actId="16037"/>
+        <pc:sldMkLst>
+          <pc:docMk/>
+          <pc:sldMk cId="0" sldId="275"/>
+        </pc:sldMkLst>
+      </pc:sldChg>
+      <pc:sldChg chg="modNotes">
+        <pc:chgData name="Itoh Kiyohito" userId="973df969519ed28b" providerId="LiveId" clId="{547C3CDD-96C2-4A28-89E7-0547D37E74C2}" dt="2021-06-29T23:43:51.281" v="3" actId="16037"/>
+        <pc:sldMkLst>
+          <pc:docMk/>
+          <pc:sldMk cId="0" sldId="276"/>
+        </pc:sldMkLst>
+      </pc:sldChg>
+      <pc:sldChg chg="modNotes">
+        <pc:chgData name="Itoh Kiyohito" userId="973df969519ed28b" providerId="LiveId" clId="{547C3CDD-96C2-4A28-89E7-0547D37E74C2}" dt="2021-06-29T23:43:51.281" v="3" actId="16037"/>
+        <pc:sldMkLst>
+          <pc:docMk/>
+          <pc:sldMk cId="0" sldId="277"/>
+        </pc:sldMkLst>
+      </pc:sldChg>
+      <pc:sldChg chg="modNotes">
+        <pc:chgData name="Itoh Kiyohito" userId="973df969519ed28b" providerId="LiveId" clId="{547C3CDD-96C2-4A28-89E7-0547D37E74C2}" dt="2021-06-29T23:43:51.281" v="3" actId="16037"/>
+        <pc:sldMkLst>
+          <pc:docMk/>
+          <pc:sldMk cId="1535067874" sldId="278"/>
+        </pc:sldMkLst>
+      </pc:sldChg>
+      <pc:sldChg chg="modNotes">
+        <pc:chgData name="Itoh Kiyohito" userId="973df969519ed28b" providerId="LiveId" clId="{547C3CDD-96C2-4A28-89E7-0547D37E74C2}" dt="2021-06-29T23:43:51.281" v="3" actId="16037"/>
+        <pc:sldMkLst>
+          <pc:docMk/>
+          <pc:sldMk cId="0" sldId="279"/>
+        </pc:sldMkLst>
+      </pc:sldChg>
+      <pc:sldChg chg="modNotes">
+        <pc:chgData name="Itoh Kiyohito" userId="973df969519ed28b" providerId="LiveId" clId="{547C3CDD-96C2-4A28-89E7-0547D37E74C2}" dt="2021-06-29T23:43:51.281" v="3" actId="16037"/>
+        <pc:sldMkLst>
+          <pc:docMk/>
+          <pc:sldMk cId="0" sldId="280"/>
+        </pc:sldMkLst>
+      </pc:sldChg>
+      <pc:sldChg chg="modNotes">
+        <pc:chgData name="Itoh Kiyohito" userId="973df969519ed28b" providerId="LiveId" clId="{547C3CDD-96C2-4A28-89E7-0547D37E74C2}" dt="2021-06-29T23:43:51.281" v="3" actId="16037"/>
+        <pc:sldMkLst>
+          <pc:docMk/>
+          <pc:sldMk cId="0" sldId="281"/>
+        </pc:sldMkLst>
+      </pc:sldChg>
+      <pc:sldChg chg="modNotes">
+        <pc:chgData name="Itoh Kiyohito" userId="973df969519ed28b" providerId="LiveId" clId="{547C3CDD-96C2-4A28-89E7-0547D37E74C2}" dt="2021-06-29T23:43:51.281" v="3" actId="16037"/>
+        <pc:sldMkLst>
+          <pc:docMk/>
+          <pc:sldMk cId="0" sldId="282"/>
+        </pc:sldMkLst>
+      </pc:sldChg>
+      <pc:sldChg chg="modNotes">
+        <pc:chgData name="Itoh Kiyohito" userId="973df969519ed28b" providerId="LiveId" clId="{547C3CDD-96C2-4A28-89E7-0547D37E74C2}" dt="2021-06-29T23:43:51.281" v="3" actId="16037"/>
+        <pc:sldMkLst>
+          <pc:docMk/>
+          <pc:sldMk cId="0" sldId="283"/>
+        </pc:sldMkLst>
+      </pc:sldChg>
+      <pc:sldChg chg="modNotes">
+        <pc:chgData name="Itoh Kiyohito" userId="973df969519ed28b" providerId="LiveId" clId="{547C3CDD-96C2-4A28-89E7-0547D37E74C2}" dt="2021-06-29T23:43:51.281" v="3" actId="16037"/>
+        <pc:sldMkLst>
+          <pc:docMk/>
+          <pc:sldMk cId="0" sldId="284"/>
+        </pc:sldMkLst>
+      </pc:sldChg>
+      <pc:sldChg chg="modNotes">
+        <pc:chgData name="Itoh Kiyohito" userId="973df969519ed28b" providerId="LiveId" clId="{547C3CDD-96C2-4A28-89E7-0547D37E74C2}" dt="2021-06-29T23:43:51.281" v="3" actId="16037"/>
+        <pc:sldMkLst>
+          <pc:docMk/>
+          <pc:sldMk cId="0" sldId="285"/>
+        </pc:sldMkLst>
+      </pc:sldChg>
+      <pc:sldChg chg="modNotes">
+        <pc:chgData name="Itoh Kiyohito" userId="973df969519ed28b" providerId="LiveId" clId="{547C3CDD-96C2-4A28-89E7-0547D37E74C2}" dt="2021-06-29T23:43:51.281" v="3" actId="16037"/>
+        <pc:sldMkLst>
+          <pc:docMk/>
+          <pc:sldMk cId="0" sldId="286"/>
+        </pc:sldMkLst>
+      </pc:sldChg>
+      <pc:sldChg chg="modNotes">
+        <pc:chgData name="Itoh Kiyohito" userId="973df969519ed28b" providerId="LiveId" clId="{547C3CDD-96C2-4A28-89E7-0547D37E74C2}" dt="2021-06-29T23:43:51.281" v="3" actId="16037"/>
+        <pc:sldMkLst>
+          <pc:docMk/>
+          <pc:sldMk cId="0" sldId="287"/>
+        </pc:sldMkLst>
+      </pc:sldChg>
+      <pc:sldChg chg="modNotes">
+        <pc:chgData name="Itoh Kiyohito" userId="973df969519ed28b" providerId="LiveId" clId="{547C3CDD-96C2-4A28-89E7-0547D37E74C2}" dt="2021-06-29T23:43:51.281" v="3" actId="16037"/>
+        <pc:sldMkLst>
+          <pc:docMk/>
+          <pc:sldMk cId="0" sldId="288"/>
+        </pc:sldMkLst>
+      </pc:sldChg>
+      <pc:sldChg chg="modNotes">
+        <pc:chgData name="Itoh Kiyohito" userId="973df969519ed28b" providerId="LiveId" clId="{547C3CDD-96C2-4A28-89E7-0547D37E74C2}" dt="2021-06-29T23:43:51.281" v="3" actId="16037"/>
+        <pc:sldMkLst>
+          <pc:docMk/>
+          <pc:sldMk cId="0" sldId="289"/>
+        </pc:sldMkLst>
+      </pc:sldChg>
+      <pc:sldChg chg="modNotes">
+        <pc:chgData name="Itoh Kiyohito" userId="973df969519ed28b" providerId="LiveId" clId="{547C3CDD-96C2-4A28-89E7-0547D37E74C2}" dt="2021-06-29T23:43:51.281" v="3" actId="16037"/>
+        <pc:sldMkLst>
+          <pc:docMk/>
+          <pc:sldMk cId="0" sldId="290"/>
+        </pc:sldMkLst>
+      </pc:sldChg>
+      <pc:sldChg chg="modNotes">
+        <pc:chgData name="Itoh Kiyohito" userId="973df969519ed28b" providerId="LiveId" clId="{547C3CDD-96C2-4A28-89E7-0547D37E74C2}" dt="2021-06-29T23:43:51.281" v="3" actId="16037"/>
+        <pc:sldMkLst>
+          <pc:docMk/>
+          <pc:sldMk cId="0" sldId="291"/>
+        </pc:sldMkLst>
+      </pc:sldChg>
+      <pc:sldChg chg="modNotes">
+        <pc:chgData name="Itoh Kiyohito" userId="973df969519ed28b" providerId="LiveId" clId="{547C3CDD-96C2-4A28-89E7-0547D37E74C2}" dt="2021-06-29T23:43:51.281" v="3" actId="16037"/>
+        <pc:sldMkLst>
+          <pc:docMk/>
+          <pc:sldMk cId="0" sldId="292"/>
+        </pc:sldMkLst>
+      </pc:sldChg>
+      <pc:sldChg chg="modNotes">
+        <pc:chgData name="Itoh Kiyohito" userId="973df969519ed28b" providerId="LiveId" clId="{547C3CDD-96C2-4A28-89E7-0547D37E74C2}" dt="2021-06-29T23:43:51.281" v="3" actId="16037"/>
+        <pc:sldMkLst>
+          <pc:docMk/>
+          <pc:sldMk cId="0" sldId="293"/>
+        </pc:sldMkLst>
+      </pc:sldChg>
+      <pc:sldChg chg="modNotes">
+        <pc:chgData name="Itoh Kiyohito" userId="973df969519ed28b" providerId="LiveId" clId="{547C3CDD-96C2-4A28-89E7-0547D37E74C2}" dt="2021-06-29T23:43:51.281" v="3" actId="16037"/>
+        <pc:sldMkLst>
+          <pc:docMk/>
+          <pc:sldMk cId="0" sldId="294"/>
+        </pc:sldMkLst>
+      </pc:sldChg>
+      <pc:sldChg chg="new del">
+        <pc:chgData name="Itoh Kiyohito" userId="973df969519ed28b" providerId="LiveId" clId="{547C3CDD-96C2-4A28-89E7-0547D37E74C2}" dt="2021-06-29T23:44:33.419" v="5" actId="47"/>
+        <pc:sldMkLst>
+          <pc:docMk/>
+          <pc:sldMk cId="4124671055" sldId="295"/>
+        </pc:sldMkLst>
+      </pc:sldChg>
+    </pc:docChg>
+  </pc:docChgLst>
+  <pc:docChgLst>
     <pc:chgData name="Itoh Kiyohito" userId="973df969519ed28b" providerId="LiveId" clId="{4E1BB6A1-EDAF-4481-A0D1-9DE730E36F66}"/>
     <pc:docChg chg="undo custSel addSld delSld modSld sldOrd">
       <pc:chgData name="Itoh Kiyohito" userId="973df969519ed28b" providerId="LiveId" clId="{4E1BB6A1-EDAF-4481-A0D1-9DE730E36F66}" dt="2021-07-01T05:10:34.662" v="12267" actId="6549"/>
@@ -1736,397 +2424,6 @@
           </pc:sldLayoutMkLst>
         </pc:sldLayoutChg>
       </pc:sldMasterChg>
-    </pc:docChg>
-  </pc:docChgLst>
-  <pc:docChgLst>
-    <pc:chgData name="Itoh Kiyohito" userId="973df969519ed28b" providerId="LiveId" clId="{A9ED4E88-A9D2-42DC-AA60-140FD6D8B4AD}"/>
-    <pc:docChg chg="undo custSel delSld modSld sldOrd">
-      <pc:chgData name="Itoh Kiyohito" userId="973df969519ed28b" providerId="LiveId" clId="{A9ED4E88-A9D2-42DC-AA60-140FD6D8B4AD}" dt="2021-07-12T08:53:39.220" v="3508" actId="1076"/>
-      <pc:docMkLst>
-        <pc:docMk/>
-      </pc:docMkLst>
-      <pc:sldChg chg="addSp modSp mod">
-        <pc:chgData name="Itoh Kiyohito" userId="973df969519ed28b" providerId="LiveId" clId="{A9ED4E88-A9D2-42DC-AA60-140FD6D8B4AD}" dt="2021-07-12T06:16:17.596" v="114" actId="20577"/>
-        <pc:sldMkLst>
-          <pc:docMk/>
-          <pc:sldMk cId="0" sldId="256"/>
-        </pc:sldMkLst>
-        <pc:spChg chg="add mod">
-          <ac:chgData name="Itoh Kiyohito" userId="973df969519ed28b" providerId="LiveId" clId="{A9ED4E88-A9D2-42DC-AA60-140FD6D8B4AD}" dt="2021-07-12T06:16:17.596" v="114" actId="20577"/>
-          <ac:spMkLst>
-            <pc:docMk/>
-            <pc:sldMk cId="0" sldId="256"/>
-            <ac:spMk id="4" creationId="{5B84FDDC-4025-4DCF-9979-F406FBC438C5}"/>
-          </ac:spMkLst>
-        </pc:spChg>
-      </pc:sldChg>
-      <pc:sldChg chg="addSp modSp mod ord">
-        <pc:chgData name="Itoh Kiyohito" userId="973df969519ed28b" providerId="LiveId" clId="{A9ED4E88-A9D2-42DC-AA60-140FD6D8B4AD}" dt="2021-07-12T08:53:39.220" v="3508" actId="1076"/>
-        <pc:sldMkLst>
-          <pc:docMk/>
-          <pc:sldMk cId="0" sldId="262"/>
-        </pc:sldMkLst>
-        <pc:spChg chg="mod">
-          <ac:chgData name="Itoh Kiyohito" userId="973df969519ed28b" providerId="LiveId" clId="{A9ED4E88-A9D2-42DC-AA60-140FD6D8B4AD}" dt="2021-07-12T06:27:30.252" v="380" actId="20577"/>
-          <ac:spMkLst>
-            <pc:docMk/>
-            <pc:sldMk cId="0" sldId="262"/>
-            <ac:spMk id="107" creationId="{00000000-0000-0000-0000-000000000000}"/>
-          </ac:spMkLst>
-        </pc:spChg>
-        <pc:picChg chg="add mod">
-          <ac:chgData name="Itoh Kiyohito" userId="973df969519ed28b" providerId="LiveId" clId="{A9ED4E88-A9D2-42DC-AA60-140FD6D8B4AD}" dt="2021-07-12T08:53:39.220" v="3508" actId="1076"/>
-          <ac:picMkLst>
-            <pc:docMk/>
-            <pc:sldMk cId="0" sldId="262"/>
-            <ac:picMk id="1026" creationId="{A26A7807-A3CE-474D-9DD4-79A4DDCF0EAC}"/>
-          </ac:picMkLst>
-        </pc:picChg>
-      </pc:sldChg>
-      <pc:sldChg chg="addSp delSp modSp mod">
-        <pc:chgData name="Itoh Kiyohito" userId="973df969519ed28b" providerId="LiveId" clId="{A9ED4E88-A9D2-42DC-AA60-140FD6D8B4AD}" dt="2021-07-12T07:59:09.198" v="2161" actId="20577"/>
-        <pc:sldMkLst>
-          <pc:docMk/>
-          <pc:sldMk cId="0" sldId="267"/>
-        </pc:sldMkLst>
-        <pc:spChg chg="add del">
-          <ac:chgData name="Itoh Kiyohito" userId="973df969519ed28b" providerId="LiveId" clId="{A9ED4E88-A9D2-42DC-AA60-140FD6D8B4AD}" dt="2021-07-12T06:36:56.919" v="757" actId="11529"/>
-          <ac:spMkLst>
-            <pc:docMk/>
-            <pc:sldMk cId="0" sldId="267"/>
-            <ac:spMk id="2" creationId="{FA097213-BDDC-49F7-A624-4C24979B47D6}"/>
-          </ac:spMkLst>
-        </pc:spChg>
-        <pc:spChg chg="add mod">
-          <ac:chgData name="Itoh Kiyohito" userId="973df969519ed28b" providerId="LiveId" clId="{A9ED4E88-A9D2-42DC-AA60-140FD6D8B4AD}" dt="2021-07-12T07:56:27.028" v="2131" actId="1038"/>
-          <ac:spMkLst>
-            <pc:docMk/>
-            <pc:sldMk cId="0" sldId="267"/>
-            <ac:spMk id="3" creationId="{BA3FAF98-5A6B-45D8-AEDC-6359B1502ADC}"/>
-          </ac:spMkLst>
-        </pc:spChg>
-        <pc:spChg chg="add mod">
-          <ac:chgData name="Itoh Kiyohito" userId="973df969519ed28b" providerId="LiveId" clId="{A9ED4E88-A9D2-42DC-AA60-140FD6D8B4AD}" dt="2021-07-12T07:56:27.028" v="2131" actId="1038"/>
-          <ac:spMkLst>
-            <pc:docMk/>
-            <pc:sldMk cId="0" sldId="267"/>
-            <ac:spMk id="9" creationId="{BC22BE19-18B4-4A32-BC71-815743C03EF5}"/>
-          </ac:spMkLst>
-        </pc:spChg>
-        <pc:spChg chg="add mod">
-          <ac:chgData name="Itoh Kiyohito" userId="973df969519ed28b" providerId="LiveId" clId="{A9ED4E88-A9D2-42DC-AA60-140FD6D8B4AD}" dt="2021-07-12T07:59:09.198" v="2161" actId="20577"/>
-          <ac:spMkLst>
-            <pc:docMk/>
-            <pc:sldMk cId="0" sldId="267"/>
-            <ac:spMk id="10" creationId="{944DB7F7-0981-461B-A039-55C8C6399A1A}"/>
-          </ac:spMkLst>
-        </pc:spChg>
-        <pc:spChg chg="add del mod">
-          <ac:chgData name="Itoh Kiyohito" userId="973df969519ed28b" providerId="LiveId" clId="{A9ED4E88-A9D2-42DC-AA60-140FD6D8B4AD}" dt="2021-07-12T06:48:06.163" v="1010" actId="478"/>
-          <ac:spMkLst>
-            <pc:docMk/>
-            <pc:sldMk cId="0" sldId="267"/>
-            <ac:spMk id="11" creationId="{38A4C412-FC5C-4845-A1F0-A4FDC9EB1E19}"/>
-          </ac:spMkLst>
-        </pc:spChg>
-        <pc:spChg chg="add mod">
-          <ac:chgData name="Itoh Kiyohito" userId="973df969519ed28b" providerId="LiveId" clId="{A9ED4E88-A9D2-42DC-AA60-140FD6D8B4AD}" dt="2021-07-12T07:56:27.028" v="2131" actId="1038"/>
-          <ac:spMkLst>
-            <pc:docMk/>
-            <pc:sldMk cId="0" sldId="267"/>
-            <ac:spMk id="12" creationId="{686D13A8-995E-4490-BBAA-626373A0DE1D}"/>
-          </ac:spMkLst>
-        </pc:spChg>
-        <pc:spChg chg="add mod">
-          <ac:chgData name="Itoh Kiyohito" userId="973df969519ed28b" providerId="LiveId" clId="{A9ED4E88-A9D2-42DC-AA60-140FD6D8B4AD}" dt="2021-07-12T07:56:27.028" v="2131" actId="1038"/>
-          <ac:spMkLst>
-            <pc:docMk/>
-            <pc:sldMk cId="0" sldId="267"/>
-            <ac:spMk id="13" creationId="{AB87D2B6-F4EF-43E3-91C9-3B2164A61A51}"/>
-          </ac:spMkLst>
-        </pc:spChg>
-        <pc:spChg chg="add mod">
-          <ac:chgData name="Itoh Kiyohito" userId="973df969519ed28b" providerId="LiveId" clId="{A9ED4E88-A9D2-42DC-AA60-140FD6D8B4AD}" dt="2021-07-12T07:56:27.028" v="2131" actId="1038"/>
-          <ac:spMkLst>
-            <pc:docMk/>
-            <pc:sldMk cId="0" sldId="267"/>
-            <ac:spMk id="14" creationId="{6FB91F32-BF31-462C-81EA-C94E4ACF1776}"/>
-          </ac:spMkLst>
-        </pc:spChg>
-        <pc:spChg chg="add mod">
-          <ac:chgData name="Itoh Kiyohito" userId="973df969519ed28b" providerId="LiveId" clId="{A9ED4E88-A9D2-42DC-AA60-140FD6D8B4AD}" dt="2021-07-12T07:56:27.028" v="2131" actId="1038"/>
-          <ac:spMkLst>
-            <pc:docMk/>
-            <pc:sldMk cId="0" sldId="267"/>
-            <ac:spMk id="15" creationId="{4C48F3EB-9DE9-485E-8BF9-E04DF6106725}"/>
-          </ac:spMkLst>
-        </pc:spChg>
-        <pc:spChg chg="add mod">
-          <ac:chgData name="Itoh Kiyohito" userId="973df969519ed28b" providerId="LiveId" clId="{A9ED4E88-A9D2-42DC-AA60-140FD6D8B4AD}" dt="2021-07-12T07:56:27.028" v="2131" actId="1038"/>
-          <ac:spMkLst>
-            <pc:docMk/>
-            <pc:sldMk cId="0" sldId="267"/>
-            <ac:spMk id="16" creationId="{1FFA94B3-E487-4E38-A39B-30937810333B}"/>
-          </ac:spMkLst>
-        </pc:spChg>
-        <pc:spChg chg="add mod">
-          <ac:chgData name="Itoh Kiyohito" userId="973df969519ed28b" providerId="LiveId" clId="{A9ED4E88-A9D2-42DC-AA60-140FD6D8B4AD}" dt="2021-07-12T07:56:27.028" v="2131" actId="1038"/>
-          <ac:spMkLst>
-            <pc:docMk/>
-            <pc:sldMk cId="0" sldId="267"/>
-            <ac:spMk id="17" creationId="{D4A33FA7-327D-4C4C-B3CB-016E5C39AE1A}"/>
-          </ac:spMkLst>
-        </pc:spChg>
-        <pc:spChg chg="add mod">
-          <ac:chgData name="Itoh Kiyohito" userId="973df969519ed28b" providerId="LiveId" clId="{A9ED4E88-A9D2-42DC-AA60-140FD6D8B4AD}" dt="2021-07-12T07:56:27.028" v="2131" actId="1038"/>
-          <ac:spMkLst>
-            <pc:docMk/>
-            <pc:sldMk cId="0" sldId="267"/>
-            <ac:spMk id="18" creationId="{20B15E00-7C6A-4463-B035-0C6BBD646AD0}"/>
-          </ac:spMkLst>
-        </pc:spChg>
-        <pc:spChg chg="add mod">
-          <ac:chgData name="Itoh Kiyohito" userId="973df969519ed28b" providerId="LiveId" clId="{A9ED4E88-A9D2-42DC-AA60-140FD6D8B4AD}" dt="2021-07-12T07:56:27.028" v="2131" actId="1038"/>
-          <ac:spMkLst>
-            <pc:docMk/>
-            <pc:sldMk cId="0" sldId="267"/>
-            <ac:spMk id="19" creationId="{D1D9F2A9-EC2D-4B36-87E4-E1C762C39C4E}"/>
-          </ac:spMkLst>
-        </pc:spChg>
-        <pc:spChg chg="add mod">
-          <ac:chgData name="Itoh Kiyohito" userId="973df969519ed28b" providerId="LiveId" clId="{A9ED4E88-A9D2-42DC-AA60-140FD6D8B4AD}" dt="2021-07-12T07:56:27.028" v="2131" actId="1038"/>
-          <ac:spMkLst>
-            <pc:docMk/>
-            <pc:sldMk cId="0" sldId="267"/>
-            <ac:spMk id="20" creationId="{504F5624-06EB-47CE-9B16-EB3133416221}"/>
-          </ac:spMkLst>
-        </pc:spChg>
-        <pc:spChg chg="add mod">
-          <ac:chgData name="Itoh Kiyohito" userId="973df969519ed28b" providerId="LiveId" clId="{A9ED4E88-A9D2-42DC-AA60-140FD6D8B4AD}" dt="2021-07-12T07:56:27.028" v="2131" actId="1038"/>
-          <ac:spMkLst>
-            <pc:docMk/>
-            <pc:sldMk cId="0" sldId="267"/>
-            <ac:spMk id="21" creationId="{AD0CCC33-9302-4E9D-892F-23C6CE50F9BB}"/>
-          </ac:spMkLst>
-        </pc:spChg>
-        <pc:spChg chg="add mod">
-          <ac:chgData name="Itoh Kiyohito" userId="973df969519ed28b" providerId="LiveId" clId="{A9ED4E88-A9D2-42DC-AA60-140FD6D8B4AD}" dt="2021-07-12T07:56:27.028" v="2131" actId="1038"/>
-          <ac:spMkLst>
-            <pc:docMk/>
-            <pc:sldMk cId="0" sldId="267"/>
-            <ac:spMk id="22" creationId="{B8ECAC2C-F4CD-4CF4-AE33-9F5B3EE45FD1}"/>
-          </ac:spMkLst>
-        </pc:spChg>
-        <pc:spChg chg="add mod">
-          <ac:chgData name="Itoh Kiyohito" userId="973df969519ed28b" providerId="LiveId" clId="{A9ED4E88-A9D2-42DC-AA60-140FD6D8B4AD}" dt="2021-07-12T07:56:27.028" v="2131" actId="1038"/>
-          <ac:spMkLst>
-            <pc:docMk/>
-            <pc:sldMk cId="0" sldId="267"/>
-            <ac:spMk id="23" creationId="{8C39156F-C149-41DB-95B5-E3B4B3C71F64}"/>
-          </ac:spMkLst>
-        </pc:spChg>
-        <pc:spChg chg="add mod">
-          <ac:chgData name="Itoh Kiyohito" userId="973df969519ed28b" providerId="LiveId" clId="{A9ED4E88-A9D2-42DC-AA60-140FD6D8B4AD}" dt="2021-07-12T07:56:27.028" v="2131" actId="1038"/>
-          <ac:spMkLst>
-            <pc:docMk/>
-            <pc:sldMk cId="0" sldId="267"/>
-            <ac:spMk id="24" creationId="{45ECAE92-DEDC-4545-B50C-A8A29E1E4A4E}"/>
-          </ac:spMkLst>
-        </pc:spChg>
-        <pc:spChg chg="add mod">
-          <ac:chgData name="Itoh Kiyohito" userId="973df969519ed28b" providerId="LiveId" clId="{A9ED4E88-A9D2-42DC-AA60-140FD6D8B4AD}" dt="2021-07-12T07:56:27.028" v="2131" actId="1038"/>
-          <ac:spMkLst>
-            <pc:docMk/>
-            <pc:sldMk cId="0" sldId="267"/>
-            <ac:spMk id="25" creationId="{07AEF24E-6620-43B3-9014-D9F9A66092B2}"/>
-          </ac:spMkLst>
-        </pc:spChg>
-        <pc:spChg chg="mod">
-          <ac:chgData name="Itoh Kiyohito" userId="973df969519ed28b" providerId="LiveId" clId="{A9ED4E88-A9D2-42DC-AA60-140FD6D8B4AD}" dt="2021-07-12T07:42:59.504" v="1960" actId="20577"/>
-          <ac:spMkLst>
-            <pc:docMk/>
-            <pc:sldMk cId="0" sldId="267"/>
-            <ac:spMk id="160" creationId="{00000000-0000-0000-0000-000000000000}"/>
-          </ac:spMkLst>
-        </pc:spChg>
-        <pc:spChg chg="mod">
-          <ac:chgData name="Itoh Kiyohito" userId="973df969519ed28b" providerId="LiveId" clId="{A9ED4E88-A9D2-42DC-AA60-140FD6D8B4AD}" dt="2021-07-12T07:56:27.028" v="2131" actId="1038"/>
-          <ac:spMkLst>
-            <pc:docMk/>
-            <pc:sldMk cId="0" sldId="267"/>
-            <ac:spMk id="161" creationId="{00000000-0000-0000-0000-000000000000}"/>
-          </ac:spMkLst>
-        </pc:spChg>
-        <pc:spChg chg="mod">
-          <ac:chgData name="Itoh Kiyohito" userId="973df969519ed28b" providerId="LiveId" clId="{A9ED4E88-A9D2-42DC-AA60-140FD6D8B4AD}" dt="2021-07-12T07:56:27.028" v="2131" actId="1038"/>
-          <ac:spMkLst>
-            <pc:docMk/>
-            <pc:sldMk cId="0" sldId="267"/>
-            <ac:spMk id="162" creationId="{00000000-0000-0000-0000-000000000000}"/>
-          </ac:spMkLst>
-        </pc:spChg>
-        <pc:spChg chg="mod">
-          <ac:chgData name="Itoh Kiyohito" userId="973df969519ed28b" providerId="LiveId" clId="{A9ED4E88-A9D2-42DC-AA60-140FD6D8B4AD}" dt="2021-07-12T07:56:27.028" v="2131" actId="1038"/>
-          <ac:spMkLst>
-            <pc:docMk/>
-            <pc:sldMk cId="0" sldId="267"/>
-            <ac:spMk id="163" creationId="{00000000-0000-0000-0000-000000000000}"/>
-          </ac:spMkLst>
-        </pc:spChg>
-      </pc:sldChg>
-      <pc:sldChg chg="modSp mod">
-        <pc:chgData name="Itoh Kiyohito" userId="973df969519ed28b" providerId="LiveId" clId="{A9ED4E88-A9D2-42DC-AA60-140FD6D8B4AD}" dt="2021-07-12T08:51:17.354" v="3485" actId="20577"/>
-        <pc:sldMkLst>
-          <pc:docMk/>
-          <pc:sldMk cId="0" sldId="284"/>
-        </pc:sldMkLst>
-        <pc:graphicFrameChg chg="modGraphic">
-          <ac:chgData name="Itoh Kiyohito" userId="973df969519ed28b" providerId="LiveId" clId="{A9ED4E88-A9D2-42DC-AA60-140FD6D8B4AD}" dt="2021-07-12T08:51:17.354" v="3485" actId="20577"/>
-          <ac:graphicFrameMkLst>
-            <pc:docMk/>
-            <pc:sldMk cId="0" sldId="284"/>
-            <ac:graphicFrameMk id="480" creationId="{00000000-0000-0000-0000-000000000000}"/>
-          </ac:graphicFrameMkLst>
-        </pc:graphicFrameChg>
-      </pc:sldChg>
-      <pc:sldChg chg="modSp mod">
-        <pc:chgData name="Itoh Kiyohito" userId="973df969519ed28b" providerId="LiveId" clId="{A9ED4E88-A9D2-42DC-AA60-140FD6D8B4AD}" dt="2021-07-12T07:58:15.827" v="2146" actId="20577"/>
-        <pc:sldMkLst>
-          <pc:docMk/>
-          <pc:sldMk cId="3613530894" sldId="295"/>
-        </pc:sldMkLst>
-        <pc:spChg chg="mod">
-          <ac:chgData name="Itoh Kiyohito" userId="973df969519ed28b" providerId="LiveId" clId="{A9ED4E88-A9D2-42DC-AA60-140FD6D8B4AD}" dt="2021-07-12T07:58:15.827" v="2146" actId="20577"/>
-          <ac:spMkLst>
-            <pc:docMk/>
-            <pc:sldMk cId="3613530894" sldId="295"/>
-            <ac:spMk id="12" creationId="{2A671D8A-90FB-4257-88A8-14D5C315EEE4}"/>
-          </ac:spMkLst>
-        </pc:spChg>
-        <pc:spChg chg="mod">
-          <ac:chgData name="Itoh Kiyohito" userId="973df969519ed28b" providerId="LiveId" clId="{A9ED4E88-A9D2-42DC-AA60-140FD6D8B4AD}" dt="2021-07-12T07:58:04.914" v="2142" actId="20577"/>
-          <ac:spMkLst>
-            <pc:docMk/>
-            <pc:sldMk cId="3613530894" sldId="295"/>
-            <ac:spMk id="571" creationId="{00000000-0000-0000-0000-000000000000}"/>
-          </ac:spMkLst>
-        </pc:spChg>
-        <pc:spChg chg="mod">
-          <ac:chgData name="Itoh Kiyohito" userId="973df969519ed28b" providerId="LiveId" clId="{A9ED4E88-A9D2-42DC-AA60-140FD6D8B4AD}" dt="2021-07-12T07:58:07.249" v="2143" actId="20577"/>
-          <ac:spMkLst>
-            <pc:docMk/>
-            <pc:sldMk cId="3613530894" sldId="295"/>
-            <ac:spMk id="572" creationId="{00000000-0000-0000-0000-000000000000}"/>
-          </ac:spMkLst>
-        </pc:spChg>
-        <pc:spChg chg="mod">
-          <ac:chgData name="Itoh Kiyohito" userId="973df969519ed28b" providerId="LiveId" clId="{A9ED4E88-A9D2-42DC-AA60-140FD6D8B4AD}" dt="2021-07-12T07:58:09.626" v="2144" actId="20577"/>
-          <ac:spMkLst>
-            <pc:docMk/>
-            <pc:sldMk cId="3613530894" sldId="295"/>
-            <ac:spMk id="573" creationId="{00000000-0000-0000-0000-000000000000}"/>
-          </ac:spMkLst>
-        </pc:spChg>
-        <pc:spChg chg="mod">
-          <ac:chgData name="Itoh Kiyohito" userId="973df969519ed28b" providerId="LiveId" clId="{A9ED4E88-A9D2-42DC-AA60-140FD6D8B4AD}" dt="2021-07-12T07:58:12.374" v="2145" actId="20577"/>
-          <ac:spMkLst>
-            <pc:docMk/>
-            <pc:sldMk cId="3613530894" sldId="295"/>
-            <ac:spMk id="574" creationId="{00000000-0000-0000-0000-000000000000}"/>
-          </ac:spMkLst>
-        </pc:spChg>
-      </pc:sldChg>
-      <pc:sldChg chg="del">
-        <pc:chgData name="Itoh Kiyohito" userId="973df969519ed28b" providerId="LiveId" clId="{A9ED4E88-A9D2-42DC-AA60-140FD6D8B4AD}" dt="2021-07-12T07:57:56.652" v="2141" actId="47"/>
-        <pc:sldMkLst>
-          <pc:docMk/>
-          <pc:sldMk cId="1930786836" sldId="297"/>
-        </pc:sldMkLst>
-      </pc:sldChg>
-      <pc:sldChg chg="modSp mod ord">
-        <pc:chgData name="Itoh Kiyohito" userId="973df969519ed28b" providerId="LiveId" clId="{A9ED4E88-A9D2-42DC-AA60-140FD6D8B4AD}" dt="2021-07-12T08:52:14.293" v="3499" actId="1035"/>
-        <pc:sldMkLst>
-          <pc:docMk/>
-          <pc:sldMk cId="1229821054" sldId="298"/>
-        </pc:sldMkLst>
-        <pc:spChg chg="mod">
-          <ac:chgData name="Itoh Kiyohito" userId="973df969519ed28b" providerId="LiveId" clId="{A9ED4E88-A9D2-42DC-AA60-140FD6D8B4AD}" dt="2021-07-12T08:52:14.293" v="3499" actId="1035"/>
-          <ac:spMkLst>
-            <pc:docMk/>
-            <pc:sldMk cId="1229821054" sldId="298"/>
-            <ac:spMk id="100" creationId="{00000000-0000-0000-0000-000000000000}"/>
-          </ac:spMkLst>
-        </pc:spChg>
-      </pc:sldChg>
-      <pc:sldChg chg="del">
-        <pc:chgData name="Itoh Kiyohito" userId="973df969519ed28b" providerId="LiveId" clId="{A9ED4E88-A9D2-42DC-AA60-140FD6D8B4AD}" dt="2021-07-12T07:54:12.663" v="2072" actId="47"/>
-        <pc:sldMkLst>
-          <pc:docMk/>
-          <pc:sldMk cId="553870286" sldId="299"/>
-        </pc:sldMkLst>
-      </pc:sldChg>
-      <pc:sldChg chg="delSp modSp mod">
-        <pc:chgData name="Itoh Kiyohito" userId="973df969519ed28b" providerId="LiveId" clId="{A9ED4E88-A9D2-42DC-AA60-140FD6D8B4AD}" dt="2021-07-12T08:00:29.797" v="2199" actId="478"/>
-        <pc:sldMkLst>
-          <pc:docMk/>
-          <pc:sldMk cId="2960280254" sldId="301"/>
-        </pc:sldMkLst>
-        <pc:spChg chg="mod">
-          <ac:chgData name="Itoh Kiyohito" userId="973df969519ed28b" providerId="LiveId" clId="{A9ED4E88-A9D2-42DC-AA60-140FD6D8B4AD}" dt="2021-07-12T08:00:20.718" v="2196" actId="1037"/>
-          <ac:spMkLst>
-            <pc:docMk/>
-            <pc:sldMk cId="2960280254" sldId="301"/>
-            <ac:spMk id="42" creationId="{2E2BBCCD-E041-4F14-970D-45F841CB6B5A}"/>
-          </ac:spMkLst>
-        </pc:spChg>
-        <pc:spChg chg="del mod">
-          <ac:chgData name="Itoh Kiyohito" userId="973df969519ed28b" providerId="LiveId" clId="{A9ED4E88-A9D2-42DC-AA60-140FD6D8B4AD}" dt="2021-07-12T08:00:29.797" v="2199" actId="478"/>
-          <ac:spMkLst>
-            <pc:docMk/>
-            <pc:sldMk cId="2960280254" sldId="301"/>
-            <ac:spMk id="427" creationId="{00000000-0000-0000-0000-000000000000}"/>
-          </ac:spMkLst>
-        </pc:spChg>
-        <pc:spChg chg="del">
-          <ac:chgData name="Itoh Kiyohito" userId="973df969519ed28b" providerId="LiveId" clId="{A9ED4E88-A9D2-42DC-AA60-140FD6D8B4AD}" dt="2021-07-12T08:00:25.793" v="2197" actId="478"/>
-          <ac:spMkLst>
-            <pc:docMk/>
-            <pc:sldMk cId="2960280254" sldId="301"/>
-            <ac:spMk id="435" creationId="{00000000-0000-0000-0000-000000000000}"/>
-          </ac:spMkLst>
-        </pc:spChg>
-        <pc:cxnChg chg="mod">
-          <ac:chgData name="Itoh Kiyohito" userId="973df969519ed28b" providerId="LiveId" clId="{A9ED4E88-A9D2-42DC-AA60-140FD6D8B4AD}" dt="2021-07-12T08:00:20.718" v="2196" actId="1037"/>
-          <ac:cxnSpMkLst>
-            <pc:docMk/>
-            <pc:sldMk cId="2960280254" sldId="301"/>
-            <ac:cxnSpMk id="41" creationId="{E3946EE2-FA32-4ABD-A1E1-57240C0B4FEA}"/>
-          </ac:cxnSpMkLst>
-        </pc:cxnChg>
-        <pc:cxnChg chg="del mod">
-          <ac:chgData name="Itoh Kiyohito" userId="973df969519ed28b" providerId="LiveId" clId="{A9ED4E88-A9D2-42DC-AA60-140FD6D8B4AD}" dt="2021-07-12T08:00:29.797" v="2199" actId="478"/>
-          <ac:cxnSpMkLst>
-            <pc:docMk/>
-            <pc:sldMk cId="2960280254" sldId="301"/>
-            <ac:cxnSpMk id="426" creationId="{00000000-0000-0000-0000-000000000000}"/>
-          </ac:cxnSpMkLst>
-        </pc:cxnChg>
-        <pc:cxnChg chg="del">
-          <ac:chgData name="Itoh Kiyohito" userId="973df969519ed28b" providerId="LiveId" clId="{A9ED4E88-A9D2-42DC-AA60-140FD6D8B4AD}" dt="2021-07-12T08:00:25.793" v="2197" actId="478"/>
-          <ac:cxnSpMkLst>
-            <pc:docMk/>
-            <pc:sldMk cId="2960280254" sldId="301"/>
-            <ac:cxnSpMk id="434" creationId="{00000000-0000-0000-0000-000000000000}"/>
-          </ac:cxnSpMkLst>
-        </pc:cxnChg>
-      </pc:sldChg>
-      <pc:sldChg chg="del">
-        <pc:chgData name="Itoh Kiyohito" userId="973df969519ed28b" providerId="LiveId" clId="{A9ED4E88-A9D2-42DC-AA60-140FD6D8B4AD}" dt="2021-07-12T07:59:52.286" v="2162" actId="47"/>
-        <pc:sldMkLst>
-          <pc:docMk/>
-          <pc:sldMk cId="3244503695" sldId="306"/>
-        </pc:sldMkLst>
-      </pc:sldChg>
     </pc:docChg>
   </pc:docChgLst>
   <pc:docChgLst>
@@ -2254,303 +2551,6 @@
             <ac:picMk id="216" creationId="{A4701AA5-2B3D-4C3B-8CA4-4CD76ECFC438}"/>
           </ac:picMkLst>
         </pc:picChg>
-      </pc:sldChg>
-    </pc:docChg>
-  </pc:docChgLst>
-  <pc:docChgLst>
-    <pc:chgData name="Itoh Kiyohito" userId="973df969519ed28b" providerId="LiveId" clId="{547C3CDD-96C2-4A28-89E7-0547D37E74C2}"/>
-    <pc:docChg chg="addSld delSld modSld">
-      <pc:chgData name="Itoh Kiyohito" userId="973df969519ed28b" providerId="LiveId" clId="{547C3CDD-96C2-4A28-89E7-0547D37E74C2}" dt="2021-06-29T23:44:33.419" v="5" actId="47"/>
-      <pc:docMkLst>
-        <pc:docMk/>
-      </pc:docMkLst>
-      <pc:sldChg chg="modSp mod">
-        <pc:chgData name="Itoh Kiyohito" userId="973df969519ed28b" providerId="LiveId" clId="{547C3CDD-96C2-4A28-89E7-0547D37E74C2}" dt="2021-06-29T23:43:36.950" v="2" actId="6549"/>
-        <pc:sldMkLst>
-          <pc:docMk/>
-          <pc:sldMk cId="0" sldId="256"/>
-        </pc:sldMkLst>
-        <pc:spChg chg="mod">
-          <ac:chgData name="Itoh Kiyohito" userId="973df969519ed28b" providerId="LiveId" clId="{547C3CDD-96C2-4A28-89E7-0547D37E74C2}" dt="2021-06-29T23:43:36.950" v="2" actId="6549"/>
-          <ac:spMkLst>
-            <pc:docMk/>
-            <pc:sldMk cId="0" sldId="256"/>
-            <ac:spMk id="62" creationId="{00000000-0000-0000-0000-000000000000}"/>
-          </ac:spMkLst>
-        </pc:spChg>
-      </pc:sldChg>
-      <pc:sldChg chg="modNotes">
-        <pc:chgData name="Itoh Kiyohito" userId="973df969519ed28b" providerId="LiveId" clId="{547C3CDD-96C2-4A28-89E7-0547D37E74C2}" dt="2021-06-29T23:43:51.281" v="3" actId="16037"/>
-        <pc:sldMkLst>
-          <pc:docMk/>
-          <pc:sldMk cId="0" sldId="257"/>
-        </pc:sldMkLst>
-      </pc:sldChg>
-      <pc:sldChg chg="modNotes">
-        <pc:chgData name="Itoh Kiyohito" userId="973df969519ed28b" providerId="LiveId" clId="{547C3CDD-96C2-4A28-89E7-0547D37E74C2}" dt="2021-06-29T23:43:51.281" v="3" actId="16037"/>
-        <pc:sldMkLst>
-          <pc:docMk/>
-          <pc:sldMk cId="0" sldId="258"/>
-        </pc:sldMkLst>
-      </pc:sldChg>
-      <pc:sldChg chg="modNotes">
-        <pc:chgData name="Itoh Kiyohito" userId="973df969519ed28b" providerId="LiveId" clId="{547C3CDD-96C2-4A28-89E7-0547D37E74C2}" dt="2021-06-29T23:43:51.281" v="3" actId="16037"/>
-        <pc:sldMkLst>
-          <pc:docMk/>
-          <pc:sldMk cId="0" sldId="259"/>
-        </pc:sldMkLst>
-      </pc:sldChg>
-      <pc:sldChg chg="modNotes">
-        <pc:chgData name="Itoh Kiyohito" userId="973df969519ed28b" providerId="LiveId" clId="{547C3CDD-96C2-4A28-89E7-0547D37E74C2}" dt="2021-06-29T23:43:51.281" v="3" actId="16037"/>
-        <pc:sldMkLst>
-          <pc:docMk/>
-          <pc:sldMk cId="0" sldId="260"/>
-        </pc:sldMkLst>
-      </pc:sldChg>
-      <pc:sldChg chg="modNotes">
-        <pc:chgData name="Itoh Kiyohito" userId="973df969519ed28b" providerId="LiveId" clId="{547C3CDD-96C2-4A28-89E7-0547D37E74C2}" dt="2021-06-29T23:43:51.281" v="3" actId="16037"/>
-        <pc:sldMkLst>
-          <pc:docMk/>
-          <pc:sldMk cId="0" sldId="261"/>
-        </pc:sldMkLst>
-      </pc:sldChg>
-      <pc:sldChg chg="modNotes">
-        <pc:chgData name="Itoh Kiyohito" userId="973df969519ed28b" providerId="LiveId" clId="{547C3CDD-96C2-4A28-89E7-0547D37E74C2}" dt="2021-06-29T23:43:51.281" v="3" actId="16037"/>
-        <pc:sldMkLst>
-          <pc:docMk/>
-          <pc:sldMk cId="0" sldId="262"/>
-        </pc:sldMkLst>
-      </pc:sldChg>
-      <pc:sldChg chg="modNotes">
-        <pc:chgData name="Itoh Kiyohito" userId="973df969519ed28b" providerId="LiveId" clId="{547C3CDD-96C2-4A28-89E7-0547D37E74C2}" dt="2021-06-29T23:43:51.281" v="3" actId="16037"/>
-        <pc:sldMkLst>
-          <pc:docMk/>
-          <pc:sldMk cId="0" sldId="263"/>
-        </pc:sldMkLst>
-      </pc:sldChg>
-      <pc:sldChg chg="modNotes">
-        <pc:chgData name="Itoh Kiyohito" userId="973df969519ed28b" providerId="LiveId" clId="{547C3CDD-96C2-4A28-89E7-0547D37E74C2}" dt="2021-06-29T23:43:51.281" v="3" actId="16037"/>
-        <pc:sldMkLst>
-          <pc:docMk/>
-          <pc:sldMk cId="0" sldId="264"/>
-        </pc:sldMkLst>
-      </pc:sldChg>
-      <pc:sldChg chg="modNotes">
-        <pc:chgData name="Itoh Kiyohito" userId="973df969519ed28b" providerId="LiveId" clId="{547C3CDD-96C2-4A28-89E7-0547D37E74C2}" dt="2021-06-29T23:43:51.281" v="3" actId="16037"/>
-        <pc:sldMkLst>
-          <pc:docMk/>
-          <pc:sldMk cId="0" sldId="265"/>
-        </pc:sldMkLst>
-      </pc:sldChg>
-      <pc:sldChg chg="modNotes">
-        <pc:chgData name="Itoh Kiyohito" userId="973df969519ed28b" providerId="LiveId" clId="{547C3CDD-96C2-4A28-89E7-0547D37E74C2}" dt="2021-06-29T23:43:51.281" v="3" actId="16037"/>
-        <pc:sldMkLst>
-          <pc:docMk/>
-          <pc:sldMk cId="0" sldId="266"/>
-        </pc:sldMkLst>
-      </pc:sldChg>
-      <pc:sldChg chg="modNotes">
-        <pc:chgData name="Itoh Kiyohito" userId="973df969519ed28b" providerId="LiveId" clId="{547C3CDD-96C2-4A28-89E7-0547D37E74C2}" dt="2021-06-29T23:43:51.281" v="3" actId="16037"/>
-        <pc:sldMkLst>
-          <pc:docMk/>
-          <pc:sldMk cId="0" sldId="267"/>
-        </pc:sldMkLst>
-      </pc:sldChg>
-      <pc:sldChg chg="modNotes">
-        <pc:chgData name="Itoh Kiyohito" userId="973df969519ed28b" providerId="LiveId" clId="{547C3CDD-96C2-4A28-89E7-0547D37E74C2}" dt="2021-06-29T23:43:51.281" v="3" actId="16037"/>
-        <pc:sldMkLst>
-          <pc:docMk/>
-          <pc:sldMk cId="0" sldId="268"/>
-        </pc:sldMkLst>
-      </pc:sldChg>
-      <pc:sldChg chg="modNotes">
-        <pc:chgData name="Itoh Kiyohito" userId="973df969519ed28b" providerId="LiveId" clId="{547C3CDD-96C2-4A28-89E7-0547D37E74C2}" dt="2021-06-29T23:43:51.281" v="3" actId="16037"/>
-        <pc:sldMkLst>
-          <pc:docMk/>
-          <pc:sldMk cId="0" sldId="269"/>
-        </pc:sldMkLst>
-      </pc:sldChg>
-      <pc:sldChg chg="modNotes">
-        <pc:chgData name="Itoh Kiyohito" userId="973df969519ed28b" providerId="LiveId" clId="{547C3CDD-96C2-4A28-89E7-0547D37E74C2}" dt="2021-06-29T23:43:51.281" v="3" actId="16037"/>
-        <pc:sldMkLst>
-          <pc:docMk/>
-          <pc:sldMk cId="0" sldId="270"/>
-        </pc:sldMkLst>
-      </pc:sldChg>
-      <pc:sldChg chg="modNotes">
-        <pc:chgData name="Itoh Kiyohito" userId="973df969519ed28b" providerId="LiveId" clId="{547C3CDD-96C2-4A28-89E7-0547D37E74C2}" dt="2021-06-29T23:43:51.281" v="3" actId="16037"/>
-        <pc:sldMkLst>
-          <pc:docMk/>
-          <pc:sldMk cId="0" sldId="271"/>
-        </pc:sldMkLst>
-      </pc:sldChg>
-      <pc:sldChg chg="modNotes">
-        <pc:chgData name="Itoh Kiyohito" userId="973df969519ed28b" providerId="LiveId" clId="{547C3CDD-96C2-4A28-89E7-0547D37E74C2}" dt="2021-06-29T23:43:51.281" v="3" actId="16037"/>
-        <pc:sldMkLst>
-          <pc:docMk/>
-          <pc:sldMk cId="0" sldId="272"/>
-        </pc:sldMkLst>
-      </pc:sldChg>
-      <pc:sldChg chg="modNotes">
-        <pc:chgData name="Itoh Kiyohito" userId="973df969519ed28b" providerId="LiveId" clId="{547C3CDD-96C2-4A28-89E7-0547D37E74C2}" dt="2021-06-29T23:43:51.281" v="3" actId="16037"/>
-        <pc:sldMkLst>
-          <pc:docMk/>
-          <pc:sldMk cId="0" sldId="273"/>
-        </pc:sldMkLst>
-      </pc:sldChg>
-      <pc:sldChg chg="modNotes">
-        <pc:chgData name="Itoh Kiyohito" userId="973df969519ed28b" providerId="LiveId" clId="{547C3CDD-96C2-4A28-89E7-0547D37E74C2}" dt="2021-06-29T23:43:51.281" v="3" actId="16037"/>
-        <pc:sldMkLst>
-          <pc:docMk/>
-          <pc:sldMk cId="0" sldId="274"/>
-        </pc:sldMkLst>
-      </pc:sldChg>
-      <pc:sldChg chg="modNotes">
-        <pc:chgData name="Itoh Kiyohito" userId="973df969519ed28b" providerId="LiveId" clId="{547C3CDD-96C2-4A28-89E7-0547D37E74C2}" dt="2021-06-29T23:43:51.281" v="3" actId="16037"/>
-        <pc:sldMkLst>
-          <pc:docMk/>
-          <pc:sldMk cId="0" sldId="275"/>
-        </pc:sldMkLst>
-      </pc:sldChg>
-      <pc:sldChg chg="modNotes">
-        <pc:chgData name="Itoh Kiyohito" userId="973df969519ed28b" providerId="LiveId" clId="{547C3CDD-96C2-4A28-89E7-0547D37E74C2}" dt="2021-06-29T23:43:51.281" v="3" actId="16037"/>
-        <pc:sldMkLst>
-          <pc:docMk/>
-          <pc:sldMk cId="0" sldId="276"/>
-        </pc:sldMkLst>
-      </pc:sldChg>
-      <pc:sldChg chg="modNotes">
-        <pc:chgData name="Itoh Kiyohito" userId="973df969519ed28b" providerId="LiveId" clId="{547C3CDD-96C2-4A28-89E7-0547D37E74C2}" dt="2021-06-29T23:43:51.281" v="3" actId="16037"/>
-        <pc:sldMkLst>
-          <pc:docMk/>
-          <pc:sldMk cId="0" sldId="277"/>
-        </pc:sldMkLst>
-      </pc:sldChg>
-      <pc:sldChg chg="modNotes">
-        <pc:chgData name="Itoh Kiyohito" userId="973df969519ed28b" providerId="LiveId" clId="{547C3CDD-96C2-4A28-89E7-0547D37E74C2}" dt="2021-06-29T23:43:51.281" v="3" actId="16037"/>
-        <pc:sldMkLst>
-          <pc:docMk/>
-          <pc:sldMk cId="1535067874" sldId="278"/>
-        </pc:sldMkLst>
-      </pc:sldChg>
-      <pc:sldChg chg="modNotes">
-        <pc:chgData name="Itoh Kiyohito" userId="973df969519ed28b" providerId="LiveId" clId="{547C3CDD-96C2-4A28-89E7-0547D37E74C2}" dt="2021-06-29T23:43:51.281" v="3" actId="16037"/>
-        <pc:sldMkLst>
-          <pc:docMk/>
-          <pc:sldMk cId="0" sldId="279"/>
-        </pc:sldMkLst>
-      </pc:sldChg>
-      <pc:sldChg chg="modNotes">
-        <pc:chgData name="Itoh Kiyohito" userId="973df969519ed28b" providerId="LiveId" clId="{547C3CDD-96C2-4A28-89E7-0547D37E74C2}" dt="2021-06-29T23:43:51.281" v="3" actId="16037"/>
-        <pc:sldMkLst>
-          <pc:docMk/>
-          <pc:sldMk cId="0" sldId="280"/>
-        </pc:sldMkLst>
-      </pc:sldChg>
-      <pc:sldChg chg="modNotes">
-        <pc:chgData name="Itoh Kiyohito" userId="973df969519ed28b" providerId="LiveId" clId="{547C3CDD-96C2-4A28-89E7-0547D37E74C2}" dt="2021-06-29T23:43:51.281" v="3" actId="16037"/>
-        <pc:sldMkLst>
-          <pc:docMk/>
-          <pc:sldMk cId="0" sldId="281"/>
-        </pc:sldMkLst>
-      </pc:sldChg>
-      <pc:sldChg chg="modNotes">
-        <pc:chgData name="Itoh Kiyohito" userId="973df969519ed28b" providerId="LiveId" clId="{547C3CDD-96C2-4A28-89E7-0547D37E74C2}" dt="2021-06-29T23:43:51.281" v="3" actId="16037"/>
-        <pc:sldMkLst>
-          <pc:docMk/>
-          <pc:sldMk cId="0" sldId="282"/>
-        </pc:sldMkLst>
-      </pc:sldChg>
-      <pc:sldChg chg="modNotes">
-        <pc:chgData name="Itoh Kiyohito" userId="973df969519ed28b" providerId="LiveId" clId="{547C3CDD-96C2-4A28-89E7-0547D37E74C2}" dt="2021-06-29T23:43:51.281" v="3" actId="16037"/>
-        <pc:sldMkLst>
-          <pc:docMk/>
-          <pc:sldMk cId="0" sldId="283"/>
-        </pc:sldMkLst>
-      </pc:sldChg>
-      <pc:sldChg chg="modNotes">
-        <pc:chgData name="Itoh Kiyohito" userId="973df969519ed28b" providerId="LiveId" clId="{547C3CDD-96C2-4A28-89E7-0547D37E74C2}" dt="2021-06-29T23:43:51.281" v="3" actId="16037"/>
-        <pc:sldMkLst>
-          <pc:docMk/>
-          <pc:sldMk cId="0" sldId="284"/>
-        </pc:sldMkLst>
-      </pc:sldChg>
-      <pc:sldChg chg="modNotes">
-        <pc:chgData name="Itoh Kiyohito" userId="973df969519ed28b" providerId="LiveId" clId="{547C3CDD-96C2-4A28-89E7-0547D37E74C2}" dt="2021-06-29T23:43:51.281" v="3" actId="16037"/>
-        <pc:sldMkLst>
-          <pc:docMk/>
-          <pc:sldMk cId="0" sldId="285"/>
-        </pc:sldMkLst>
-      </pc:sldChg>
-      <pc:sldChg chg="modNotes">
-        <pc:chgData name="Itoh Kiyohito" userId="973df969519ed28b" providerId="LiveId" clId="{547C3CDD-96C2-4A28-89E7-0547D37E74C2}" dt="2021-06-29T23:43:51.281" v="3" actId="16037"/>
-        <pc:sldMkLst>
-          <pc:docMk/>
-          <pc:sldMk cId="0" sldId="286"/>
-        </pc:sldMkLst>
-      </pc:sldChg>
-      <pc:sldChg chg="modNotes">
-        <pc:chgData name="Itoh Kiyohito" userId="973df969519ed28b" providerId="LiveId" clId="{547C3CDD-96C2-4A28-89E7-0547D37E74C2}" dt="2021-06-29T23:43:51.281" v="3" actId="16037"/>
-        <pc:sldMkLst>
-          <pc:docMk/>
-          <pc:sldMk cId="0" sldId="287"/>
-        </pc:sldMkLst>
-      </pc:sldChg>
-      <pc:sldChg chg="modNotes">
-        <pc:chgData name="Itoh Kiyohito" userId="973df969519ed28b" providerId="LiveId" clId="{547C3CDD-96C2-4A28-89E7-0547D37E74C2}" dt="2021-06-29T23:43:51.281" v="3" actId="16037"/>
-        <pc:sldMkLst>
-          <pc:docMk/>
-          <pc:sldMk cId="0" sldId="288"/>
-        </pc:sldMkLst>
-      </pc:sldChg>
-      <pc:sldChg chg="modNotes">
-        <pc:chgData name="Itoh Kiyohito" userId="973df969519ed28b" providerId="LiveId" clId="{547C3CDD-96C2-4A28-89E7-0547D37E74C2}" dt="2021-06-29T23:43:51.281" v="3" actId="16037"/>
-        <pc:sldMkLst>
-          <pc:docMk/>
-          <pc:sldMk cId="0" sldId="289"/>
-        </pc:sldMkLst>
-      </pc:sldChg>
-      <pc:sldChg chg="modNotes">
-        <pc:chgData name="Itoh Kiyohito" userId="973df969519ed28b" providerId="LiveId" clId="{547C3CDD-96C2-4A28-89E7-0547D37E74C2}" dt="2021-06-29T23:43:51.281" v="3" actId="16037"/>
-        <pc:sldMkLst>
-          <pc:docMk/>
-          <pc:sldMk cId="0" sldId="290"/>
-        </pc:sldMkLst>
-      </pc:sldChg>
-      <pc:sldChg chg="modNotes">
-        <pc:chgData name="Itoh Kiyohito" userId="973df969519ed28b" providerId="LiveId" clId="{547C3CDD-96C2-4A28-89E7-0547D37E74C2}" dt="2021-06-29T23:43:51.281" v="3" actId="16037"/>
-        <pc:sldMkLst>
-          <pc:docMk/>
-          <pc:sldMk cId="0" sldId="291"/>
-        </pc:sldMkLst>
-      </pc:sldChg>
-      <pc:sldChg chg="modNotes">
-        <pc:chgData name="Itoh Kiyohito" userId="973df969519ed28b" providerId="LiveId" clId="{547C3CDD-96C2-4A28-89E7-0547D37E74C2}" dt="2021-06-29T23:43:51.281" v="3" actId="16037"/>
-        <pc:sldMkLst>
-          <pc:docMk/>
-          <pc:sldMk cId="0" sldId="292"/>
-        </pc:sldMkLst>
-      </pc:sldChg>
-      <pc:sldChg chg="modNotes">
-        <pc:chgData name="Itoh Kiyohito" userId="973df969519ed28b" providerId="LiveId" clId="{547C3CDD-96C2-4A28-89E7-0547D37E74C2}" dt="2021-06-29T23:43:51.281" v="3" actId="16037"/>
-        <pc:sldMkLst>
-          <pc:docMk/>
-          <pc:sldMk cId="0" sldId="293"/>
-        </pc:sldMkLst>
-      </pc:sldChg>
-      <pc:sldChg chg="modNotes">
-        <pc:chgData name="Itoh Kiyohito" userId="973df969519ed28b" providerId="LiveId" clId="{547C3CDD-96C2-4A28-89E7-0547D37E74C2}" dt="2021-06-29T23:43:51.281" v="3" actId="16037"/>
-        <pc:sldMkLst>
-          <pc:docMk/>
-          <pc:sldMk cId="0" sldId="294"/>
-        </pc:sldMkLst>
-      </pc:sldChg>
-      <pc:sldChg chg="new del">
-        <pc:chgData name="Itoh Kiyohito" userId="973df969519ed28b" providerId="LiveId" clId="{547C3CDD-96C2-4A28-89E7-0547D37E74C2}" dt="2021-06-29T23:44:33.419" v="5" actId="47"/>
-        <pc:sldMkLst>
-          <pc:docMk/>
-          <pc:sldMk cId="4124671055" sldId="295"/>
-        </pc:sldMkLst>
       </pc:sldChg>
     </pc:docChg>
   </pc:docChgLst>
@@ -7895,7 +7895,7 @@
                 <a:latin typeface="游ゴシック" panose="020B0400000000000000" pitchFamily="50" charset="-128"/>
                 <a:ea typeface="游ゴシック" panose="020B0400000000000000" pitchFamily="50" charset="-128"/>
               </a:rPr>
-              <a:t>/xx</a:t>
+              <a:t>/31</a:t>
             </a:r>
             <a:endParaRPr lang="en-US" sz="2000" dirty="0">
               <a:solidFill>
@@ -9417,7 +9417,7 @@
                 <a:latin typeface="游ゴシック" panose="020B0400000000000000" pitchFamily="50" charset="-128"/>
                 <a:ea typeface="游ゴシック" panose="020B0400000000000000" pitchFamily="50" charset="-128"/>
               </a:rPr>
-              <a:t>/xx</a:t>
+              <a:t>/3</a:t>
             </a:r>
             <a:endParaRPr lang="en-US" sz="2000" dirty="0">
               <a:solidFill>
@@ -9445,7 +9445,7 @@
         </p:nvSpPr>
         <p:spPr>
           <a:xfrm>
-            <a:off x="4059022" y="1114877"/>
+            <a:off x="4072469" y="1114877"/>
             <a:ext cx="1450018" cy="871919"/>
           </a:xfrm>
           <a:prstGeom prst="rect">
@@ -9727,7 +9727,7 @@
                 <a:latin typeface="游ゴシック" panose="020B0400000000000000" pitchFamily="50" charset="-128"/>
                 <a:ea typeface="游ゴシック" panose="020B0400000000000000" pitchFamily="50" charset="-128"/>
               </a:rPr>
-              <a:t>/xx-xx</a:t>
+              <a:t>/16-17</a:t>
             </a:r>
             <a:endParaRPr lang="en-US" sz="2000" dirty="0">
               <a:solidFill>
@@ -10550,6 +10550,21 @@
 </file>
 
 <file path=customXml/item1.xml><?xml version="1.0" encoding="utf-8"?>
+<?mso-contentType ?>
+<FormTemplates xmlns="http://schemas.microsoft.com/sharepoint/v3/contenttype/forms">
+  <Display>DocumentLibraryForm</Display>
+  <Edit>DocumentLibraryForm</Edit>
+  <New>DocumentLibraryForm</New>
+</FormTemplates>
+</file>
+
+<file path=customXml/item2.xml><?xml version="1.0" encoding="utf-8"?>
+<p:properties xmlns:p="http://schemas.microsoft.com/office/2006/metadata/properties" xmlns:xsi="http://www.w3.org/2001/XMLSchema-instance" xmlns:pc="http://schemas.microsoft.com/office/infopath/2007/PartnerControls">
+  <documentManagement/>
+</p:properties>
+</file>
+
+<file path=customXml/item3.xml><?xml version="1.0" encoding="utf-8"?>
 <ct:contentTypeSchema xmlns:ct="http://schemas.microsoft.com/office/2006/metadata/contentType" xmlns:ma="http://schemas.microsoft.com/office/2006/metadata/properties/metaAttributes" ct:_="" ma:_="" ma:contentTypeName="ドキュメント" ma:contentTypeID="0x010100849F533D870BD84A9D38273CC91B496D" ma:contentTypeVersion="9" ma:contentTypeDescription="新しいドキュメントを作成します。" ma:contentTypeScope="" ma:versionID="ca4a1d3cb04f69359678dbec6c4b7a52">
   <xsd:schema xmlns:xsd="http://www.w3.org/2001/XMLSchema" xmlns:xs="http://www.w3.org/2001/XMLSchema" xmlns:p="http://schemas.microsoft.com/office/2006/metadata/properties" xmlns:ns2="f50685a2-08a6-49dc-aa5f-a248d4ba7af6" xmlns:ns3="08971484-f606-4522-aa8e-4044dc1a5090" targetNamespace="http://schemas.microsoft.com/office/2006/metadata/properties" ma:root="true" ma:fieldsID="13f254b1b3ba571b2a6d056e41aaac49" ns2:_="" ns3:_="">
     <xsd:import namespace="f50685a2-08a6-49dc-aa5f-a248d4ba7af6"/>
@@ -10746,36 +10761,10 @@
 </ct:contentTypeSchema>
 </file>
 
-<file path=customXml/item2.xml><?xml version="1.0" encoding="utf-8"?>
-<p:properties xmlns:p="http://schemas.microsoft.com/office/2006/metadata/properties" xmlns:xsi="http://www.w3.org/2001/XMLSchema-instance" xmlns:pc="http://schemas.microsoft.com/office/infopath/2007/PartnerControls">
-  <documentManagement/>
-</p:properties>
-</file>
-
-<file path=customXml/item3.xml><?xml version="1.0" encoding="utf-8"?>
-<?mso-contentType ?>
-<FormTemplates xmlns="http://schemas.microsoft.com/sharepoint/v3/contenttype/forms">
-  <Display>DocumentLibraryForm</Display>
-  <Edit>DocumentLibraryForm</Edit>
-  <New>DocumentLibraryForm</New>
-</FormTemplates>
-</file>
-
 <file path=customXml/itemProps1.xml><?xml version="1.0" encoding="utf-8"?>
-<ds:datastoreItem xmlns:ds="http://schemas.openxmlformats.org/officeDocument/2006/customXml" ds:itemID="{E6AD931F-C54A-489C-81E1-A6D5DB399D7B}">
+<ds:datastoreItem xmlns:ds="http://schemas.openxmlformats.org/officeDocument/2006/customXml" ds:itemID="{0EBD1781-257C-4386-A510-75977046327B}">
   <ds:schemaRefs>
-    <ds:schemaRef ds:uri="http://schemas.microsoft.com/office/2006/metadata/contentType"/>
-    <ds:schemaRef ds:uri="http://schemas.microsoft.com/office/2006/metadata/properties/metaAttributes"/>
-    <ds:schemaRef ds:uri="http://www.w3.org/2001/XMLSchema"/>
-    <ds:schemaRef ds:uri="http://schemas.microsoft.com/office/2006/metadata/properties"/>
-    <ds:schemaRef ds:uri="f50685a2-08a6-49dc-aa5f-a248d4ba7af6"/>
-    <ds:schemaRef ds:uri="08971484-f606-4522-aa8e-4044dc1a5090"/>
-    <ds:schemaRef ds:uri="http://schemas.microsoft.com/office/2006/documentManagement/types"/>
-    <ds:schemaRef ds:uri="http://schemas.microsoft.com/office/infopath/2007/PartnerControls"/>
-    <ds:schemaRef ds:uri="http://schemas.openxmlformats.org/package/2006/metadata/core-properties"/>
-    <ds:schemaRef ds:uri="http://purl.org/dc/elements/1.1/"/>
-    <ds:schemaRef ds:uri="http://purl.org/dc/terms/"/>
-    <ds:schemaRef ds:uri="http://schemas.microsoft.com/internal/obd"/>
+    <ds:schemaRef ds:uri="http://schemas.microsoft.com/sharepoint/v3/contenttype/forms"/>
   </ds:schemaRefs>
 </ds:datastoreItem>
 </file>
@@ -10798,9 +10787,20 @@
 </file>
 
 <file path=customXml/itemProps3.xml><?xml version="1.0" encoding="utf-8"?>
-<ds:datastoreItem xmlns:ds="http://schemas.openxmlformats.org/officeDocument/2006/customXml" ds:itemID="{0EBD1781-257C-4386-A510-75977046327B}">
+<ds:datastoreItem xmlns:ds="http://schemas.openxmlformats.org/officeDocument/2006/customXml" ds:itemID="{E6AD931F-C54A-489C-81E1-A6D5DB399D7B}">
   <ds:schemaRefs>
-    <ds:schemaRef ds:uri="http://schemas.microsoft.com/sharepoint/v3/contenttype/forms"/>
+    <ds:schemaRef ds:uri="http://schemas.microsoft.com/office/2006/metadata/contentType"/>
+    <ds:schemaRef ds:uri="http://schemas.microsoft.com/office/2006/metadata/properties/metaAttributes"/>
+    <ds:schemaRef ds:uri="http://www.w3.org/2001/XMLSchema"/>
+    <ds:schemaRef ds:uri="http://schemas.microsoft.com/office/2006/metadata/properties"/>
+    <ds:schemaRef ds:uri="f50685a2-08a6-49dc-aa5f-a248d4ba7af6"/>
+    <ds:schemaRef ds:uri="08971484-f606-4522-aa8e-4044dc1a5090"/>
+    <ds:schemaRef ds:uri="http://schemas.microsoft.com/office/2006/documentManagement/types"/>
+    <ds:schemaRef ds:uri="http://schemas.microsoft.com/office/infopath/2007/PartnerControls"/>
+    <ds:schemaRef ds:uri="http://schemas.openxmlformats.org/package/2006/metadata/core-properties"/>
+    <ds:schemaRef ds:uri="http://purl.org/dc/elements/1.1/"/>
+    <ds:schemaRef ds:uri="http://purl.org/dc/terms/"/>
+    <ds:schemaRef ds:uri="http://schemas.microsoft.com/internal/obd"/>
   </ds:schemaRefs>
 </ds:datastoreItem>
 </file>
--- a/2021/（チラシ）ITで地域課題を解決しよう.pptx
+++ b/2021/（チラシ）ITで地域課題を解決しよう.pptx
@@ -6849,7 +6849,7 @@
                 <a:latin typeface="游ゴシック" panose="020B0400000000000000" pitchFamily="50" charset="-128"/>
                 <a:ea typeface="游ゴシック" panose="020B0400000000000000" pitchFamily="50" charset="-128"/>
               </a:rPr>
-              <a:t>開催方法等の詳細と</a:t>
+              <a:t>開催内容の詳細と</a:t>
             </a:r>
             <a:endParaRPr lang="en-US" altLang="ja-JP" sz="1400" dirty="0">
               <a:solidFill>
@@ -10550,21 +10550,6 @@
 </file>
 
 <file path=customXml/item1.xml><?xml version="1.0" encoding="utf-8"?>
-<?mso-contentType ?>
-<FormTemplates xmlns="http://schemas.microsoft.com/sharepoint/v3/contenttype/forms">
-  <Display>DocumentLibraryForm</Display>
-  <Edit>DocumentLibraryForm</Edit>
-  <New>DocumentLibraryForm</New>
-</FormTemplates>
-</file>
-
-<file path=customXml/item2.xml><?xml version="1.0" encoding="utf-8"?>
-<p:properties xmlns:p="http://schemas.microsoft.com/office/2006/metadata/properties" xmlns:xsi="http://www.w3.org/2001/XMLSchema-instance" xmlns:pc="http://schemas.microsoft.com/office/infopath/2007/PartnerControls">
-  <documentManagement/>
-</p:properties>
-</file>
-
-<file path=customXml/item3.xml><?xml version="1.0" encoding="utf-8"?>
 <ct:contentTypeSchema xmlns:ct="http://schemas.microsoft.com/office/2006/metadata/contentType" xmlns:ma="http://schemas.microsoft.com/office/2006/metadata/properties/metaAttributes" ct:_="" ma:_="" ma:contentTypeName="ドキュメント" ma:contentTypeID="0x010100849F533D870BD84A9D38273CC91B496D" ma:contentTypeVersion="9" ma:contentTypeDescription="新しいドキュメントを作成します。" ma:contentTypeScope="" ma:versionID="ca4a1d3cb04f69359678dbec6c4b7a52">
   <xsd:schema xmlns:xsd="http://www.w3.org/2001/XMLSchema" xmlns:xs="http://www.w3.org/2001/XMLSchema" xmlns:p="http://schemas.microsoft.com/office/2006/metadata/properties" xmlns:ns2="f50685a2-08a6-49dc-aa5f-a248d4ba7af6" xmlns:ns3="08971484-f606-4522-aa8e-4044dc1a5090" targetNamespace="http://schemas.microsoft.com/office/2006/metadata/properties" ma:root="true" ma:fieldsID="13f254b1b3ba571b2a6d056e41aaac49" ns2:_="" ns3:_="">
     <xsd:import namespace="f50685a2-08a6-49dc-aa5f-a248d4ba7af6"/>
@@ -10761,10 +10746,36 @@
 </ct:contentTypeSchema>
 </file>
 
+<file path=customXml/item2.xml><?xml version="1.0" encoding="utf-8"?>
+<p:properties xmlns:p="http://schemas.microsoft.com/office/2006/metadata/properties" xmlns:xsi="http://www.w3.org/2001/XMLSchema-instance" xmlns:pc="http://schemas.microsoft.com/office/infopath/2007/PartnerControls">
+  <documentManagement/>
+</p:properties>
+</file>
+
+<file path=customXml/item3.xml><?xml version="1.0" encoding="utf-8"?>
+<?mso-contentType ?>
+<FormTemplates xmlns="http://schemas.microsoft.com/sharepoint/v3/contenttype/forms">
+  <Display>DocumentLibraryForm</Display>
+  <Edit>DocumentLibraryForm</Edit>
+  <New>DocumentLibraryForm</New>
+</FormTemplates>
+</file>
+
 <file path=customXml/itemProps1.xml><?xml version="1.0" encoding="utf-8"?>
-<ds:datastoreItem xmlns:ds="http://schemas.openxmlformats.org/officeDocument/2006/customXml" ds:itemID="{0EBD1781-257C-4386-A510-75977046327B}">
+<ds:datastoreItem xmlns:ds="http://schemas.openxmlformats.org/officeDocument/2006/customXml" ds:itemID="{E6AD931F-C54A-489C-81E1-A6D5DB399D7B}">
   <ds:schemaRefs>
-    <ds:schemaRef ds:uri="http://schemas.microsoft.com/sharepoint/v3/contenttype/forms"/>
+    <ds:schemaRef ds:uri="http://schemas.microsoft.com/office/2006/metadata/contentType"/>
+    <ds:schemaRef ds:uri="http://schemas.microsoft.com/office/2006/metadata/properties/metaAttributes"/>
+    <ds:schemaRef ds:uri="http://www.w3.org/2001/XMLSchema"/>
+    <ds:schemaRef ds:uri="http://schemas.microsoft.com/office/2006/metadata/properties"/>
+    <ds:schemaRef ds:uri="f50685a2-08a6-49dc-aa5f-a248d4ba7af6"/>
+    <ds:schemaRef ds:uri="08971484-f606-4522-aa8e-4044dc1a5090"/>
+    <ds:schemaRef ds:uri="http://schemas.microsoft.com/office/2006/documentManagement/types"/>
+    <ds:schemaRef ds:uri="http://schemas.microsoft.com/office/infopath/2007/PartnerControls"/>
+    <ds:schemaRef ds:uri="http://schemas.openxmlformats.org/package/2006/metadata/core-properties"/>
+    <ds:schemaRef ds:uri="http://purl.org/dc/elements/1.1/"/>
+    <ds:schemaRef ds:uri="http://purl.org/dc/terms/"/>
+    <ds:schemaRef ds:uri="http://schemas.microsoft.com/internal/obd"/>
   </ds:schemaRefs>
 </ds:datastoreItem>
 </file>
@@ -10787,20 +10798,9 @@
 </file>
 
 <file path=customXml/itemProps3.xml><?xml version="1.0" encoding="utf-8"?>
-<ds:datastoreItem xmlns:ds="http://schemas.openxmlformats.org/officeDocument/2006/customXml" ds:itemID="{E6AD931F-C54A-489C-81E1-A6D5DB399D7B}">
+<ds:datastoreItem xmlns:ds="http://schemas.openxmlformats.org/officeDocument/2006/customXml" ds:itemID="{0EBD1781-257C-4386-A510-75977046327B}">
   <ds:schemaRefs>
-    <ds:schemaRef ds:uri="http://schemas.microsoft.com/office/2006/metadata/contentType"/>
-    <ds:schemaRef ds:uri="http://schemas.microsoft.com/office/2006/metadata/properties/metaAttributes"/>
-    <ds:schemaRef ds:uri="http://www.w3.org/2001/XMLSchema"/>
-    <ds:schemaRef ds:uri="http://schemas.microsoft.com/office/2006/metadata/properties"/>
-    <ds:schemaRef ds:uri="f50685a2-08a6-49dc-aa5f-a248d4ba7af6"/>
-    <ds:schemaRef ds:uri="08971484-f606-4522-aa8e-4044dc1a5090"/>
-    <ds:schemaRef ds:uri="http://schemas.microsoft.com/office/2006/documentManagement/types"/>
-    <ds:schemaRef ds:uri="http://schemas.microsoft.com/office/infopath/2007/PartnerControls"/>
-    <ds:schemaRef ds:uri="http://schemas.openxmlformats.org/package/2006/metadata/core-properties"/>
-    <ds:schemaRef ds:uri="http://purl.org/dc/elements/1.1/"/>
-    <ds:schemaRef ds:uri="http://purl.org/dc/terms/"/>
-    <ds:schemaRef ds:uri="http://schemas.microsoft.com/internal/obd"/>
+    <ds:schemaRef ds:uri="http://schemas.microsoft.com/sharepoint/v3/contenttype/forms"/>
   </ds:schemaRefs>
 </ds:datastoreItem>
 </file>
--- a/2021/（チラシ）ITで地域課題を解決しよう.pptx
+++ b/2021/（チラシ）ITで地域課題を解決しよう.pptx
@@ -5954,8 +5954,8 @@
         </p:nvSpPr>
         <p:spPr>
           <a:xfrm>
-            <a:off x="4047127" y="9553501"/>
-            <a:ext cx="2478198" cy="304892"/>
+            <a:off x="3779520" y="9553501"/>
+            <a:ext cx="2745805" cy="304892"/>
           </a:xfrm>
           <a:prstGeom prst="rect">
             <a:avLst/>
@@ -6223,7 +6223,7 @@
                 <a:latin typeface="游ゴシック" panose="020B0400000000000000" pitchFamily="50" charset="-128"/>
                 <a:ea typeface="游ゴシック" panose="020B0400000000000000" pitchFamily="50" charset="-128"/>
               </a:rPr>
-              <a:t>共催：会津若松市、会津大学、</a:t>
+              <a:t>協力：会津若松市　共催：会津大学、</a:t>
             </a:r>
             <a:r>
               <a:rPr lang="en-US" altLang="ja-JP" sz="900" dirty="0">
@@ -7537,23 +7537,15 @@
               <a:t>：</a:t>
             </a:r>
             <a:r>
-              <a:rPr lang="en-US" altLang="ja-JP" sz="800" b="0" dirty="0" err="1">
+              <a:rPr lang="en-US" altLang="ja-JP" sz="800" b="0" dirty="0">
                 <a:solidFill>
                   <a:schemeClr val="tx1"/>
                 </a:solidFill>
                 <a:latin typeface="游ゴシック" panose="020B0400000000000000" pitchFamily="50" charset="-128"/>
                 <a:ea typeface="游ゴシック" panose="020B0400000000000000" pitchFamily="50" charset="-128"/>
-                <a:hlinkClick r:id="rId3"/>
               </a:rPr>
-              <a:t>xxxxxxx@xxx.xxx.xx</a:t>
+              <a:t>revitalization-adm@u-aizu.ac.jp</a:t>
             </a:r>
-            <a:endParaRPr lang="en-US" altLang="ja-JP" sz="800" b="0" dirty="0">
-              <a:solidFill>
-                <a:schemeClr val="tx1"/>
-              </a:solidFill>
-              <a:latin typeface="游ゴシック" panose="020B0400000000000000" pitchFamily="50" charset="-128"/>
-              <a:ea typeface="游ゴシック" panose="020B0400000000000000" pitchFamily="50" charset="-128"/>
-            </a:endParaRPr>
           </a:p>
           <a:p>
             <a:pPr algn="l"/>
@@ -7585,7 +7577,7 @@
                 <a:latin typeface="游ゴシック" panose="020B0400000000000000" pitchFamily="50" charset="-128"/>
                 <a:ea typeface="游ゴシック" panose="020B0400000000000000" pitchFamily="50" charset="-128"/>
               </a:rPr>
-              <a:t>XXX-XXX-XXXX</a:t>
+              <a:t>0242-37-2533</a:t>
             </a:r>
             <a:endParaRPr lang="en-US" sz="800" b="0" dirty="0">
               <a:solidFill>
@@ -7922,7 +7914,7 @@
           <p:nvPr/>
         </p:nvPicPr>
         <p:blipFill>
-          <a:blip r:embed="rId4"/>
+          <a:blip r:embed="rId3"/>
           <a:stretch>
             <a:fillRect/>
           </a:stretch>
@@ -8909,7 +8901,7 @@
           <p:nvPr/>
         </p:nvPicPr>
         <p:blipFill rotWithShape="1">
-          <a:blip r:embed="rId5">
+          <a:blip r:embed="rId4">
             <a:extLst>
               <a:ext uri="{28A0092B-C50C-407E-A947-70E740481C1C}">
                 <a14:useLocalDpi xmlns:a14="http://schemas.microsoft.com/office/drawing/2010/main" val="0"/>
@@ -9001,36 +8993,6 @@
           </a:p>
         </p:txBody>
       </p:sp>
-      <p:pic>
-        <p:nvPicPr>
-          <p:cNvPr id="216" name="図 215">
-            <a:extLst>
-              <a:ext uri="{FF2B5EF4-FFF2-40B4-BE49-F238E27FC236}">
-                <a16:creationId xmlns:a16="http://schemas.microsoft.com/office/drawing/2014/main" id="{A4701AA5-2B3D-4C3B-8CA4-4CD76ECFC438}"/>
-              </a:ext>
-            </a:extLst>
-          </p:cNvPr>
-          <p:cNvPicPr>
-            <a:picLocks noChangeAspect="1"/>
-          </p:cNvPicPr>
-          <p:nvPr/>
-        </p:nvPicPr>
-        <p:blipFill>
-          <a:blip r:embed="rId6"/>
-          <a:stretch>
-            <a:fillRect/>
-          </a:stretch>
-        </p:blipFill>
-        <p:spPr>
-          <a:xfrm>
-            <a:off x="450599" y="5233445"/>
-            <a:ext cx="3788155" cy="1434422"/>
-          </a:xfrm>
-          <a:prstGeom prst="rect">
-            <a:avLst/>
-          </a:prstGeom>
-        </p:spPr>
-      </p:pic>
       <p:sp>
         <p:nvSpPr>
           <p:cNvPr id="215" name="吹き出し: 角を丸めた四角形 214">
@@ -10039,6 +10001,36 @@
           </a:p>
         </p:txBody>
       </p:sp>
+      <p:pic>
+        <p:nvPicPr>
+          <p:cNvPr id="19" name="図 18">
+            <a:extLst>
+              <a:ext uri="{FF2B5EF4-FFF2-40B4-BE49-F238E27FC236}">
+                <a16:creationId xmlns:a16="http://schemas.microsoft.com/office/drawing/2014/main" id="{543D1A20-A2DD-49D2-9768-FB056D324727}"/>
+              </a:ext>
+            </a:extLst>
+          </p:cNvPr>
+          <p:cNvPicPr>
+            <a:picLocks noChangeAspect="1"/>
+          </p:cNvPicPr>
+          <p:nvPr/>
+        </p:nvPicPr>
+        <p:blipFill>
+          <a:blip r:embed="rId5"/>
+          <a:stretch>
+            <a:fillRect/>
+          </a:stretch>
+        </p:blipFill>
+        <p:spPr>
+          <a:xfrm>
+            <a:off x="595882" y="5240610"/>
+            <a:ext cx="3735527" cy="1532392"/>
+          </a:xfrm>
+          <a:prstGeom prst="rect">
+            <a:avLst/>
+          </a:prstGeom>
+        </p:spPr>
+      </p:pic>
     </p:spTree>
   </p:cSld>
   <p:clrMapOvr>

--- a/2021/（チラシ）ITで地域課題を解決しよう.pptx
+++ b/2021/（チラシ）ITで地域課題を解決しよう.pptx
@@ -7899,36 +7899,6 @@
           </a:p>
         </p:txBody>
       </p:sp>
-      <p:pic>
-        <p:nvPicPr>
-          <p:cNvPr id="68" name="図 67">
-            <a:extLst>
-              <a:ext uri="{FF2B5EF4-FFF2-40B4-BE49-F238E27FC236}">
-                <a16:creationId xmlns:a16="http://schemas.microsoft.com/office/drawing/2014/main" id="{9127BBA0-8D02-497F-864D-FF732323CB6B}"/>
-              </a:ext>
-            </a:extLst>
-          </p:cNvPr>
-          <p:cNvPicPr>
-            <a:picLocks noChangeAspect="1"/>
-          </p:cNvPicPr>
-          <p:nvPr/>
-        </p:nvPicPr>
-        <p:blipFill>
-          <a:blip r:embed="rId3"/>
-          <a:stretch>
-            <a:fillRect/>
-          </a:stretch>
-        </p:blipFill>
-        <p:spPr>
-          <a:xfrm>
-            <a:off x="0" y="1875843"/>
-            <a:ext cx="6858000" cy="2703020"/>
-          </a:xfrm>
-          <a:prstGeom prst="rect">
-            <a:avLst/>
-          </a:prstGeom>
-        </p:spPr>
-      </p:pic>
       <p:sp>
         <p:nvSpPr>
           <p:cNvPr id="102" name="Google Shape;62;p11">
@@ -8901,7 +8871,7 @@
           <p:nvPr/>
         </p:nvPicPr>
         <p:blipFill rotWithShape="1">
-          <a:blip r:embed="rId4">
+          <a:blip r:embed="rId3">
             <a:extLst>
               <a:ext uri="{28A0092B-C50C-407E-A947-70E740481C1C}">
                 <a14:useLocalDpi xmlns:a14="http://schemas.microsoft.com/office/drawing/2010/main" val="0"/>
@@ -10003,10 +9973,40 @@
       </p:sp>
       <p:pic>
         <p:nvPicPr>
-          <p:cNvPr id="19" name="図 18">
+          <p:cNvPr id="21" name="図 20">
             <a:extLst>
               <a:ext uri="{FF2B5EF4-FFF2-40B4-BE49-F238E27FC236}">
-                <a16:creationId xmlns:a16="http://schemas.microsoft.com/office/drawing/2014/main" id="{543D1A20-A2DD-49D2-9768-FB056D324727}"/>
+                <a16:creationId xmlns:a16="http://schemas.microsoft.com/office/drawing/2014/main" id="{388FCE08-B365-46B2-9A7D-765DAD59360D}"/>
+              </a:ext>
+            </a:extLst>
+          </p:cNvPr>
+          <p:cNvPicPr>
+            <a:picLocks noChangeAspect="1"/>
+          </p:cNvPicPr>
+          <p:nvPr/>
+        </p:nvPicPr>
+        <p:blipFill>
+          <a:blip r:embed="rId4"/>
+          <a:stretch>
+            <a:fillRect/>
+          </a:stretch>
+        </p:blipFill>
+        <p:spPr>
+          <a:xfrm>
+            <a:off x="-10532" y="1860908"/>
+            <a:ext cx="6858000" cy="2700252"/>
+          </a:xfrm>
+          <a:prstGeom prst="rect">
+            <a:avLst/>
+          </a:prstGeom>
+        </p:spPr>
+      </p:pic>
+      <p:pic>
+        <p:nvPicPr>
+          <p:cNvPr id="22" name="図 21">
+            <a:extLst>
+              <a:ext uri="{FF2B5EF4-FFF2-40B4-BE49-F238E27FC236}">
+                <a16:creationId xmlns:a16="http://schemas.microsoft.com/office/drawing/2014/main" id="{4457F4E8-7AAA-4985-B514-C510616751FA}"/>
               </a:ext>
             </a:extLst>
           </p:cNvPr>
@@ -10023,8 +10023,8 @@
         </p:blipFill>
         <p:spPr>
           <a:xfrm>
-            <a:off x="595882" y="5240610"/>
-            <a:ext cx="3735527" cy="1532392"/>
+            <a:off x="428946" y="5129330"/>
+            <a:ext cx="4238754" cy="1754952"/>
           </a:xfrm>
           <a:prstGeom prst="rect">
             <a:avLst/>

--- a/2021/（チラシ）ITで地域課題を解決しよう.pptx
+++ b/2021/（チラシ）ITで地域課題を解決しよう.pptx
@@ -8,10 +8,10 @@
     <p:notesMasterId r:id="rId6"/>
   </p:notesMasterIdLst>
   <p:sldIdLst>
-    <p:sldId id="256" r:id="rId5"/>
+    <p:sldId id="257" r:id="rId5"/>
   </p:sldIdLst>
   <p:sldSz cx="6858000" cy="9906000" type="A4"/>
-  <p:notesSz cx="6858000" cy="9144000"/>
+  <p:notesSz cx="6807200" cy="9939338"/>
   <p:embeddedFontLst>
     <p:embeddedFont>
       <p:font typeface="Montserrat" panose="020B0600070205080204" charset="0"/>
@@ -3793,8 +3793,8 @@
         </p:nvSpPr>
         <p:spPr>
           <a:xfrm>
-            <a:off x="2241550" y="685800"/>
-            <a:ext cx="2374900" cy="3429000"/>
+            <a:off x="2114550" y="746125"/>
+            <a:ext cx="2578100" cy="3725863"/>
           </a:xfrm>
           <a:custGeom>
             <a:avLst/>
@@ -3844,8 +3844,8 @@
         </p:nvSpPr>
         <p:spPr>
           <a:xfrm>
-            <a:off x="685800" y="4343400"/>
-            <a:ext cx="5486400" cy="4114800"/>
+            <a:off x="680720" y="4721186"/>
+            <a:ext cx="5445760" cy="4472702"/>
           </a:xfrm>
           <a:prstGeom prst="rect">
             <a:avLst/>
@@ -3856,7 +3856,7 @@
           </a:ln>
         </p:spPr>
         <p:txBody>
-          <a:bodyPr spcFirstLastPara="1" wrap="square" lIns="91425" tIns="91425" rIns="91425" bIns="91425" anchor="t" anchorCtr="0">
+          <a:bodyPr spcFirstLastPara="1" wrap="square" lIns="91419" tIns="91419" rIns="91419" bIns="91419" anchor="t" anchorCtr="0">
             <a:noAutofit/>
           </a:bodyPr>
           <a:lstStyle>
@@ -4229,8 +4229,8 @@
         </p:nvSpPr>
         <p:spPr>
           <a:xfrm>
-            <a:off x="2241550" y="685800"/>
-            <a:ext cx="2374900" cy="3429000"/>
+            <a:off x="2114550" y="746125"/>
+            <a:ext cx="2578100" cy="3725863"/>
           </a:xfrm>
           <a:custGeom>
             <a:avLst/>
@@ -4270,26 +4270,20 @@
         </p:nvSpPr>
         <p:spPr>
           <a:xfrm>
-            <a:off x="685800" y="4343400"/>
-            <a:ext cx="5486400" cy="4114800"/>
+            <a:off x="680720" y="4721186"/>
+            <a:ext cx="5445760" cy="4472702"/>
           </a:xfrm>
           <a:prstGeom prst="rect">
             <a:avLst/>
           </a:prstGeom>
         </p:spPr>
         <p:txBody>
-          <a:bodyPr spcFirstLastPara="1" wrap="square" lIns="91425" tIns="91425" rIns="91425" bIns="91425" anchor="t" anchorCtr="0">
+          <a:bodyPr spcFirstLastPara="1" wrap="square" lIns="91419" tIns="91419" rIns="91419" bIns="91419" anchor="t" anchorCtr="0">
             <a:noAutofit/>
           </a:bodyPr>
           <a:lstStyle/>
           <a:p>
-            <a:pPr marL="0" lvl="0" indent="0" algn="l" rtl="0">
-              <a:spcBef>
-                <a:spcPts val="0"/>
-              </a:spcBef>
-              <a:spcAft>
-                <a:spcPts val="0"/>
-              </a:spcAft>
+            <a:pPr marL="0" indent="0">
               <a:buNone/>
             </a:pPr>
             <a:endParaRPr/>
@@ -4297,6 +4291,11 @@
         </p:txBody>
       </p:sp>
     </p:spTree>
+    <p:extLst>
+      <p:ext uri="{BB962C8B-B14F-4D97-AF65-F5344CB8AC3E}">
+        <p14:creationId xmlns:p14="http://schemas.microsoft.com/office/powerpoint/2010/main" val="3413675922"/>
+      </p:ext>
+    </p:extLst>
   </p:cSld>
   <p:clrMapOvr>
     <a:masterClrMapping/>
@@ -4466,7 +4465,7 @@
         </p:nvSpPr>
         <p:spPr>
           <a:xfrm>
-            <a:off x="4656094" y="8116984"/>
+            <a:off x="4301456" y="8116984"/>
             <a:ext cx="1687500" cy="198756"/>
           </a:xfrm>
           <a:prstGeom prst="rect">
@@ -5891,8 +5890,8 @@
         </p:nvSpPr>
         <p:spPr>
           <a:xfrm rot="21191778">
-            <a:off x="-293849" y="115800"/>
-            <a:ext cx="7424634" cy="1061328"/>
+            <a:off x="-283317" y="278204"/>
+            <a:ext cx="7424634" cy="907694"/>
           </a:xfrm>
           <a:prstGeom prst="rect">
             <a:avLst/>
@@ -5909,9 +5908,9 @@
           <a:p>
             <a:pPr algn="ctr"/>
             <a:r>
-              <a:rPr lang="en-US" altLang="ja-JP" sz="4000" dirty="0">
-                <a:solidFill>
-                  <a:schemeClr val="accent2"/>
+              <a:rPr lang="en-US" altLang="ja-JP" sz="4400" dirty="0">
+                <a:solidFill>
+                  <a:schemeClr val="bg1"/>
                 </a:solidFill>
                 <a:latin typeface="游ゴシック" panose="020B0400000000000000" pitchFamily="50" charset="-128"/>
                 <a:ea typeface="游ゴシック" panose="020B0400000000000000" pitchFamily="50" charset="-128"/>
@@ -5921,16 +5920,66 @@
             <a:r>
               <a:rPr lang="ja-JP" altLang="en-US" sz="4000" dirty="0">
                 <a:solidFill>
-                  <a:schemeClr val="accent2"/>
+                  <a:schemeClr val="bg1"/>
                 </a:solidFill>
                 <a:latin typeface="游ゴシック" panose="020B0400000000000000" pitchFamily="50" charset="-128"/>
                 <a:ea typeface="游ゴシック" panose="020B0400000000000000" pitchFamily="50" charset="-128"/>
               </a:rPr>
-              <a:t>で地域課題を解決しよう！</a:t>
+              <a:t>で</a:t>
             </a:r>
-            <a:endParaRPr lang="en-US" sz="4000" dirty="0">
+            <a:r>
+              <a:rPr lang="ja-JP" altLang="en-US" sz="4400" dirty="0">
+                <a:solidFill>
+                  <a:schemeClr val="bg1"/>
+                </a:solidFill>
+                <a:latin typeface="游ゴシック" panose="020B0400000000000000" pitchFamily="50" charset="-128"/>
+                <a:ea typeface="游ゴシック" panose="020B0400000000000000" pitchFamily="50" charset="-128"/>
+              </a:rPr>
+              <a:t>地域課題</a:t>
+            </a:r>
+            <a:r>
+              <a:rPr lang="ja-JP" altLang="en-US" sz="4000" dirty="0">
+                <a:solidFill>
+                  <a:schemeClr val="bg1"/>
+                </a:solidFill>
+                <a:latin typeface="游ゴシック" panose="020B0400000000000000" pitchFamily="50" charset="-128"/>
+                <a:ea typeface="游ゴシック" panose="020B0400000000000000" pitchFamily="50" charset="-128"/>
+              </a:rPr>
+              <a:t>を</a:t>
+            </a:r>
+            <a:r>
+              <a:rPr lang="ja-JP" altLang="en-US" sz="4400" dirty="0">
+                <a:solidFill>
+                  <a:schemeClr val="bg1"/>
+                </a:solidFill>
+                <a:latin typeface="游ゴシック" panose="020B0400000000000000" pitchFamily="50" charset="-128"/>
+                <a:ea typeface="游ゴシック" panose="020B0400000000000000" pitchFamily="50" charset="-128"/>
+              </a:rPr>
+              <a:t>解決</a:t>
+            </a:r>
+            <a:r>
+              <a:rPr lang="ja-JP" altLang="en-US" sz="4000" dirty="0">
+                <a:solidFill>
+                  <a:schemeClr val="bg1"/>
+                </a:solidFill>
+                <a:latin typeface="游ゴシック" panose="020B0400000000000000" pitchFamily="50" charset="-128"/>
+                <a:ea typeface="游ゴシック" panose="020B0400000000000000" pitchFamily="50" charset="-128"/>
+              </a:rPr>
+              <a:t>しよう</a:t>
+            </a:r>
+            <a:r>
+              <a:rPr lang="en-US" altLang="ja-JP" sz="4000" dirty="0">
+                <a:solidFill>
+                  <a:schemeClr val="bg1"/>
+                </a:solidFill>
+                <a:latin typeface="游ゴシック" panose="020B0400000000000000" pitchFamily="50" charset="-128"/>
+                <a:ea typeface="游ゴシック" panose="020B0400000000000000" pitchFamily="50" charset="-128"/>
+              </a:rPr>
+              <a:t>!</a:t>
+            </a:r>
+            <a:endParaRPr lang="en-US" sz="4400" dirty="0">
               <a:solidFill>
-                <a:schemeClr val="accent2"/>
+                <a:schemeClr val="bg1"/>
               </a:solidFill>
               <a:latin typeface="游ゴシック" panose="020B0400000000000000" pitchFamily="50" charset="-128"/>
               <a:ea typeface="游ゴシック" panose="020B0400000000000000" pitchFamily="50" charset="-128"/>
@@ -5954,8 +6003,8 @@
         </p:nvSpPr>
         <p:spPr>
           <a:xfrm>
-            <a:off x="3779520" y="9553501"/>
-            <a:ext cx="2745805" cy="304892"/>
+            <a:off x="3805188" y="9601108"/>
+            <a:ext cx="3000236" cy="304892"/>
           </a:xfrm>
           <a:prstGeom prst="rect">
             <a:avLst/>
@@ -6223,7 +6272,21 @@
                 <a:latin typeface="游ゴシック" panose="020B0400000000000000" pitchFamily="50" charset="-128"/>
                 <a:ea typeface="游ゴシック" panose="020B0400000000000000" pitchFamily="50" charset="-128"/>
               </a:rPr>
-              <a:t>協力：会津若松市　共催：会津大学、</a:t>
+              <a:t>協力：</a:t>
+            </a:r>
+            <a:r>
+              <a:rPr lang="ja-JP" altLang="en-US" sz="1000" dirty="0">
+                <a:latin typeface="游ゴシック" panose="020B0400000000000000" pitchFamily="50" charset="-128"/>
+                <a:ea typeface="游ゴシック" panose="020B0400000000000000" pitchFamily="50" charset="-128"/>
+              </a:rPr>
+              <a:t>会津若松市</a:t>
+            </a:r>
+            <a:r>
+              <a:rPr lang="ja-JP" altLang="en-US" sz="900" dirty="0">
+                <a:latin typeface="游ゴシック" panose="020B0400000000000000" pitchFamily="50" charset="-128"/>
+                <a:ea typeface="游ゴシック" panose="020B0400000000000000" pitchFamily="50" charset="-128"/>
+              </a:rPr>
+              <a:t>　共催：会津大学、</a:t>
             </a:r>
             <a:r>
               <a:rPr lang="en-US" altLang="ja-JP" sz="900" dirty="0">
@@ -6262,7 +6325,7 @@
         </p:nvSpPr>
         <p:spPr>
           <a:xfrm>
-            <a:off x="332675" y="0"/>
+            <a:off x="66303" y="0"/>
             <a:ext cx="2254943" cy="304892"/>
           </a:xfrm>
           <a:prstGeom prst="rect">
@@ -6577,7 +6640,7 @@
         </p:nvSpPr>
         <p:spPr>
           <a:xfrm>
-            <a:off x="4599775" y="8162513"/>
+            <a:off x="4310408" y="8162513"/>
             <a:ext cx="1793132" cy="530226"/>
           </a:xfrm>
           <a:prstGeom prst="rect">
@@ -6897,7 +6960,7 @@
         </p:nvSpPr>
         <p:spPr>
           <a:xfrm>
-            <a:off x="5052641" y="8715718"/>
+            <a:off x="4717620" y="8692739"/>
             <a:ext cx="887399" cy="756866"/>
           </a:xfrm>
           <a:prstGeom prst="rect">
@@ -7212,8 +7275,8 @@
         </p:nvSpPr>
         <p:spPr>
           <a:xfrm>
-            <a:off x="332675" y="9128562"/>
-            <a:ext cx="2254943" cy="590187"/>
+            <a:off x="103646" y="9049766"/>
+            <a:ext cx="2587618" cy="729831"/>
           </a:xfrm>
           <a:prstGeom prst="rect">
             <a:avLst/>
@@ -7477,18 +7540,22 @@
           <a:p>
             <a:pPr algn="l"/>
             <a:r>
-              <a:rPr lang="ja-JP" altLang="en-US" sz="1400" dirty="0">
-                <a:solidFill>
-                  <a:schemeClr val="tx1"/>
+              <a:rPr lang="ja-JP" altLang="en-US" sz="1600" u="sng" dirty="0">
+                <a:solidFill>
+                  <a:schemeClr val="accent6">
+                    <a:lumMod val="25000"/>
+                  </a:schemeClr>
                 </a:solidFill>
                 <a:latin typeface="游ゴシック" panose="020B0400000000000000" pitchFamily="50" charset="-128"/>
                 <a:ea typeface="游ゴシック" panose="020B0400000000000000" pitchFamily="50" charset="-128"/>
               </a:rPr>
               <a:t>お問い合わせ</a:t>
             </a:r>
-            <a:endParaRPr lang="en-US" altLang="ja-JP" sz="1400" dirty="0">
+            <a:endParaRPr lang="en-US" altLang="ja-JP" sz="1600" u="sng" dirty="0">
               <a:solidFill>
-                <a:schemeClr val="tx1"/>
+                <a:schemeClr val="accent6">
+                  <a:lumMod val="25000"/>
+                </a:schemeClr>
               </a:solidFill>
               <a:latin typeface="游ゴシック" panose="020B0400000000000000" pitchFamily="50" charset="-128"/>
               <a:ea typeface="游ゴシック" panose="020B0400000000000000" pitchFamily="50" charset="-128"/>
@@ -7497,18 +7564,22 @@
           <a:p>
             <a:pPr algn="l"/>
             <a:r>
-              <a:rPr lang="ja-JP" altLang="en-US" sz="800" b="0" dirty="0">
-                <a:solidFill>
-                  <a:schemeClr val="tx1"/>
+              <a:rPr lang="ja-JP" altLang="en-US" sz="1000" b="0" dirty="0">
+                <a:solidFill>
+                  <a:schemeClr val="accent6">
+                    <a:lumMod val="10000"/>
+                  </a:schemeClr>
                 </a:solidFill>
                 <a:latin typeface="游ゴシック" panose="020B0400000000000000" pitchFamily="50" charset="-128"/>
                 <a:ea typeface="游ゴシック" panose="020B0400000000000000" pitchFamily="50" charset="-128"/>
               </a:rPr>
               <a:t>会津大学復興支援センター</a:t>
             </a:r>
-            <a:endParaRPr lang="en-US" altLang="ja-JP" sz="800" b="0" dirty="0">
+            <a:endParaRPr lang="en-US" altLang="ja-JP" sz="1000" b="0" dirty="0">
               <a:solidFill>
-                <a:schemeClr val="tx1"/>
+                <a:schemeClr val="accent6">
+                  <a:lumMod val="10000"/>
+                </a:schemeClr>
               </a:solidFill>
               <a:latin typeface="游ゴシック" panose="020B0400000000000000" pitchFamily="50" charset="-128"/>
               <a:ea typeface="游ゴシック" panose="020B0400000000000000" pitchFamily="50" charset="-128"/>
@@ -7517,9 +7588,11 @@
           <a:p>
             <a:pPr algn="l"/>
             <a:r>
-              <a:rPr lang="en-US" altLang="ja-JP" sz="800" b="0" dirty="0">
-                <a:solidFill>
-                  <a:schemeClr val="tx1"/>
+              <a:rPr lang="en-US" altLang="ja-JP" sz="1000" b="0" dirty="0">
+                <a:solidFill>
+                  <a:schemeClr val="accent6">
+                    <a:lumMod val="10000"/>
+                  </a:schemeClr>
                 </a:solidFill>
                 <a:latin typeface="游ゴシック" panose="020B0400000000000000" pitchFamily="50" charset="-128"/>
                 <a:ea typeface="游ゴシック" panose="020B0400000000000000" pitchFamily="50" charset="-128"/>
@@ -7527,9 +7600,11 @@
               <a:t>MAIL</a:t>
             </a:r>
             <a:r>
-              <a:rPr lang="ja-JP" altLang="en-US" sz="800" b="0" dirty="0">
-                <a:solidFill>
-                  <a:schemeClr val="tx1"/>
+              <a:rPr lang="ja-JP" altLang="en-US" sz="1000" b="0" dirty="0">
+                <a:solidFill>
+                  <a:schemeClr val="accent6">
+                    <a:lumMod val="10000"/>
+                  </a:schemeClr>
                 </a:solidFill>
                 <a:latin typeface="游ゴシック" panose="020B0400000000000000" pitchFamily="50" charset="-128"/>
                 <a:ea typeface="游ゴシック" panose="020B0400000000000000" pitchFamily="50" charset="-128"/>
@@ -7537,9 +7612,11 @@
               <a:t>：</a:t>
             </a:r>
             <a:r>
-              <a:rPr lang="en-US" altLang="ja-JP" sz="800" b="0" dirty="0">
-                <a:solidFill>
-                  <a:schemeClr val="tx1"/>
+              <a:rPr lang="en-US" altLang="ja-JP" sz="1000" b="0" dirty="0">
+                <a:solidFill>
+                  <a:schemeClr val="accent6">
+                    <a:lumMod val="10000"/>
+                  </a:schemeClr>
                 </a:solidFill>
                 <a:latin typeface="游ゴシック" panose="020B0400000000000000" pitchFamily="50" charset="-128"/>
                 <a:ea typeface="游ゴシック" panose="020B0400000000000000" pitchFamily="50" charset="-128"/>
@@ -7550,9 +7627,11 @@
           <a:p>
             <a:pPr algn="l"/>
             <a:r>
-              <a:rPr lang="en-US" altLang="ja-JP" sz="800" b="0" dirty="0">
-                <a:solidFill>
-                  <a:schemeClr val="tx1"/>
+              <a:rPr lang="en-US" altLang="ja-JP" sz="1000" b="0" dirty="0">
+                <a:solidFill>
+                  <a:schemeClr val="accent6">
+                    <a:lumMod val="10000"/>
+                  </a:schemeClr>
                 </a:solidFill>
                 <a:latin typeface="游ゴシック" panose="020B0400000000000000" pitchFamily="50" charset="-128"/>
                 <a:ea typeface="游ゴシック" panose="020B0400000000000000" pitchFamily="50" charset="-128"/>
@@ -7560,9 +7639,11 @@
               <a:t>TEL</a:t>
             </a:r>
             <a:r>
-              <a:rPr lang="ja-JP" altLang="en-US" sz="800" b="0" dirty="0">
-                <a:solidFill>
-                  <a:schemeClr val="tx1"/>
+              <a:rPr lang="ja-JP" altLang="en-US" sz="1000" b="0" dirty="0">
+                <a:solidFill>
+                  <a:schemeClr val="accent6">
+                    <a:lumMod val="10000"/>
+                  </a:schemeClr>
                 </a:solidFill>
                 <a:latin typeface="游ゴシック" panose="020B0400000000000000" pitchFamily="50" charset="-128"/>
                 <a:ea typeface="游ゴシック" panose="020B0400000000000000" pitchFamily="50" charset="-128"/>
@@ -7570,18 +7651,22 @@
               <a:t>：</a:t>
             </a:r>
             <a:r>
-              <a:rPr lang="en-US" altLang="ja-JP" sz="800" b="0" dirty="0">
-                <a:solidFill>
-                  <a:schemeClr val="tx1"/>
+              <a:rPr lang="en-US" altLang="ja-JP" sz="1000" b="0" dirty="0">
+                <a:solidFill>
+                  <a:schemeClr val="accent6">
+                    <a:lumMod val="10000"/>
+                  </a:schemeClr>
                 </a:solidFill>
                 <a:latin typeface="游ゴシック" panose="020B0400000000000000" pitchFamily="50" charset="-128"/>
                 <a:ea typeface="游ゴシック" panose="020B0400000000000000" pitchFamily="50" charset="-128"/>
               </a:rPr>
               <a:t>0242-37-2533</a:t>
             </a:r>
-            <a:endParaRPr lang="en-US" sz="800" b="0" dirty="0">
+            <a:endParaRPr lang="en-US" sz="1000" b="0" dirty="0">
               <a:solidFill>
-                <a:schemeClr val="tx1"/>
+                <a:schemeClr val="accent6">
+                  <a:lumMod val="10000"/>
+                </a:schemeClr>
               </a:solidFill>
               <a:latin typeface="游ゴシック" panose="020B0400000000000000" pitchFamily="50" charset="-128"/>
               <a:ea typeface="游ゴシック" panose="020B0400000000000000" pitchFamily="50" charset="-128"/>
@@ -7605,7 +7690,7 @@
         </p:nvSpPr>
         <p:spPr>
           <a:xfrm>
-            <a:off x="939646" y="1114878"/>
+            <a:off x="870196" y="1161178"/>
             <a:ext cx="1140745" cy="871919"/>
           </a:xfrm>
           <a:prstGeom prst="rect">
@@ -7872,7 +7957,7 @@
             <a:r>
               <a:rPr lang="en-US" altLang="ja-JP" sz="6000" dirty="0">
                 <a:solidFill>
-                  <a:schemeClr val="tx1"/>
+                  <a:srgbClr val="282D34"/>
                 </a:solidFill>
                 <a:latin typeface="游ゴシック" panose="020B0400000000000000" pitchFamily="50" charset="-128"/>
                 <a:ea typeface="游ゴシック" panose="020B0400000000000000" pitchFamily="50" charset="-128"/>
@@ -7880,9 +7965,9 @@
               <a:t>8</a:t>
             </a:r>
             <a:r>
-              <a:rPr lang="en-US" altLang="ja-JP" sz="2000" dirty="0">
-                <a:solidFill>
-                  <a:schemeClr val="tx1"/>
+              <a:rPr lang="en-US" altLang="ja-JP" sz="2400" dirty="0">
+                <a:solidFill>
+                  <a:srgbClr val="282D34"/>
                 </a:solidFill>
                 <a:latin typeface="游ゴシック" panose="020B0400000000000000" pitchFamily="50" charset="-128"/>
                 <a:ea typeface="游ゴシック" panose="020B0400000000000000" pitchFamily="50" charset="-128"/>
@@ -7891,7 +7976,7 @@
             </a:r>
             <a:endParaRPr lang="en-US" sz="2000" dirty="0">
               <a:solidFill>
-                <a:schemeClr val="tx1"/>
+                <a:srgbClr val="282D34"/>
               </a:solidFill>
               <a:latin typeface="游ゴシック" panose="020B0400000000000000" pitchFamily="50" charset="-128"/>
               <a:ea typeface="游ゴシック" panose="020B0400000000000000" pitchFamily="50" charset="-128"/>
@@ -7915,8 +8000,8 @@
         </p:nvSpPr>
         <p:spPr>
           <a:xfrm>
-            <a:off x="327179" y="6873245"/>
-            <a:ext cx="4092086" cy="1388878"/>
+            <a:off x="105432" y="6769070"/>
+            <a:ext cx="4695797" cy="1717500"/>
           </a:xfrm>
           <a:prstGeom prst="rect">
             <a:avLst/>
@@ -8180,18 +8265,22 @@
           <a:p>
             <a:pPr algn="l"/>
             <a:r>
-              <a:rPr lang="ja-JP" altLang="en-US" sz="1400" dirty="0">
-                <a:solidFill>
-                  <a:schemeClr val="tx1"/>
+              <a:rPr lang="ja-JP" altLang="en-US" sz="1600" u="sng" dirty="0">
+                <a:solidFill>
+                  <a:schemeClr val="accent6">
+                    <a:lumMod val="25000"/>
+                  </a:schemeClr>
                 </a:solidFill>
                 <a:latin typeface="游ゴシック" panose="020B0400000000000000" pitchFamily="50" charset="-128"/>
                 <a:ea typeface="游ゴシック" panose="020B0400000000000000" pitchFamily="50" charset="-128"/>
               </a:rPr>
               <a:t>開催内容</a:t>
             </a:r>
-            <a:endParaRPr lang="en-US" altLang="ja-JP" sz="1400" dirty="0">
+            <a:endParaRPr lang="en-US" altLang="ja-JP" sz="1600" u="sng" dirty="0">
               <a:solidFill>
-                <a:schemeClr val="tx1"/>
+                <a:schemeClr val="accent6">
+                  <a:lumMod val="25000"/>
+                </a:schemeClr>
               </a:solidFill>
               <a:latin typeface="游ゴシック" panose="020B0400000000000000" pitchFamily="50" charset="-128"/>
               <a:ea typeface="游ゴシック" panose="020B0400000000000000" pitchFamily="50" charset="-128"/>
@@ -8200,9 +8289,11 @@
           <a:p>
             <a:pPr algn="l"/>
             <a:r>
-              <a:rPr lang="ja-JP" altLang="en-US" sz="900" b="0" dirty="0">
-                <a:solidFill>
-                  <a:schemeClr val="tx1"/>
+              <a:rPr lang="ja-JP" altLang="en-US" sz="1000" b="0" dirty="0">
+                <a:solidFill>
+                  <a:schemeClr val="accent6">
+                    <a:lumMod val="10000"/>
+                  </a:schemeClr>
                 </a:solidFill>
                 <a:latin typeface="游ゴシック" panose="020B0400000000000000" pitchFamily="50" charset="-128"/>
                 <a:ea typeface="游ゴシック" panose="020B0400000000000000" pitchFamily="50" charset="-128"/>
@@ -8213,9 +8304,11 @@
           <a:p>
             <a:pPr algn="l"/>
             <a:r>
-              <a:rPr lang="ja-JP" altLang="en-US" sz="900" b="0" dirty="0">
-                <a:solidFill>
-                  <a:schemeClr val="tx1"/>
+              <a:rPr lang="ja-JP" altLang="en-US" sz="1000" b="0" dirty="0">
+                <a:solidFill>
+                  <a:schemeClr val="accent6">
+                    <a:lumMod val="10000"/>
+                  </a:schemeClr>
                 </a:solidFill>
                 <a:latin typeface="游ゴシック" panose="020B0400000000000000" pitchFamily="50" charset="-128"/>
                 <a:ea typeface="游ゴシック" panose="020B0400000000000000" pitchFamily="50" charset="-128"/>
@@ -8226,9 +8319,11 @@
           <a:p>
             <a:pPr algn="l"/>
             <a:r>
-              <a:rPr lang="ja-JP" altLang="en-US" sz="900" b="0" dirty="0">
-                <a:solidFill>
-                  <a:schemeClr val="tx1"/>
+              <a:rPr lang="ja-JP" altLang="en-US" sz="1000" b="0" dirty="0">
+                <a:solidFill>
+                  <a:schemeClr val="accent6">
+                    <a:lumMod val="10000"/>
+                  </a:schemeClr>
                 </a:solidFill>
                 <a:latin typeface="游ゴシック" panose="020B0400000000000000" pitchFamily="50" charset="-128"/>
                 <a:ea typeface="游ゴシック" panose="020B0400000000000000" pitchFamily="50" charset="-128"/>
@@ -8239,9 +8334,11 @@
           <a:p>
             <a:pPr algn="l"/>
             <a:r>
-              <a:rPr lang="ja-JP" altLang="en-US" sz="900" b="0" dirty="0">
-                <a:solidFill>
-                  <a:schemeClr val="tx1"/>
+              <a:rPr lang="ja-JP" altLang="en-US" sz="1000" b="0" dirty="0">
+                <a:solidFill>
+                  <a:schemeClr val="accent6">
+                    <a:lumMod val="10000"/>
+                  </a:schemeClr>
                 </a:solidFill>
                 <a:latin typeface="游ゴシック" panose="020B0400000000000000" pitchFamily="50" charset="-128"/>
                 <a:ea typeface="游ゴシック" panose="020B0400000000000000" pitchFamily="50" charset="-128"/>
@@ -8249,9 +8346,11 @@
               <a:t>・</a:t>
             </a:r>
             <a:r>
-              <a:rPr lang="en-US" altLang="ja-JP" sz="900" b="0" dirty="0">
-                <a:solidFill>
-                  <a:schemeClr val="tx1"/>
+              <a:rPr lang="en-US" altLang="ja-JP" sz="1000" b="0" dirty="0">
+                <a:solidFill>
+                  <a:schemeClr val="accent6">
+                    <a:lumMod val="10000"/>
+                  </a:schemeClr>
                 </a:solidFill>
                 <a:latin typeface="游ゴシック" panose="020B0400000000000000" pitchFamily="50" charset="-128"/>
                 <a:ea typeface="游ゴシック" panose="020B0400000000000000" pitchFamily="50" charset="-128"/>
@@ -8259,9 +8358,11 @@
               <a:t>1</a:t>
             </a:r>
             <a:r>
-              <a:rPr lang="ja-JP" altLang="en-US" sz="900" b="0" dirty="0">
-                <a:solidFill>
-                  <a:schemeClr val="tx1"/>
+              <a:rPr lang="ja-JP" altLang="en-US" sz="1000" b="0" dirty="0">
+                <a:solidFill>
+                  <a:schemeClr val="accent6">
+                    <a:lumMod val="10000"/>
+                  </a:schemeClr>
                 </a:solidFill>
                 <a:latin typeface="游ゴシック" panose="020B0400000000000000" pitchFamily="50" charset="-128"/>
                 <a:ea typeface="游ゴシック" panose="020B0400000000000000" pitchFamily="50" charset="-128"/>
@@ -8269,9 +8370,11 @@
               <a:t>チーム</a:t>
             </a:r>
             <a:r>
-              <a:rPr lang="en-US" altLang="ja-JP" sz="900" b="0" dirty="0">
-                <a:solidFill>
-                  <a:schemeClr val="tx1"/>
+              <a:rPr lang="en-US" altLang="ja-JP" sz="1000" b="0" dirty="0">
+                <a:solidFill>
+                  <a:schemeClr val="accent6">
+                    <a:lumMod val="10000"/>
+                  </a:schemeClr>
                 </a:solidFill>
                 <a:latin typeface="游ゴシック" panose="020B0400000000000000" pitchFamily="50" charset="-128"/>
                 <a:ea typeface="游ゴシック" panose="020B0400000000000000" pitchFamily="50" charset="-128"/>
@@ -8279,9 +8382,11 @@
               <a:t>3</a:t>
             </a:r>
             <a:r>
-              <a:rPr lang="ja-JP" altLang="en-US" sz="900" b="0" dirty="0">
-                <a:solidFill>
-                  <a:schemeClr val="tx1"/>
+              <a:rPr lang="ja-JP" altLang="en-US" sz="1000" b="0" dirty="0">
+                <a:solidFill>
+                  <a:schemeClr val="accent6">
+                    <a:lumMod val="10000"/>
+                  </a:schemeClr>
                 </a:solidFill>
                 <a:latin typeface="游ゴシック" panose="020B0400000000000000" pitchFamily="50" charset="-128"/>
                 <a:ea typeface="游ゴシック" panose="020B0400000000000000" pitchFamily="50" charset="-128"/>
@@ -8289,9 +8394,11 @@
               <a:t>名～</a:t>
             </a:r>
             <a:r>
-              <a:rPr lang="en-US" altLang="ja-JP" sz="900" b="0" dirty="0">
-                <a:solidFill>
-                  <a:schemeClr val="tx1"/>
+              <a:rPr lang="en-US" altLang="ja-JP" sz="1000" b="0" dirty="0">
+                <a:solidFill>
+                  <a:schemeClr val="accent6">
+                    <a:lumMod val="10000"/>
+                  </a:schemeClr>
                 </a:solidFill>
                 <a:latin typeface="游ゴシック" panose="020B0400000000000000" pitchFamily="50" charset="-128"/>
                 <a:ea typeface="游ゴシック" panose="020B0400000000000000" pitchFamily="50" charset="-128"/>
@@ -8299,9 +8406,11 @@
               <a:t>5</a:t>
             </a:r>
             <a:r>
-              <a:rPr lang="ja-JP" altLang="en-US" sz="900" b="0" dirty="0">
-                <a:solidFill>
-                  <a:schemeClr val="tx1"/>
+              <a:rPr lang="ja-JP" altLang="en-US" sz="1000" b="0" dirty="0">
+                <a:solidFill>
+                  <a:schemeClr val="accent6">
+                    <a:lumMod val="10000"/>
+                  </a:schemeClr>
                 </a:solidFill>
                 <a:latin typeface="游ゴシック" panose="020B0400000000000000" pitchFamily="50" charset="-128"/>
                 <a:ea typeface="游ゴシック" panose="020B0400000000000000" pitchFamily="50" charset="-128"/>
@@ -8309,9 +8418,11 @@
               <a:t>名。</a:t>
             </a:r>
             <a:r>
-              <a:rPr lang="en-US" altLang="ja-JP" sz="900" b="0" dirty="0">
-                <a:solidFill>
-                  <a:schemeClr val="tx1"/>
+              <a:rPr lang="en-US" altLang="ja-JP" sz="1000" b="0" dirty="0">
+                <a:solidFill>
+                  <a:schemeClr val="accent6">
+                    <a:lumMod val="10000"/>
+                  </a:schemeClr>
                 </a:solidFill>
                 <a:latin typeface="游ゴシック" panose="020B0400000000000000" pitchFamily="50" charset="-128"/>
                 <a:ea typeface="游ゴシック" panose="020B0400000000000000" pitchFamily="50" charset="-128"/>
@@ -8319,9 +8430,11 @@
               <a:t>3</a:t>
             </a:r>
             <a:r>
-              <a:rPr lang="ja-JP" altLang="en-US" sz="900" b="0" dirty="0">
-                <a:solidFill>
-                  <a:schemeClr val="tx1"/>
+              <a:rPr lang="ja-JP" altLang="en-US" sz="1000" b="0" dirty="0">
+                <a:solidFill>
+                  <a:schemeClr val="accent6">
+                    <a:lumMod val="10000"/>
+                  </a:schemeClr>
                 </a:solidFill>
                 <a:latin typeface="游ゴシック" panose="020B0400000000000000" pitchFamily="50" charset="-128"/>
                 <a:ea typeface="游ゴシック" panose="020B0400000000000000" pitchFamily="50" charset="-128"/>
@@ -8329,9 +8442,11 @@
               <a:t>～</a:t>
             </a:r>
             <a:r>
-              <a:rPr lang="en-US" altLang="ja-JP" sz="900" b="0" dirty="0">
-                <a:solidFill>
-                  <a:schemeClr val="tx1"/>
+              <a:rPr lang="en-US" altLang="ja-JP" sz="1000" b="0" dirty="0">
+                <a:solidFill>
+                  <a:schemeClr val="accent6">
+                    <a:lumMod val="10000"/>
+                  </a:schemeClr>
                 </a:solidFill>
                 <a:latin typeface="游ゴシック" panose="020B0400000000000000" pitchFamily="50" charset="-128"/>
                 <a:ea typeface="游ゴシック" panose="020B0400000000000000" pitchFamily="50" charset="-128"/>
@@ -8339,9 +8454,11 @@
               <a:t>6</a:t>
             </a:r>
             <a:r>
-              <a:rPr lang="ja-JP" altLang="en-US" sz="900" b="0" dirty="0">
-                <a:solidFill>
-                  <a:schemeClr val="tx1"/>
+              <a:rPr lang="ja-JP" altLang="en-US" sz="1000" b="0" dirty="0">
+                <a:solidFill>
+                  <a:schemeClr val="accent6">
+                    <a:lumMod val="10000"/>
+                  </a:schemeClr>
                 </a:solidFill>
                 <a:latin typeface="游ゴシック" panose="020B0400000000000000" pitchFamily="50" charset="-128"/>
                 <a:ea typeface="游ゴシック" panose="020B0400000000000000" pitchFamily="50" charset="-128"/>
@@ -8352,9 +8469,11 @@
           <a:p>
             <a:pPr algn="l"/>
             <a:r>
-              <a:rPr lang="ja-JP" altLang="en-US" sz="900" b="0" dirty="0">
-                <a:solidFill>
-                  <a:schemeClr val="tx1"/>
+              <a:rPr lang="ja-JP" altLang="en-US" sz="1000" b="0" dirty="0">
+                <a:solidFill>
+                  <a:schemeClr val="accent6">
+                    <a:lumMod val="10000"/>
+                  </a:schemeClr>
                 </a:solidFill>
                 <a:latin typeface="游ゴシック" panose="020B0400000000000000" pitchFamily="50" charset="-128"/>
                 <a:ea typeface="游ゴシック" panose="020B0400000000000000" pitchFamily="50" charset="-128"/>
@@ -8362,9 +8481,11 @@
               <a:t>・期間は全体で約</a:t>
             </a:r>
             <a:r>
-              <a:rPr lang="en-US" altLang="ja-JP" sz="900" b="0" dirty="0">
-                <a:solidFill>
-                  <a:schemeClr val="tx1"/>
+              <a:rPr lang="en-US" altLang="ja-JP" sz="1000" b="0" dirty="0">
+                <a:solidFill>
+                  <a:schemeClr val="accent6">
+                    <a:lumMod val="10000"/>
+                  </a:schemeClr>
                 </a:solidFill>
                 <a:latin typeface="游ゴシック" panose="020B0400000000000000" pitchFamily="50" charset="-128"/>
                 <a:ea typeface="游ゴシック" panose="020B0400000000000000" pitchFamily="50" charset="-128"/>
@@ -8372,18 +8493,22 @@
               <a:t>3</a:t>
             </a:r>
             <a:r>
-              <a:rPr lang="ja-JP" altLang="en-US" sz="900" b="0" dirty="0">
-                <a:solidFill>
-                  <a:schemeClr val="tx1"/>
+              <a:rPr lang="ja-JP" altLang="en-US" sz="1000" b="0" dirty="0">
+                <a:solidFill>
+                  <a:schemeClr val="accent6">
+                    <a:lumMod val="10000"/>
+                  </a:schemeClr>
                 </a:solidFill>
                 <a:latin typeface="游ゴシック" panose="020B0400000000000000" pitchFamily="50" charset="-128"/>
                 <a:ea typeface="游ゴシック" panose="020B0400000000000000" pitchFamily="50" charset="-128"/>
               </a:rPr>
               <a:t>週間</a:t>
             </a:r>
-            <a:endParaRPr lang="en-US" altLang="ja-JP" sz="900" b="0" dirty="0">
+            <a:endParaRPr lang="en-US" altLang="ja-JP" sz="1000" b="0" dirty="0">
               <a:solidFill>
-                <a:schemeClr val="tx1"/>
+                <a:schemeClr val="accent6">
+                  <a:lumMod val="10000"/>
+                </a:schemeClr>
               </a:solidFill>
               <a:latin typeface="游ゴシック" panose="020B0400000000000000" pitchFamily="50" charset="-128"/>
               <a:ea typeface="游ゴシック" panose="020B0400000000000000" pitchFamily="50" charset="-128"/>
@@ -8392,9 +8517,11 @@
           <a:p>
             <a:pPr algn="l"/>
             <a:r>
-              <a:rPr lang="ja-JP" altLang="en-US" sz="900" b="0" dirty="0">
-                <a:solidFill>
-                  <a:schemeClr val="tx1"/>
+              <a:rPr lang="ja-JP" altLang="en-US" sz="1000" b="0" dirty="0">
+                <a:solidFill>
+                  <a:schemeClr val="accent6">
+                    <a:lumMod val="10000"/>
+                  </a:schemeClr>
                 </a:solidFill>
                 <a:latin typeface="游ゴシック" panose="020B0400000000000000" pitchFamily="50" charset="-128"/>
                 <a:ea typeface="游ゴシック" panose="020B0400000000000000" pitchFamily="50" charset="-128"/>
@@ -8402,9 +8529,11 @@
               <a:t>・アイデアソン</a:t>
             </a:r>
             <a:r>
-              <a:rPr lang="en-US" altLang="ja-JP" sz="900" b="0" dirty="0">
-                <a:solidFill>
-                  <a:schemeClr val="tx1"/>
+              <a:rPr lang="en-US" altLang="ja-JP" sz="1000" b="0" dirty="0">
+                <a:solidFill>
+                  <a:schemeClr val="accent6">
+                    <a:lumMod val="10000"/>
+                  </a:schemeClr>
                 </a:solidFill>
                 <a:latin typeface="游ゴシック" panose="020B0400000000000000" pitchFamily="50" charset="-128"/>
                 <a:ea typeface="游ゴシック" panose="020B0400000000000000" pitchFamily="50" charset="-128"/>
@@ -8412,9 +8541,11 @@
               <a:t>(1</a:t>
             </a:r>
             <a:r>
-              <a:rPr lang="ja-JP" altLang="en-US" sz="900" b="0" dirty="0">
-                <a:solidFill>
-                  <a:schemeClr val="tx1"/>
+              <a:rPr lang="ja-JP" altLang="en-US" sz="1000" b="0" dirty="0">
+                <a:solidFill>
+                  <a:schemeClr val="accent6">
+                    <a:lumMod val="10000"/>
+                  </a:schemeClr>
                 </a:solidFill>
                 <a:latin typeface="游ゴシック" panose="020B0400000000000000" pitchFamily="50" charset="-128"/>
                 <a:ea typeface="游ゴシック" panose="020B0400000000000000" pitchFamily="50" charset="-128"/>
@@ -8422,9 +8553,11 @@
               <a:t>日</a:t>
             </a:r>
             <a:r>
-              <a:rPr lang="en-US" altLang="ja-JP" sz="900" b="0" dirty="0">
-                <a:solidFill>
-                  <a:schemeClr val="tx1"/>
+              <a:rPr lang="en-US" altLang="ja-JP" sz="1000" b="0" dirty="0">
+                <a:solidFill>
+                  <a:schemeClr val="accent6">
+                    <a:lumMod val="10000"/>
+                  </a:schemeClr>
                 </a:solidFill>
                 <a:latin typeface="游ゴシック" panose="020B0400000000000000" pitchFamily="50" charset="-128"/>
                 <a:ea typeface="游ゴシック" panose="020B0400000000000000" pitchFamily="50" charset="-128"/>
@@ -8432,9 +8565,11 @@
               <a:t>)</a:t>
             </a:r>
             <a:r>
-              <a:rPr lang="ja-JP" altLang="en-US" sz="900" b="0" dirty="0">
-                <a:solidFill>
-                  <a:schemeClr val="tx1"/>
+              <a:rPr lang="ja-JP" altLang="en-US" sz="1000" b="0" dirty="0">
+                <a:solidFill>
+                  <a:schemeClr val="accent6">
+                    <a:lumMod val="10000"/>
+                  </a:schemeClr>
                 </a:solidFill>
                 <a:latin typeface="游ゴシック" panose="020B0400000000000000" pitchFamily="50" charset="-128"/>
                 <a:ea typeface="游ゴシック" panose="020B0400000000000000" pitchFamily="50" charset="-128"/>
@@ -8442,9 +8577,11 @@
               <a:t>、ハッカソン</a:t>
             </a:r>
             <a:r>
-              <a:rPr lang="en-US" altLang="ja-JP" sz="900" b="0" dirty="0">
-                <a:solidFill>
-                  <a:schemeClr val="tx1"/>
+              <a:rPr lang="en-US" altLang="ja-JP" sz="1000" b="0" dirty="0">
+                <a:solidFill>
+                  <a:schemeClr val="accent6">
+                    <a:lumMod val="10000"/>
+                  </a:schemeClr>
                 </a:solidFill>
                 <a:latin typeface="游ゴシック" panose="020B0400000000000000" pitchFamily="50" charset="-128"/>
                 <a:ea typeface="游ゴシック" panose="020B0400000000000000" pitchFamily="50" charset="-128"/>
@@ -8452,9 +8589,11 @@
               <a:t>(2</a:t>
             </a:r>
             <a:r>
-              <a:rPr lang="ja-JP" altLang="en-US" sz="900" b="0" dirty="0">
-                <a:solidFill>
-                  <a:schemeClr val="tx1"/>
+              <a:rPr lang="ja-JP" altLang="en-US" sz="1000" b="0" dirty="0">
+                <a:solidFill>
+                  <a:schemeClr val="accent6">
+                    <a:lumMod val="10000"/>
+                  </a:schemeClr>
                 </a:solidFill>
                 <a:latin typeface="游ゴシック" panose="020B0400000000000000" pitchFamily="50" charset="-128"/>
                 <a:ea typeface="游ゴシック" panose="020B0400000000000000" pitchFamily="50" charset="-128"/>
@@ -8462,9 +8601,11 @@
               <a:t>日</a:t>
             </a:r>
             <a:r>
-              <a:rPr lang="en-US" altLang="ja-JP" sz="900" b="0" dirty="0">
-                <a:solidFill>
-                  <a:schemeClr val="tx1"/>
+              <a:rPr lang="en-US" altLang="ja-JP" sz="1000" b="0" dirty="0">
+                <a:solidFill>
+                  <a:schemeClr val="accent6">
+                    <a:lumMod val="10000"/>
+                  </a:schemeClr>
                 </a:solidFill>
                 <a:latin typeface="游ゴシック" panose="020B0400000000000000" pitchFamily="50" charset="-128"/>
                 <a:ea typeface="游ゴシック" panose="020B0400000000000000" pitchFamily="50" charset="-128"/>
@@ -8472,9 +8613,11 @@
               <a:t>)</a:t>
             </a:r>
             <a:r>
-              <a:rPr lang="ja-JP" altLang="en-US" sz="900" b="0" dirty="0">
-                <a:solidFill>
-                  <a:schemeClr val="tx1"/>
+              <a:rPr lang="ja-JP" altLang="en-US" sz="1000" b="0" dirty="0">
+                <a:solidFill>
+                  <a:schemeClr val="accent6">
+                    <a:lumMod val="10000"/>
+                  </a:schemeClr>
                 </a:solidFill>
                 <a:latin typeface="游ゴシック" panose="020B0400000000000000" pitchFamily="50" charset="-128"/>
                 <a:ea typeface="游ゴシック" panose="020B0400000000000000" pitchFamily="50" charset="-128"/>
@@ -8482,9 +8625,11 @@
               <a:t>の</a:t>
             </a:r>
             <a:r>
-              <a:rPr lang="en-US" altLang="ja-JP" sz="900" b="0" dirty="0">
-                <a:solidFill>
-                  <a:schemeClr val="tx1"/>
+              <a:rPr lang="en-US" altLang="ja-JP" sz="1000" b="0" dirty="0">
+                <a:solidFill>
+                  <a:schemeClr val="accent6">
+                    <a:lumMod val="10000"/>
+                  </a:schemeClr>
                 </a:solidFill>
                 <a:latin typeface="游ゴシック" panose="020B0400000000000000" pitchFamily="50" charset="-128"/>
                 <a:ea typeface="游ゴシック" panose="020B0400000000000000" pitchFamily="50" charset="-128"/>
@@ -8492,9 +8637,11 @@
               <a:t>3</a:t>
             </a:r>
             <a:r>
-              <a:rPr lang="ja-JP" altLang="en-US" sz="900" b="0" dirty="0">
-                <a:solidFill>
-                  <a:schemeClr val="tx1"/>
+              <a:rPr lang="ja-JP" altLang="en-US" sz="1000" b="0" dirty="0">
+                <a:solidFill>
+                  <a:schemeClr val="accent6">
+                    <a:lumMod val="10000"/>
+                  </a:schemeClr>
                 </a:solidFill>
                 <a:latin typeface="游ゴシック" panose="020B0400000000000000" pitchFamily="50" charset="-128"/>
                 <a:ea typeface="游ゴシック" panose="020B0400000000000000" pitchFamily="50" charset="-128"/>
@@ -8505,9 +8652,11 @@
           <a:p>
             <a:pPr algn="l"/>
             <a:r>
-              <a:rPr lang="ja-JP" altLang="en-US" sz="900" b="0" dirty="0">
-                <a:solidFill>
-                  <a:schemeClr val="tx1"/>
+              <a:rPr lang="ja-JP" altLang="en-US" sz="1000" b="0" dirty="0">
+                <a:solidFill>
+                  <a:schemeClr val="accent6">
+                    <a:lumMod val="10000"/>
+                  </a:schemeClr>
                 </a:solidFill>
                 <a:latin typeface="游ゴシック" panose="020B0400000000000000" pitchFamily="50" charset="-128"/>
                 <a:ea typeface="游ゴシック" panose="020B0400000000000000" pitchFamily="50" charset="-128"/>
@@ -8533,8 +8682,8 @@
         </p:nvSpPr>
         <p:spPr>
           <a:xfrm>
-            <a:off x="332675" y="8262123"/>
-            <a:ext cx="3906079" cy="907189"/>
+            <a:off x="103646" y="8146375"/>
+            <a:ext cx="4482348" cy="1121839"/>
           </a:xfrm>
           <a:prstGeom prst="rect">
             <a:avLst/>
@@ -8798,18 +8947,22 @@
           <a:p>
             <a:pPr algn="l"/>
             <a:r>
-              <a:rPr lang="ja-JP" altLang="en-US" sz="1400" dirty="0">
-                <a:solidFill>
-                  <a:schemeClr val="tx1"/>
+              <a:rPr lang="ja-JP" altLang="en-US" sz="1600" u="sng" dirty="0">
+                <a:solidFill>
+                  <a:schemeClr val="accent6">
+                    <a:lumMod val="25000"/>
+                  </a:schemeClr>
                 </a:solidFill>
                 <a:latin typeface="游ゴシック" panose="020B0400000000000000" pitchFamily="50" charset="-128"/>
                 <a:ea typeface="游ゴシック" panose="020B0400000000000000" pitchFamily="50" charset="-128"/>
               </a:rPr>
               <a:t>参加条件</a:t>
             </a:r>
-            <a:endParaRPr lang="en-US" altLang="ja-JP" sz="1400" b="0" dirty="0">
+            <a:endParaRPr lang="en-US" altLang="ja-JP" sz="1600" b="0" u="sng" dirty="0">
               <a:solidFill>
-                <a:schemeClr val="tx1"/>
+                <a:schemeClr val="accent6">
+                  <a:lumMod val="25000"/>
+                </a:schemeClr>
               </a:solidFill>
               <a:latin typeface="游ゴシック" panose="020B0400000000000000" pitchFamily="50" charset="-128"/>
               <a:ea typeface="游ゴシック" panose="020B0400000000000000" pitchFamily="50" charset="-128"/>
@@ -8818,9 +8971,11 @@
           <a:p>
             <a:pPr algn="l"/>
             <a:r>
-              <a:rPr lang="ja-JP" altLang="en-US" sz="900" b="0" dirty="0">
-                <a:solidFill>
-                  <a:schemeClr val="tx1"/>
+              <a:rPr lang="ja-JP" altLang="en-US" sz="1000" b="0" dirty="0">
+                <a:solidFill>
+                  <a:schemeClr val="accent6">
+                    <a:lumMod val="10000"/>
+                  </a:schemeClr>
                 </a:solidFill>
                 <a:latin typeface="游ゴシック" panose="020B0400000000000000" pitchFamily="50" charset="-128"/>
                 <a:ea typeface="游ゴシック" panose="020B0400000000000000" pitchFamily="50" charset="-128"/>
@@ -8831,9 +8986,11 @@
           <a:p>
             <a:pPr algn="l"/>
             <a:r>
-              <a:rPr lang="ja-JP" altLang="en-US" sz="900" b="0" dirty="0">
-                <a:solidFill>
-                  <a:schemeClr val="tx1"/>
+              <a:rPr lang="ja-JP" altLang="en-US" sz="1000" b="0" dirty="0">
+                <a:solidFill>
+                  <a:schemeClr val="accent6">
+                    <a:lumMod val="10000"/>
+                  </a:schemeClr>
                 </a:solidFill>
                 <a:latin typeface="游ゴシック" panose="020B0400000000000000" pitchFamily="50" charset="-128"/>
                 <a:ea typeface="游ゴシック" panose="020B0400000000000000" pitchFamily="50" charset="-128"/>
@@ -8844,9 +9001,11 @@
           <a:p>
             <a:pPr algn="l"/>
             <a:r>
-              <a:rPr lang="ja-JP" altLang="en-US" sz="900" b="0" dirty="0">
-                <a:solidFill>
-                  <a:schemeClr val="tx1"/>
+              <a:rPr lang="ja-JP" altLang="en-US" sz="1000" b="0" dirty="0">
+                <a:solidFill>
+                  <a:schemeClr val="accent6">
+                    <a:lumMod val="10000"/>
+                  </a:schemeClr>
                 </a:solidFill>
                 <a:latin typeface="游ゴシック" panose="020B0400000000000000" pitchFamily="50" charset="-128"/>
                 <a:ea typeface="游ゴシック" panose="020B0400000000000000" pitchFamily="50" charset="-128"/>
@@ -8883,8 +9042,8 @@
         </p:blipFill>
         <p:spPr bwMode="auto">
           <a:xfrm>
-            <a:off x="4212118" y="6462488"/>
-            <a:ext cx="2515167" cy="1277228"/>
+            <a:off x="4122409" y="5831396"/>
+            <a:ext cx="2659951" cy="1350751"/>
           </a:xfrm>
           <a:prstGeom prst="rect">
             <a:avLst/>
@@ -8918,18 +9077,18 @@
         </p:nvSpPr>
         <p:spPr>
           <a:xfrm>
-            <a:off x="5286226" y="4653686"/>
-            <a:ext cx="1392009" cy="665867"/>
+            <a:off x="4840452" y="4664315"/>
+            <a:ext cx="1900324" cy="546300"/>
           </a:xfrm>
           <a:prstGeom prst="wedgeRoundRectCallout">
             <a:avLst>
-              <a:gd name="adj1" fmla="val -28597"/>
-              <a:gd name="adj2" fmla="val -69078"/>
+              <a:gd name="adj1" fmla="val -19062"/>
+              <a:gd name="adj2" fmla="val -91446"/>
               <a:gd name="adj3" fmla="val 16667"/>
             </a:avLst>
           </a:prstGeom>
           <a:solidFill>
-            <a:schemeClr val="accent1"/>
+            <a:srgbClr val="FF0066"/>
           </a:solidFill>
           <a:ln>
             <a:noFill/>
@@ -8956,10 +9115,1920 @@
           <a:lstStyle/>
           <a:p>
             <a:r>
-              <a:rPr kumimoji="1" lang="ja-JP" altLang="en-US" sz="800" b="1" dirty="0"/>
+              <a:rPr kumimoji="1" lang="ja-JP" altLang="en-US" sz="1000" b="1" dirty="0"/>
               <a:t>希望者は開発を継続し、実際に地域住民に使ってもらうことにチャレンジできます！</a:t>
             </a:r>
-            <a:endParaRPr kumimoji="1" lang="en-US" altLang="ja-JP" sz="800" b="1" dirty="0"/>
+            <a:endParaRPr kumimoji="1" lang="en-US" altLang="ja-JP" sz="1000" b="1" dirty="0"/>
+          </a:p>
+        </p:txBody>
+      </p:sp>
+      <p:sp>
+        <p:nvSpPr>
+          <p:cNvPr id="217" name="Google Shape;62;p11">
+            <a:extLst>
+              <a:ext uri="{FF2B5EF4-FFF2-40B4-BE49-F238E27FC236}">
+                <a16:creationId xmlns:a16="http://schemas.microsoft.com/office/drawing/2014/main" id="{6CDC24D1-200B-4614-BEA8-832887AB91DD}"/>
+              </a:ext>
+            </a:extLst>
+          </p:cNvPr>
+          <p:cNvSpPr txBox="1">
+            <a:spLocks/>
+          </p:cNvSpPr>
+          <p:nvPr/>
+        </p:nvSpPr>
+        <p:spPr>
+          <a:xfrm>
+            <a:off x="2463646" y="1161178"/>
+            <a:ext cx="1140745" cy="871919"/>
+          </a:xfrm>
+          <a:prstGeom prst="rect">
+            <a:avLst/>
+          </a:prstGeom>
+          <a:noFill/>
+          <a:ln>
+            <a:noFill/>
+          </a:ln>
+        </p:spPr>
+        <p:txBody>
+          <a:bodyPr spcFirstLastPara="1" wrap="square" lIns="68569" tIns="68569" rIns="68569" bIns="68569" anchor="ctr" anchorCtr="0">
+            <a:noAutofit/>
+          </a:bodyPr>
+          <a:lstStyle>
+            <a:defPPr marR="0" lvl="0" algn="l" rtl="0">
+              <a:lnSpc>
+                <a:spcPct val="100000"/>
+              </a:lnSpc>
+              <a:spcBef>
+                <a:spcPts val="0"/>
+              </a:spcBef>
+              <a:spcAft>
+                <a:spcPts val="0"/>
+              </a:spcAft>
+            </a:defPPr>
+            <a:lvl1pPr marR="0" lvl="0" algn="r" rtl="0">
+              <a:lnSpc>
+                <a:spcPct val="100000"/>
+              </a:lnSpc>
+              <a:spcBef>
+                <a:spcPts val="0"/>
+              </a:spcBef>
+              <a:spcAft>
+                <a:spcPts val="0"/>
+              </a:spcAft>
+              <a:buClr>
+                <a:schemeClr val="dk1"/>
+              </a:buClr>
+              <a:buSzPts val="4800"/>
+              <a:buFont typeface="Montserrat"/>
+              <a:buNone/>
+              <a:defRPr sz="3600" b="1" i="0" u="none" strike="noStrike" cap="none">
+                <a:solidFill>
+                  <a:schemeClr val="dk1"/>
+                </a:solidFill>
+                <a:latin typeface="Montserrat"/>
+                <a:ea typeface="Montserrat"/>
+                <a:cs typeface="Montserrat"/>
+                <a:sym typeface="Montserrat"/>
+              </a:defRPr>
+            </a:lvl1pPr>
+            <a:lvl2pPr marR="0" lvl="1" algn="r" rtl="0">
+              <a:lnSpc>
+                <a:spcPct val="100000"/>
+              </a:lnSpc>
+              <a:spcBef>
+                <a:spcPts val="0"/>
+              </a:spcBef>
+              <a:spcAft>
+                <a:spcPts val="0"/>
+              </a:spcAft>
+              <a:buClr>
+                <a:schemeClr val="dk1"/>
+              </a:buClr>
+              <a:buSzPts val="6000"/>
+              <a:buFont typeface="Montserrat"/>
+              <a:buNone/>
+              <a:defRPr sz="4500" b="1" i="0" u="none" strike="noStrike" cap="none">
+                <a:solidFill>
+                  <a:schemeClr val="dk1"/>
+                </a:solidFill>
+                <a:latin typeface="Montserrat"/>
+                <a:ea typeface="Montserrat"/>
+                <a:cs typeface="Montserrat"/>
+                <a:sym typeface="Montserrat"/>
+              </a:defRPr>
+            </a:lvl2pPr>
+            <a:lvl3pPr marR="0" lvl="2" algn="r" rtl="0">
+              <a:lnSpc>
+                <a:spcPct val="100000"/>
+              </a:lnSpc>
+              <a:spcBef>
+                <a:spcPts val="0"/>
+              </a:spcBef>
+              <a:spcAft>
+                <a:spcPts val="0"/>
+              </a:spcAft>
+              <a:buClr>
+                <a:schemeClr val="dk1"/>
+              </a:buClr>
+              <a:buSzPts val="6000"/>
+              <a:buFont typeface="Montserrat"/>
+              <a:buNone/>
+              <a:defRPr sz="4500" b="1" i="0" u="none" strike="noStrike" cap="none">
+                <a:solidFill>
+                  <a:schemeClr val="dk1"/>
+                </a:solidFill>
+                <a:latin typeface="Montserrat"/>
+                <a:ea typeface="Montserrat"/>
+                <a:cs typeface="Montserrat"/>
+                <a:sym typeface="Montserrat"/>
+              </a:defRPr>
+            </a:lvl3pPr>
+            <a:lvl4pPr marR="0" lvl="3" algn="r" rtl="0">
+              <a:lnSpc>
+                <a:spcPct val="100000"/>
+              </a:lnSpc>
+              <a:spcBef>
+                <a:spcPts val="0"/>
+              </a:spcBef>
+              <a:spcAft>
+                <a:spcPts val="0"/>
+              </a:spcAft>
+              <a:buClr>
+                <a:schemeClr val="dk1"/>
+              </a:buClr>
+              <a:buSzPts val="6000"/>
+              <a:buFont typeface="Montserrat"/>
+              <a:buNone/>
+              <a:defRPr sz="4500" b="1" i="0" u="none" strike="noStrike" cap="none">
+                <a:solidFill>
+                  <a:schemeClr val="dk1"/>
+                </a:solidFill>
+                <a:latin typeface="Montserrat"/>
+                <a:ea typeface="Montserrat"/>
+                <a:cs typeface="Montserrat"/>
+                <a:sym typeface="Montserrat"/>
+              </a:defRPr>
+            </a:lvl4pPr>
+            <a:lvl5pPr marR="0" lvl="4" algn="r" rtl="0">
+              <a:lnSpc>
+                <a:spcPct val="100000"/>
+              </a:lnSpc>
+              <a:spcBef>
+                <a:spcPts val="0"/>
+              </a:spcBef>
+              <a:spcAft>
+                <a:spcPts val="0"/>
+              </a:spcAft>
+              <a:buClr>
+                <a:schemeClr val="dk1"/>
+              </a:buClr>
+              <a:buSzPts val="6000"/>
+              <a:buFont typeface="Montserrat"/>
+              <a:buNone/>
+              <a:defRPr sz="4500" b="1" i="0" u="none" strike="noStrike" cap="none">
+                <a:solidFill>
+                  <a:schemeClr val="dk1"/>
+                </a:solidFill>
+                <a:latin typeface="Montserrat"/>
+                <a:ea typeface="Montserrat"/>
+                <a:cs typeface="Montserrat"/>
+                <a:sym typeface="Montserrat"/>
+              </a:defRPr>
+            </a:lvl5pPr>
+            <a:lvl6pPr marR="0" lvl="5" algn="r" rtl="0">
+              <a:lnSpc>
+                <a:spcPct val="100000"/>
+              </a:lnSpc>
+              <a:spcBef>
+                <a:spcPts val="0"/>
+              </a:spcBef>
+              <a:spcAft>
+                <a:spcPts val="0"/>
+              </a:spcAft>
+              <a:buClr>
+                <a:schemeClr val="dk1"/>
+              </a:buClr>
+              <a:buSzPts val="6000"/>
+              <a:buFont typeface="Montserrat"/>
+              <a:buNone/>
+              <a:defRPr sz="4500" b="1" i="0" u="none" strike="noStrike" cap="none">
+                <a:solidFill>
+                  <a:schemeClr val="dk1"/>
+                </a:solidFill>
+                <a:latin typeface="Montserrat"/>
+                <a:ea typeface="Montserrat"/>
+                <a:cs typeface="Montserrat"/>
+                <a:sym typeface="Montserrat"/>
+              </a:defRPr>
+            </a:lvl6pPr>
+            <a:lvl7pPr marR="0" lvl="6" algn="r" rtl="0">
+              <a:lnSpc>
+                <a:spcPct val="100000"/>
+              </a:lnSpc>
+              <a:spcBef>
+                <a:spcPts val="0"/>
+              </a:spcBef>
+              <a:spcAft>
+                <a:spcPts val="0"/>
+              </a:spcAft>
+              <a:buClr>
+                <a:schemeClr val="dk1"/>
+              </a:buClr>
+              <a:buSzPts val="6000"/>
+              <a:buFont typeface="Montserrat"/>
+              <a:buNone/>
+              <a:defRPr sz="4500" b="1" i="0" u="none" strike="noStrike" cap="none">
+                <a:solidFill>
+                  <a:schemeClr val="dk1"/>
+                </a:solidFill>
+                <a:latin typeface="Montserrat"/>
+                <a:ea typeface="Montserrat"/>
+                <a:cs typeface="Montserrat"/>
+                <a:sym typeface="Montserrat"/>
+              </a:defRPr>
+            </a:lvl7pPr>
+            <a:lvl8pPr marR="0" lvl="7" algn="r" rtl="0">
+              <a:lnSpc>
+                <a:spcPct val="100000"/>
+              </a:lnSpc>
+              <a:spcBef>
+                <a:spcPts val="0"/>
+              </a:spcBef>
+              <a:spcAft>
+                <a:spcPts val="0"/>
+              </a:spcAft>
+              <a:buClr>
+                <a:schemeClr val="dk1"/>
+              </a:buClr>
+              <a:buSzPts val="6000"/>
+              <a:buFont typeface="Montserrat"/>
+              <a:buNone/>
+              <a:defRPr sz="4500" b="1" i="0" u="none" strike="noStrike" cap="none">
+                <a:solidFill>
+                  <a:schemeClr val="dk1"/>
+                </a:solidFill>
+                <a:latin typeface="Montserrat"/>
+                <a:ea typeface="Montserrat"/>
+                <a:cs typeface="Montserrat"/>
+                <a:sym typeface="Montserrat"/>
+              </a:defRPr>
+            </a:lvl8pPr>
+            <a:lvl9pPr marR="0" lvl="8" algn="r" rtl="0">
+              <a:lnSpc>
+                <a:spcPct val="100000"/>
+              </a:lnSpc>
+              <a:spcBef>
+                <a:spcPts val="0"/>
+              </a:spcBef>
+              <a:spcAft>
+                <a:spcPts val="0"/>
+              </a:spcAft>
+              <a:buClr>
+                <a:schemeClr val="dk1"/>
+              </a:buClr>
+              <a:buSzPts val="6000"/>
+              <a:buFont typeface="Montserrat"/>
+              <a:buNone/>
+              <a:defRPr sz="4500" b="1" i="0" u="none" strike="noStrike" cap="none">
+                <a:solidFill>
+                  <a:schemeClr val="dk1"/>
+                </a:solidFill>
+                <a:latin typeface="Montserrat"/>
+                <a:ea typeface="Montserrat"/>
+                <a:cs typeface="Montserrat"/>
+                <a:sym typeface="Montserrat"/>
+              </a:defRPr>
+            </a:lvl9pPr>
+          </a:lstStyle>
+          <a:p>
+            <a:pPr algn="ctr"/>
+            <a:r>
+              <a:rPr lang="en-US" altLang="ja-JP" sz="6000" dirty="0">
+                <a:solidFill>
+                  <a:srgbClr val="282D34"/>
+                </a:solidFill>
+                <a:latin typeface="游ゴシック" panose="020B0400000000000000" pitchFamily="50" charset="-128"/>
+                <a:ea typeface="游ゴシック" panose="020B0400000000000000" pitchFamily="50" charset="-128"/>
+              </a:rPr>
+              <a:t>9</a:t>
+            </a:r>
+            <a:r>
+              <a:rPr lang="en-US" altLang="ja-JP" sz="2400" dirty="0">
+                <a:solidFill>
+                  <a:srgbClr val="282D34"/>
+                </a:solidFill>
+                <a:latin typeface="游ゴシック" panose="020B0400000000000000" pitchFamily="50" charset="-128"/>
+                <a:ea typeface="游ゴシック" panose="020B0400000000000000" pitchFamily="50" charset="-128"/>
+              </a:rPr>
+              <a:t>/3</a:t>
+            </a:r>
+            <a:endParaRPr lang="en-US" sz="2000" dirty="0">
+              <a:solidFill>
+                <a:srgbClr val="282D34"/>
+              </a:solidFill>
+              <a:latin typeface="游ゴシック" panose="020B0400000000000000" pitchFamily="50" charset="-128"/>
+              <a:ea typeface="游ゴシック" panose="020B0400000000000000" pitchFamily="50" charset="-128"/>
+            </a:endParaRPr>
+          </a:p>
+        </p:txBody>
+      </p:sp>
+      <p:sp>
+        <p:nvSpPr>
+          <p:cNvPr id="218" name="Google Shape;62;p11">
+            <a:extLst>
+              <a:ext uri="{FF2B5EF4-FFF2-40B4-BE49-F238E27FC236}">
+                <a16:creationId xmlns:a16="http://schemas.microsoft.com/office/drawing/2014/main" id="{F49C9AC1-4516-44AD-B80C-7960C0F60B65}"/>
+              </a:ext>
+            </a:extLst>
+          </p:cNvPr>
+          <p:cNvSpPr txBox="1">
+            <a:spLocks/>
+          </p:cNvSpPr>
+          <p:nvPr/>
+        </p:nvSpPr>
+        <p:spPr>
+          <a:xfrm>
+            <a:off x="3890576" y="1161177"/>
+            <a:ext cx="1654089" cy="871919"/>
+          </a:xfrm>
+          <a:prstGeom prst="rect">
+            <a:avLst/>
+          </a:prstGeom>
+          <a:noFill/>
+          <a:ln>
+            <a:noFill/>
+          </a:ln>
+        </p:spPr>
+        <p:txBody>
+          <a:bodyPr spcFirstLastPara="1" wrap="square" lIns="68569" tIns="68569" rIns="68569" bIns="68569" anchor="ctr" anchorCtr="0">
+            <a:noAutofit/>
+          </a:bodyPr>
+          <a:lstStyle>
+            <a:defPPr marR="0" lvl="0" algn="l" rtl="0">
+              <a:lnSpc>
+                <a:spcPct val="100000"/>
+              </a:lnSpc>
+              <a:spcBef>
+                <a:spcPts val="0"/>
+              </a:spcBef>
+              <a:spcAft>
+                <a:spcPts val="0"/>
+              </a:spcAft>
+            </a:defPPr>
+            <a:lvl1pPr marR="0" lvl="0" algn="r" rtl="0">
+              <a:lnSpc>
+                <a:spcPct val="100000"/>
+              </a:lnSpc>
+              <a:spcBef>
+                <a:spcPts val="0"/>
+              </a:spcBef>
+              <a:spcAft>
+                <a:spcPts val="0"/>
+              </a:spcAft>
+              <a:buClr>
+                <a:schemeClr val="dk1"/>
+              </a:buClr>
+              <a:buSzPts val="4800"/>
+              <a:buFont typeface="Montserrat"/>
+              <a:buNone/>
+              <a:defRPr sz="3600" b="1" i="0" u="none" strike="noStrike" cap="none">
+                <a:solidFill>
+                  <a:schemeClr val="dk1"/>
+                </a:solidFill>
+                <a:latin typeface="Montserrat"/>
+                <a:ea typeface="Montserrat"/>
+                <a:cs typeface="Montserrat"/>
+                <a:sym typeface="Montserrat"/>
+              </a:defRPr>
+            </a:lvl1pPr>
+            <a:lvl2pPr marR="0" lvl="1" algn="r" rtl="0">
+              <a:lnSpc>
+                <a:spcPct val="100000"/>
+              </a:lnSpc>
+              <a:spcBef>
+                <a:spcPts val="0"/>
+              </a:spcBef>
+              <a:spcAft>
+                <a:spcPts val="0"/>
+              </a:spcAft>
+              <a:buClr>
+                <a:schemeClr val="dk1"/>
+              </a:buClr>
+              <a:buSzPts val="6000"/>
+              <a:buFont typeface="Montserrat"/>
+              <a:buNone/>
+              <a:defRPr sz="4500" b="1" i="0" u="none" strike="noStrike" cap="none">
+                <a:solidFill>
+                  <a:schemeClr val="dk1"/>
+                </a:solidFill>
+                <a:latin typeface="Montserrat"/>
+                <a:ea typeface="Montserrat"/>
+                <a:cs typeface="Montserrat"/>
+                <a:sym typeface="Montserrat"/>
+              </a:defRPr>
+            </a:lvl2pPr>
+            <a:lvl3pPr marR="0" lvl="2" algn="r" rtl="0">
+              <a:lnSpc>
+                <a:spcPct val="100000"/>
+              </a:lnSpc>
+              <a:spcBef>
+                <a:spcPts val="0"/>
+              </a:spcBef>
+              <a:spcAft>
+                <a:spcPts val="0"/>
+              </a:spcAft>
+              <a:buClr>
+                <a:schemeClr val="dk1"/>
+              </a:buClr>
+              <a:buSzPts val="6000"/>
+              <a:buFont typeface="Montserrat"/>
+              <a:buNone/>
+              <a:defRPr sz="4500" b="1" i="0" u="none" strike="noStrike" cap="none">
+                <a:solidFill>
+                  <a:schemeClr val="dk1"/>
+                </a:solidFill>
+                <a:latin typeface="Montserrat"/>
+                <a:ea typeface="Montserrat"/>
+                <a:cs typeface="Montserrat"/>
+                <a:sym typeface="Montserrat"/>
+              </a:defRPr>
+            </a:lvl3pPr>
+            <a:lvl4pPr marR="0" lvl="3" algn="r" rtl="0">
+              <a:lnSpc>
+                <a:spcPct val="100000"/>
+              </a:lnSpc>
+              <a:spcBef>
+                <a:spcPts val="0"/>
+              </a:spcBef>
+              <a:spcAft>
+                <a:spcPts val="0"/>
+              </a:spcAft>
+              <a:buClr>
+                <a:schemeClr val="dk1"/>
+              </a:buClr>
+              <a:buSzPts val="6000"/>
+              <a:buFont typeface="Montserrat"/>
+              <a:buNone/>
+              <a:defRPr sz="4500" b="1" i="0" u="none" strike="noStrike" cap="none">
+                <a:solidFill>
+                  <a:schemeClr val="dk1"/>
+                </a:solidFill>
+                <a:latin typeface="Montserrat"/>
+                <a:ea typeface="Montserrat"/>
+                <a:cs typeface="Montserrat"/>
+                <a:sym typeface="Montserrat"/>
+              </a:defRPr>
+            </a:lvl4pPr>
+            <a:lvl5pPr marR="0" lvl="4" algn="r" rtl="0">
+              <a:lnSpc>
+                <a:spcPct val="100000"/>
+              </a:lnSpc>
+              <a:spcBef>
+                <a:spcPts val="0"/>
+              </a:spcBef>
+              <a:spcAft>
+                <a:spcPts val="0"/>
+              </a:spcAft>
+              <a:buClr>
+                <a:schemeClr val="dk1"/>
+              </a:buClr>
+              <a:buSzPts val="6000"/>
+              <a:buFont typeface="Montserrat"/>
+              <a:buNone/>
+              <a:defRPr sz="4500" b="1" i="0" u="none" strike="noStrike" cap="none">
+                <a:solidFill>
+                  <a:schemeClr val="dk1"/>
+                </a:solidFill>
+                <a:latin typeface="Montserrat"/>
+                <a:ea typeface="Montserrat"/>
+                <a:cs typeface="Montserrat"/>
+                <a:sym typeface="Montserrat"/>
+              </a:defRPr>
+            </a:lvl5pPr>
+            <a:lvl6pPr marR="0" lvl="5" algn="r" rtl="0">
+              <a:lnSpc>
+                <a:spcPct val="100000"/>
+              </a:lnSpc>
+              <a:spcBef>
+                <a:spcPts val="0"/>
+              </a:spcBef>
+              <a:spcAft>
+                <a:spcPts val="0"/>
+              </a:spcAft>
+              <a:buClr>
+                <a:schemeClr val="dk1"/>
+              </a:buClr>
+              <a:buSzPts val="6000"/>
+              <a:buFont typeface="Montserrat"/>
+              <a:buNone/>
+              <a:defRPr sz="4500" b="1" i="0" u="none" strike="noStrike" cap="none">
+                <a:solidFill>
+                  <a:schemeClr val="dk1"/>
+                </a:solidFill>
+                <a:latin typeface="Montserrat"/>
+                <a:ea typeface="Montserrat"/>
+                <a:cs typeface="Montserrat"/>
+                <a:sym typeface="Montserrat"/>
+              </a:defRPr>
+            </a:lvl6pPr>
+            <a:lvl7pPr marR="0" lvl="6" algn="r" rtl="0">
+              <a:lnSpc>
+                <a:spcPct val="100000"/>
+              </a:lnSpc>
+              <a:spcBef>
+                <a:spcPts val="0"/>
+              </a:spcBef>
+              <a:spcAft>
+                <a:spcPts val="0"/>
+              </a:spcAft>
+              <a:buClr>
+                <a:schemeClr val="dk1"/>
+              </a:buClr>
+              <a:buSzPts val="6000"/>
+              <a:buFont typeface="Montserrat"/>
+              <a:buNone/>
+              <a:defRPr sz="4500" b="1" i="0" u="none" strike="noStrike" cap="none">
+                <a:solidFill>
+                  <a:schemeClr val="dk1"/>
+                </a:solidFill>
+                <a:latin typeface="Montserrat"/>
+                <a:ea typeface="Montserrat"/>
+                <a:cs typeface="Montserrat"/>
+                <a:sym typeface="Montserrat"/>
+              </a:defRPr>
+            </a:lvl7pPr>
+            <a:lvl8pPr marR="0" lvl="7" algn="r" rtl="0">
+              <a:lnSpc>
+                <a:spcPct val="100000"/>
+              </a:lnSpc>
+              <a:spcBef>
+                <a:spcPts val="0"/>
+              </a:spcBef>
+              <a:spcAft>
+                <a:spcPts val="0"/>
+              </a:spcAft>
+              <a:buClr>
+                <a:schemeClr val="dk1"/>
+              </a:buClr>
+              <a:buSzPts val="6000"/>
+              <a:buFont typeface="Montserrat"/>
+              <a:buNone/>
+              <a:defRPr sz="4500" b="1" i="0" u="none" strike="noStrike" cap="none">
+                <a:solidFill>
+                  <a:schemeClr val="dk1"/>
+                </a:solidFill>
+                <a:latin typeface="Montserrat"/>
+                <a:ea typeface="Montserrat"/>
+                <a:cs typeface="Montserrat"/>
+                <a:sym typeface="Montserrat"/>
+              </a:defRPr>
+            </a:lvl8pPr>
+            <a:lvl9pPr marR="0" lvl="8" algn="r" rtl="0">
+              <a:lnSpc>
+                <a:spcPct val="100000"/>
+              </a:lnSpc>
+              <a:spcBef>
+                <a:spcPts val="0"/>
+              </a:spcBef>
+              <a:spcAft>
+                <a:spcPts val="0"/>
+              </a:spcAft>
+              <a:buClr>
+                <a:schemeClr val="dk1"/>
+              </a:buClr>
+              <a:buSzPts val="6000"/>
+              <a:buFont typeface="Montserrat"/>
+              <a:buNone/>
+              <a:defRPr sz="4500" b="1" i="0" u="none" strike="noStrike" cap="none">
+                <a:solidFill>
+                  <a:schemeClr val="dk1"/>
+                </a:solidFill>
+                <a:latin typeface="Montserrat"/>
+                <a:ea typeface="Montserrat"/>
+                <a:cs typeface="Montserrat"/>
+                <a:sym typeface="Montserrat"/>
+              </a:defRPr>
+            </a:lvl9pPr>
+          </a:lstStyle>
+          <a:p>
+            <a:pPr algn="ctr"/>
+            <a:r>
+              <a:rPr lang="en-US" altLang="ja-JP" sz="6000" dirty="0">
+                <a:solidFill>
+                  <a:srgbClr val="282D34"/>
+                </a:solidFill>
+                <a:latin typeface="游ゴシック" panose="020B0400000000000000" pitchFamily="50" charset="-128"/>
+                <a:ea typeface="游ゴシック" panose="020B0400000000000000" pitchFamily="50" charset="-128"/>
+              </a:rPr>
+              <a:t>9</a:t>
+            </a:r>
+            <a:r>
+              <a:rPr lang="en-US" altLang="ja-JP" sz="2400" dirty="0">
+                <a:solidFill>
+                  <a:srgbClr val="282D34"/>
+                </a:solidFill>
+                <a:latin typeface="游ゴシック" panose="020B0400000000000000" pitchFamily="50" charset="-128"/>
+                <a:ea typeface="游ゴシック" panose="020B0400000000000000" pitchFamily="50" charset="-128"/>
+              </a:rPr>
+              <a:t>/16-17</a:t>
+            </a:r>
+            <a:endParaRPr lang="en-US" sz="2000" dirty="0">
+              <a:solidFill>
+                <a:srgbClr val="282D34"/>
+              </a:solidFill>
+              <a:latin typeface="游ゴシック" panose="020B0400000000000000" pitchFamily="50" charset="-128"/>
+              <a:ea typeface="游ゴシック" panose="020B0400000000000000" pitchFamily="50" charset="-128"/>
+            </a:endParaRPr>
+          </a:p>
+        </p:txBody>
+      </p:sp>
+      <p:sp>
+        <p:nvSpPr>
+          <p:cNvPr id="18" name="Google Shape;62;p11">
+            <a:extLst>
+              <a:ext uri="{FF2B5EF4-FFF2-40B4-BE49-F238E27FC236}">
+                <a16:creationId xmlns:a16="http://schemas.microsoft.com/office/drawing/2014/main" id="{0F1D5426-C722-40F2-A3B7-86EF66BF94BD}"/>
+              </a:ext>
+            </a:extLst>
+          </p:cNvPr>
+          <p:cNvSpPr txBox="1">
+            <a:spLocks/>
+          </p:cNvSpPr>
+          <p:nvPr/>
+        </p:nvSpPr>
+        <p:spPr>
+          <a:xfrm>
+            <a:off x="-251916" y="4543094"/>
+            <a:ext cx="5304557" cy="394371"/>
+          </a:xfrm>
+          <a:prstGeom prst="rect">
+            <a:avLst/>
+          </a:prstGeom>
+          <a:noFill/>
+          <a:ln>
+            <a:noFill/>
+          </a:ln>
+        </p:spPr>
+        <p:txBody>
+          <a:bodyPr spcFirstLastPara="1" wrap="square" lIns="68569" tIns="68569" rIns="68569" bIns="68569" anchor="ctr" anchorCtr="0">
+            <a:noAutofit/>
+          </a:bodyPr>
+          <a:lstStyle>
+            <a:defPPr marR="0" lvl="0" algn="l" rtl="0">
+              <a:lnSpc>
+                <a:spcPct val="100000"/>
+              </a:lnSpc>
+              <a:spcBef>
+                <a:spcPts val="0"/>
+              </a:spcBef>
+              <a:spcAft>
+                <a:spcPts val="0"/>
+              </a:spcAft>
+            </a:defPPr>
+            <a:lvl1pPr marR="0" lvl="0" algn="r" rtl="0">
+              <a:lnSpc>
+                <a:spcPct val="100000"/>
+              </a:lnSpc>
+              <a:spcBef>
+                <a:spcPts val="0"/>
+              </a:spcBef>
+              <a:spcAft>
+                <a:spcPts val="0"/>
+              </a:spcAft>
+              <a:buClr>
+                <a:schemeClr val="dk1"/>
+              </a:buClr>
+              <a:buSzPts val="4800"/>
+              <a:buFont typeface="Montserrat"/>
+              <a:buNone/>
+              <a:defRPr sz="3600" b="1" i="0" u="none" strike="noStrike" cap="none">
+                <a:solidFill>
+                  <a:schemeClr val="dk1"/>
+                </a:solidFill>
+                <a:latin typeface="Montserrat"/>
+                <a:ea typeface="Montserrat"/>
+                <a:cs typeface="Montserrat"/>
+                <a:sym typeface="Montserrat"/>
+              </a:defRPr>
+            </a:lvl1pPr>
+            <a:lvl2pPr marR="0" lvl="1" algn="r" rtl="0">
+              <a:lnSpc>
+                <a:spcPct val="100000"/>
+              </a:lnSpc>
+              <a:spcBef>
+                <a:spcPts val="0"/>
+              </a:spcBef>
+              <a:spcAft>
+                <a:spcPts val="0"/>
+              </a:spcAft>
+              <a:buClr>
+                <a:schemeClr val="dk1"/>
+              </a:buClr>
+              <a:buSzPts val="6000"/>
+              <a:buFont typeface="Montserrat"/>
+              <a:buNone/>
+              <a:defRPr sz="4500" b="1" i="0" u="none" strike="noStrike" cap="none">
+                <a:solidFill>
+                  <a:schemeClr val="dk1"/>
+                </a:solidFill>
+                <a:latin typeface="Montserrat"/>
+                <a:ea typeface="Montserrat"/>
+                <a:cs typeface="Montserrat"/>
+                <a:sym typeface="Montserrat"/>
+              </a:defRPr>
+            </a:lvl2pPr>
+            <a:lvl3pPr marR="0" lvl="2" algn="r" rtl="0">
+              <a:lnSpc>
+                <a:spcPct val="100000"/>
+              </a:lnSpc>
+              <a:spcBef>
+                <a:spcPts val="0"/>
+              </a:spcBef>
+              <a:spcAft>
+                <a:spcPts val="0"/>
+              </a:spcAft>
+              <a:buClr>
+                <a:schemeClr val="dk1"/>
+              </a:buClr>
+              <a:buSzPts val="6000"/>
+              <a:buFont typeface="Montserrat"/>
+              <a:buNone/>
+              <a:defRPr sz="4500" b="1" i="0" u="none" strike="noStrike" cap="none">
+                <a:solidFill>
+                  <a:schemeClr val="dk1"/>
+                </a:solidFill>
+                <a:latin typeface="Montserrat"/>
+                <a:ea typeface="Montserrat"/>
+                <a:cs typeface="Montserrat"/>
+                <a:sym typeface="Montserrat"/>
+              </a:defRPr>
+            </a:lvl3pPr>
+            <a:lvl4pPr marR="0" lvl="3" algn="r" rtl="0">
+              <a:lnSpc>
+                <a:spcPct val="100000"/>
+              </a:lnSpc>
+              <a:spcBef>
+                <a:spcPts val="0"/>
+              </a:spcBef>
+              <a:spcAft>
+                <a:spcPts val="0"/>
+              </a:spcAft>
+              <a:buClr>
+                <a:schemeClr val="dk1"/>
+              </a:buClr>
+              <a:buSzPts val="6000"/>
+              <a:buFont typeface="Montserrat"/>
+              <a:buNone/>
+              <a:defRPr sz="4500" b="1" i="0" u="none" strike="noStrike" cap="none">
+                <a:solidFill>
+                  <a:schemeClr val="dk1"/>
+                </a:solidFill>
+                <a:latin typeface="Montserrat"/>
+                <a:ea typeface="Montserrat"/>
+                <a:cs typeface="Montserrat"/>
+                <a:sym typeface="Montserrat"/>
+              </a:defRPr>
+            </a:lvl4pPr>
+            <a:lvl5pPr marR="0" lvl="4" algn="r" rtl="0">
+              <a:lnSpc>
+                <a:spcPct val="100000"/>
+              </a:lnSpc>
+              <a:spcBef>
+                <a:spcPts val="0"/>
+              </a:spcBef>
+              <a:spcAft>
+                <a:spcPts val="0"/>
+              </a:spcAft>
+              <a:buClr>
+                <a:schemeClr val="dk1"/>
+              </a:buClr>
+              <a:buSzPts val="6000"/>
+              <a:buFont typeface="Montserrat"/>
+              <a:buNone/>
+              <a:defRPr sz="4500" b="1" i="0" u="none" strike="noStrike" cap="none">
+                <a:solidFill>
+                  <a:schemeClr val="dk1"/>
+                </a:solidFill>
+                <a:latin typeface="Montserrat"/>
+                <a:ea typeface="Montserrat"/>
+                <a:cs typeface="Montserrat"/>
+                <a:sym typeface="Montserrat"/>
+              </a:defRPr>
+            </a:lvl5pPr>
+            <a:lvl6pPr marR="0" lvl="5" algn="r" rtl="0">
+              <a:lnSpc>
+                <a:spcPct val="100000"/>
+              </a:lnSpc>
+              <a:spcBef>
+                <a:spcPts val="0"/>
+              </a:spcBef>
+              <a:spcAft>
+                <a:spcPts val="0"/>
+              </a:spcAft>
+              <a:buClr>
+                <a:schemeClr val="dk1"/>
+              </a:buClr>
+              <a:buSzPts val="6000"/>
+              <a:buFont typeface="Montserrat"/>
+              <a:buNone/>
+              <a:defRPr sz="4500" b="1" i="0" u="none" strike="noStrike" cap="none">
+                <a:solidFill>
+                  <a:schemeClr val="dk1"/>
+                </a:solidFill>
+                <a:latin typeface="Montserrat"/>
+                <a:ea typeface="Montserrat"/>
+                <a:cs typeface="Montserrat"/>
+                <a:sym typeface="Montserrat"/>
+              </a:defRPr>
+            </a:lvl6pPr>
+            <a:lvl7pPr marR="0" lvl="6" algn="r" rtl="0">
+              <a:lnSpc>
+                <a:spcPct val="100000"/>
+              </a:lnSpc>
+              <a:spcBef>
+                <a:spcPts val="0"/>
+              </a:spcBef>
+              <a:spcAft>
+                <a:spcPts val="0"/>
+              </a:spcAft>
+              <a:buClr>
+                <a:schemeClr val="dk1"/>
+              </a:buClr>
+              <a:buSzPts val="6000"/>
+              <a:buFont typeface="Montserrat"/>
+              <a:buNone/>
+              <a:defRPr sz="4500" b="1" i="0" u="none" strike="noStrike" cap="none">
+                <a:solidFill>
+                  <a:schemeClr val="dk1"/>
+                </a:solidFill>
+                <a:latin typeface="Montserrat"/>
+                <a:ea typeface="Montserrat"/>
+                <a:cs typeface="Montserrat"/>
+                <a:sym typeface="Montserrat"/>
+              </a:defRPr>
+            </a:lvl7pPr>
+            <a:lvl8pPr marR="0" lvl="7" algn="r" rtl="0">
+              <a:lnSpc>
+                <a:spcPct val="100000"/>
+              </a:lnSpc>
+              <a:spcBef>
+                <a:spcPts val="0"/>
+              </a:spcBef>
+              <a:spcAft>
+                <a:spcPts val="0"/>
+              </a:spcAft>
+              <a:buClr>
+                <a:schemeClr val="dk1"/>
+              </a:buClr>
+              <a:buSzPts val="6000"/>
+              <a:buFont typeface="Montserrat"/>
+              <a:buNone/>
+              <a:defRPr sz="4500" b="1" i="0" u="none" strike="noStrike" cap="none">
+                <a:solidFill>
+                  <a:schemeClr val="dk1"/>
+                </a:solidFill>
+                <a:latin typeface="Montserrat"/>
+                <a:ea typeface="Montserrat"/>
+                <a:cs typeface="Montserrat"/>
+                <a:sym typeface="Montserrat"/>
+              </a:defRPr>
+            </a:lvl8pPr>
+            <a:lvl9pPr marR="0" lvl="8" algn="r" rtl="0">
+              <a:lnSpc>
+                <a:spcPct val="100000"/>
+              </a:lnSpc>
+              <a:spcBef>
+                <a:spcPts val="0"/>
+              </a:spcBef>
+              <a:spcAft>
+                <a:spcPts val="0"/>
+              </a:spcAft>
+              <a:buClr>
+                <a:schemeClr val="dk1"/>
+              </a:buClr>
+              <a:buSzPts val="6000"/>
+              <a:buFont typeface="Montserrat"/>
+              <a:buNone/>
+              <a:defRPr sz="4500" b="1" i="0" u="none" strike="noStrike" cap="none">
+                <a:solidFill>
+                  <a:schemeClr val="dk1"/>
+                </a:solidFill>
+                <a:latin typeface="Montserrat"/>
+                <a:ea typeface="Montserrat"/>
+                <a:cs typeface="Montserrat"/>
+                <a:sym typeface="Montserrat"/>
+              </a:defRPr>
+            </a:lvl9pPr>
+          </a:lstStyle>
+          <a:p>
+            <a:pPr algn="ctr"/>
+            <a:r>
+              <a:rPr lang="ja-JP" altLang="en-US" sz="1800" dirty="0">
+                <a:solidFill>
+                  <a:srgbClr val="292F37"/>
+                </a:solidFill>
+                <a:latin typeface="游ゴシック" panose="020B0400000000000000" pitchFamily="50" charset="-128"/>
+                <a:ea typeface="游ゴシック" panose="020B0400000000000000" pitchFamily="50" charset="-128"/>
+              </a:rPr>
+              <a:t>■リアルな地域課題にチームでチャレンジ！</a:t>
+            </a:r>
+            <a:endParaRPr lang="ja-JP" altLang="en-US" sz="1800" b="0" dirty="0">
+              <a:solidFill>
+                <a:srgbClr val="292F37"/>
+              </a:solidFill>
+              <a:latin typeface="游ゴシック" panose="020B0400000000000000" pitchFamily="50" charset="-128"/>
+              <a:ea typeface="游ゴシック" panose="020B0400000000000000" pitchFamily="50" charset="-128"/>
+            </a:endParaRPr>
+          </a:p>
+        </p:txBody>
+      </p:sp>
+      <p:pic>
+        <p:nvPicPr>
+          <p:cNvPr id="5" name="図 4">
+            <a:extLst>
+              <a:ext uri="{FF2B5EF4-FFF2-40B4-BE49-F238E27FC236}">
+                <a16:creationId xmlns:a16="http://schemas.microsoft.com/office/drawing/2014/main" id="{395BB1D1-DDE9-4E25-A69C-E97C9CB9C735}"/>
+              </a:ext>
+            </a:extLst>
+          </p:cNvPr>
+          <p:cNvPicPr>
+            <a:picLocks noChangeAspect="1"/>
+          </p:cNvPicPr>
+          <p:nvPr/>
+        </p:nvPicPr>
+        <p:blipFill>
+          <a:blip r:embed="rId4"/>
+          <a:stretch>
+            <a:fillRect/>
+          </a:stretch>
+        </p:blipFill>
+        <p:spPr>
+          <a:xfrm>
+            <a:off x="0" y="2385004"/>
+            <a:ext cx="6858000" cy="1658530"/>
+          </a:xfrm>
+          <a:prstGeom prst="rect">
+            <a:avLst/>
+          </a:prstGeom>
+        </p:spPr>
+      </p:pic>
+      <p:pic>
+        <p:nvPicPr>
+          <p:cNvPr id="6" name="図 5">
+            <a:extLst>
+              <a:ext uri="{FF2B5EF4-FFF2-40B4-BE49-F238E27FC236}">
+                <a16:creationId xmlns:a16="http://schemas.microsoft.com/office/drawing/2014/main" id="{1760EBE3-42A9-44AF-A94A-00B2FEA59F10}"/>
+              </a:ext>
+            </a:extLst>
+          </p:cNvPr>
+          <p:cNvPicPr>
+            <a:picLocks noChangeAspect="1"/>
+          </p:cNvPicPr>
+          <p:nvPr/>
+        </p:nvPicPr>
+        <p:blipFill>
+          <a:blip r:embed="rId5"/>
+          <a:stretch>
+            <a:fillRect/>
+          </a:stretch>
+        </p:blipFill>
+        <p:spPr>
+          <a:xfrm>
+            <a:off x="735575" y="1862598"/>
+            <a:ext cx="4786912" cy="690941"/>
+          </a:xfrm>
+          <a:prstGeom prst="rect">
+            <a:avLst/>
+          </a:prstGeom>
+        </p:spPr>
+      </p:pic>
+      <p:pic>
+        <p:nvPicPr>
+          <p:cNvPr id="11" name="図 10">
+            <a:extLst>
+              <a:ext uri="{FF2B5EF4-FFF2-40B4-BE49-F238E27FC236}">
+                <a16:creationId xmlns:a16="http://schemas.microsoft.com/office/drawing/2014/main" id="{2808FC93-92C1-4D87-95CA-3B75F473E0CE}"/>
+              </a:ext>
+            </a:extLst>
+          </p:cNvPr>
+          <p:cNvPicPr>
+            <a:picLocks noChangeAspect="1"/>
+          </p:cNvPicPr>
+          <p:nvPr/>
+        </p:nvPicPr>
+        <p:blipFill>
+          <a:blip r:embed="rId6"/>
+          <a:stretch>
+            <a:fillRect/>
+          </a:stretch>
+        </p:blipFill>
+        <p:spPr>
+          <a:xfrm>
+            <a:off x="1615251" y="4030004"/>
+            <a:ext cx="4550651" cy="907461"/>
+          </a:xfrm>
+          <a:prstGeom prst="rect">
+            <a:avLst/>
+          </a:prstGeom>
+        </p:spPr>
+      </p:pic>
+      <p:sp>
+        <p:nvSpPr>
+          <p:cNvPr id="31" name="Google Shape;62;p11">
+            <a:extLst>
+              <a:ext uri="{FF2B5EF4-FFF2-40B4-BE49-F238E27FC236}">
+                <a16:creationId xmlns:a16="http://schemas.microsoft.com/office/drawing/2014/main" id="{AB89C34A-C379-4704-BC8F-2380A55D8670}"/>
+              </a:ext>
+            </a:extLst>
+          </p:cNvPr>
+          <p:cNvSpPr txBox="1">
+            <a:spLocks/>
+          </p:cNvSpPr>
+          <p:nvPr/>
+        </p:nvSpPr>
+        <p:spPr>
+          <a:xfrm>
+            <a:off x="1145569" y="1125671"/>
+            <a:ext cx="1129801" cy="580593"/>
+          </a:xfrm>
+          <a:prstGeom prst="rect">
+            <a:avLst/>
+          </a:prstGeom>
+          <a:noFill/>
+          <a:ln>
+            <a:noFill/>
+          </a:ln>
+        </p:spPr>
+        <p:txBody>
+          <a:bodyPr spcFirstLastPara="1" wrap="none" lIns="68569" tIns="68569" rIns="68569" bIns="68569" anchor="ctr" anchorCtr="0">
+            <a:noAutofit/>
+          </a:bodyPr>
+          <a:lstStyle>
+            <a:defPPr marR="0" lvl="0" algn="l" rtl="0">
+              <a:lnSpc>
+                <a:spcPct val="100000"/>
+              </a:lnSpc>
+              <a:spcBef>
+                <a:spcPts val="0"/>
+              </a:spcBef>
+              <a:spcAft>
+                <a:spcPts val="0"/>
+              </a:spcAft>
+            </a:defPPr>
+            <a:lvl1pPr marR="0" lvl="0" algn="r" rtl="0">
+              <a:lnSpc>
+                <a:spcPct val="100000"/>
+              </a:lnSpc>
+              <a:spcBef>
+                <a:spcPts val="0"/>
+              </a:spcBef>
+              <a:spcAft>
+                <a:spcPts val="0"/>
+              </a:spcAft>
+              <a:buClr>
+                <a:schemeClr val="dk1"/>
+              </a:buClr>
+              <a:buSzPts val="4800"/>
+              <a:buFont typeface="Montserrat"/>
+              <a:buNone/>
+              <a:defRPr sz="3600" b="1" i="0" u="none" strike="noStrike" cap="none">
+                <a:solidFill>
+                  <a:schemeClr val="dk1"/>
+                </a:solidFill>
+                <a:latin typeface="Montserrat"/>
+                <a:ea typeface="Montserrat"/>
+                <a:cs typeface="Montserrat"/>
+                <a:sym typeface="Montserrat"/>
+              </a:defRPr>
+            </a:lvl1pPr>
+            <a:lvl2pPr marR="0" lvl="1" algn="r" rtl="0">
+              <a:lnSpc>
+                <a:spcPct val="100000"/>
+              </a:lnSpc>
+              <a:spcBef>
+                <a:spcPts val="0"/>
+              </a:spcBef>
+              <a:spcAft>
+                <a:spcPts val="0"/>
+              </a:spcAft>
+              <a:buClr>
+                <a:schemeClr val="dk1"/>
+              </a:buClr>
+              <a:buSzPts val="6000"/>
+              <a:buFont typeface="Montserrat"/>
+              <a:buNone/>
+              <a:defRPr sz="4500" b="1" i="0" u="none" strike="noStrike" cap="none">
+                <a:solidFill>
+                  <a:schemeClr val="dk1"/>
+                </a:solidFill>
+                <a:latin typeface="Montserrat"/>
+                <a:ea typeface="Montserrat"/>
+                <a:cs typeface="Montserrat"/>
+                <a:sym typeface="Montserrat"/>
+              </a:defRPr>
+            </a:lvl2pPr>
+            <a:lvl3pPr marR="0" lvl="2" algn="r" rtl="0">
+              <a:lnSpc>
+                <a:spcPct val="100000"/>
+              </a:lnSpc>
+              <a:spcBef>
+                <a:spcPts val="0"/>
+              </a:spcBef>
+              <a:spcAft>
+                <a:spcPts val="0"/>
+              </a:spcAft>
+              <a:buClr>
+                <a:schemeClr val="dk1"/>
+              </a:buClr>
+              <a:buSzPts val="6000"/>
+              <a:buFont typeface="Montserrat"/>
+              <a:buNone/>
+              <a:defRPr sz="4500" b="1" i="0" u="none" strike="noStrike" cap="none">
+                <a:solidFill>
+                  <a:schemeClr val="dk1"/>
+                </a:solidFill>
+                <a:latin typeface="Montserrat"/>
+                <a:ea typeface="Montserrat"/>
+                <a:cs typeface="Montserrat"/>
+                <a:sym typeface="Montserrat"/>
+              </a:defRPr>
+            </a:lvl3pPr>
+            <a:lvl4pPr marR="0" lvl="3" algn="r" rtl="0">
+              <a:lnSpc>
+                <a:spcPct val="100000"/>
+              </a:lnSpc>
+              <a:spcBef>
+                <a:spcPts val="0"/>
+              </a:spcBef>
+              <a:spcAft>
+                <a:spcPts val="0"/>
+              </a:spcAft>
+              <a:buClr>
+                <a:schemeClr val="dk1"/>
+              </a:buClr>
+              <a:buSzPts val="6000"/>
+              <a:buFont typeface="Montserrat"/>
+              <a:buNone/>
+              <a:defRPr sz="4500" b="1" i="0" u="none" strike="noStrike" cap="none">
+                <a:solidFill>
+                  <a:schemeClr val="dk1"/>
+                </a:solidFill>
+                <a:latin typeface="Montserrat"/>
+                <a:ea typeface="Montserrat"/>
+                <a:cs typeface="Montserrat"/>
+                <a:sym typeface="Montserrat"/>
+              </a:defRPr>
+            </a:lvl4pPr>
+            <a:lvl5pPr marR="0" lvl="4" algn="r" rtl="0">
+              <a:lnSpc>
+                <a:spcPct val="100000"/>
+              </a:lnSpc>
+              <a:spcBef>
+                <a:spcPts val="0"/>
+              </a:spcBef>
+              <a:spcAft>
+                <a:spcPts val="0"/>
+              </a:spcAft>
+              <a:buClr>
+                <a:schemeClr val="dk1"/>
+              </a:buClr>
+              <a:buSzPts val="6000"/>
+              <a:buFont typeface="Montserrat"/>
+              <a:buNone/>
+              <a:defRPr sz="4500" b="1" i="0" u="none" strike="noStrike" cap="none">
+                <a:solidFill>
+                  <a:schemeClr val="dk1"/>
+                </a:solidFill>
+                <a:latin typeface="Montserrat"/>
+                <a:ea typeface="Montserrat"/>
+                <a:cs typeface="Montserrat"/>
+                <a:sym typeface="Montserrat"/>
+              </a:defRPr>
+            </a:lvl5pPr>
+            <a:lvl6pPr marR="0" lvl="5" algn="r" rtl="0">
+              <a:lnSpc>
+                <a:spcPct val="100000"/>
+              </a:lnSpc>
+              <a:spcBef>
+                <a:spcPts val="0"/>
+              </a:spcBef>
+              <a:spcAft>
+                <a:spcPts val="0"/>
+              </a:spcAft>
+              <a:buClr>
+                <a:schemeClr val="dk1"/>
+              </a:buClr>
+              <a:buSzPts val="6000"/>
+              <a:buFont typeface="Montserrat"/>
+              <a:buNone/>
+              <a:defRPr sz="4500" b="1" i="0" u="none" strike="noStrike" cap="none">
+                <a:solidFill>
+                  <a:schemeClr val="dk1"/>
+                </a:solidFill>
+                <a:latin typeface="Montserrat"/>
+                <a:ea typeface="Montserrat"/>
+                <a:cs typeface="Montserrat"/>
+                <a:sym typeface="Montserrat"/>
+              </a:defRPr>
+            </a:lvl6pPr>
+            <a:lvl7pPr marR="0" lvl="6" algn="r" rtl="0">
+              <a:lnSpc>
+                <a:spcPct val="100000"/>
+              </a:lnSpc>
+              <a:spcBef>
+                <a:spcPts val="0"/>
+              </a:spcBef>
+              <a:spcAft>
+                <a:spcPts val="0"/>
+              </a:spcAft>
+              <a:buClr>
+                <a:schemeClr val="dk1"/>
+              </a:buClr>
+              <a:buSzPts val="6000"/>
+              <a:buFont typeface="Montserrat"/>
+              <a:buNone/>
+              <a:defRPr sz="4500" b="1" i="0" u="none" strike="noStrike" cap="none">
+                <a:solidFill>
+                  <a:schemeClr val="dk1"/>
+                </a:solidFill>
+                <a:latin typeface="Montserrat"/>
+                <a:ea typeface="Montserrat"/>
+                <a:cs typeface="Montserrat"/>
+                <a:sym typeface="Montserrat"/>
+              </a:defRPr>
+            </a:lvl7pPr>
+            <a:lvl8pPr marR="0" lvl="7" algn="r" rtl="0">
+              <a:lnSpc>
+                <a:spcPct val="100000"/>
+              </a:lnSpc>
+              <a:spcBef>
+                <a:spcPts val="0"/>
+              </a:spcBef>
+              <a:spcAft>
+                <a:spcPts val="0"/>
+              </a:spcAft>
+              <a:buClr>
+                <a:schemeClr val="dk1"/>
+              </a:buClr>
+              <a:buSzPts val="6000"/>
+              <a:buFont typeface="Montserrat"/>
+              <a:buNone/>
+              <a:defRPr sz="4500" b="1" i="0" u="none" strike="noStrike" cap="none">
+                <a:solidFill>
+                  <a:schemeClr val="dk1"/>
+                </a:solidFill>
+                <a:latin typeface="Montserrat"/>
+                <a:ea typeface="Montserrat"/>
+                <a:cs typeface="Montserrat"/>
+                <a:sym typeface="Montserrat"/>
+              </a:defRPr>
+            </a:lvl8pPr>
+            <a:lvl9pPr marR="0" lvl="8" algn="r" rtl="0">
+              <a:lnSpc>
+                <a:spcPct val="100000"/>
+              </a:lnSpc>
+              <a:spcBef>
+                <a:spcPts val="0"/>
+              </a:spcBef>
+              <a:spcAft>
+                <a:spcPts val="0"/>
+              </a:spcAft>
+              <a:buClr>
+                <a:schemeClr val="dk1"/>
+              </a:buClr>
+              <a:buSzPts val="6000"/>
+              <a:buFont typeface="Montserrat"/>
+              <a:buNone/>
+              <a:defRPr sz="4500" b="1" i="0" u="none" strike="noStrike" cap="none">
+                <a:solidFill>
+                  <a:schemeClr val="dk1"/>
+                </a:solidFill>
+                <a:latin typeface="Montserrat"/>
+                <a:ea typeface="Montserrat"/>
+                <a:cs typeface="Montserrat"/>
+                <a:sym typeface="Montserrat"/>
+              </a:defRPr>
+            </a:lvl9pPr>
+          </a:lstStyle>
+          <a:p>
+            <a:pPr algn="ctr"/>
+            <a:r>
+              <a:rPr lang="en-US" sz="1600" dirty="0">
+                <a:solidFill>
+                  <a:srgbClr val="282D34"/>
+                </a:solidFill>
+                <a:latin typeface="游ゴシック" panose="020B0400000000000000" pitchFamily="50" charset="-128"/>
+                <a:ea typeface="游ゴシック" panose="020B0400000000000000" pitchFamily="50" charset="-128"/>
+              </a:rPr>
+              <a:t>(Tue)</a:t>
+            </a:r>
+            <a:endParaRPr lang="en-US" sz="1400" dirty="0">
+              <a:solidFill>
+                <a:srgbClr val="282D34"/>
+              </a:solidFill>
+              <a:latin typeface="游ゴシック" panose="020B0400000000000000" pitchFamily="50" charset="-128"/>
+              <a:ea typeface="游ゴシック" panose="020B0400000000000000" pitchFamily="50" charset="-128"/>
+            </a:endParaRPr>
+          </a:p>
+        </p:txBody>
+      </p:sp>
+      <p:sp>
+        <p:nvSpPr>
+          <p:cNvPr id="32" name="Google Shape;62;p11">
+            <a:extLst>
+              <a:ext uri="{FF2B5EF4-FFF2-40B4-BE49-F238E27FC236}">
+                <a16:creationId xmlns:a16="http://schemas.microsoft.com/office/drawing/2014/main" id="{B9AACF7A-8F89-4D99-9C8F-699F7EA77CB2}"/>
+              </a:ext>
+            </a:extLst>
+          </p:cNvPr>
+          <p:cNvSpPr txBox="1">
+            <a:spLocks/>
+          </p:cNvSpPr>
+          <p:nvPr/>
+        </p:nvSpPr>
+        <p:spPr>
+          <a:xfrm>
+            <a:off x="2799170" y="1125671"/>
+            <a:ext cx="1129801" cy="580593"/>
+          </a:xfrm>
+          <a:prstGeom prst="rect">
+            <a:avLst/>
+          </a:prstGeom>
+          <a:noFill/>
+          <a:ln>
+            <a:noFill/>
+          </a:ln>
+        </p:spPr>
+        <p:txBody>
+          <a:bodyPr spcFirstLastPara="1" wrap="none" lIns="68569" tIns="68569" rIns="68569" bIns="68569" anchor="ctr" anchorCtr="0">
+            <a:noAutofit/>
+          </a:bodyPr>
+          <a:lstStyle>
+            <a:defPPr marR="0" lvl="0" algn="l" rtl="0">
+              <a:lnSpc>
+                <a:spcPct val="100000"/>
+              </a:lnSpc>
+              <a:spcBef>
+                <a:spcPts val="0"/>
+              </a:spcBef>
+              <a:spcAft>
+                <a:spcPts val="0"/>
+              </a:spcAft>
+            </a:defPPr>
+            <a:lvl1pPr marR="0" lvl="0" algn="r" rtl="0">
+              <a:lnSpc>
+                <a:spcPct val="100000"/>
+              </a:lnSpc>
+              <a:spcBef>
+                <a:spcPts val="0"/>
+              </a:spcBef>
+              <a:spcAft>
+                <a:spcPts val="0"/>
+              </a:spcAft>
+              <a:buClr>
+                <a:schemeClr val="dk1"/>
+              </a:buClr>
+              <a:buSzPts val="4800"/>
+              <a:buFont typeface="Montserrat"/>
+              <a:buNone/>
+              <a:defRPr sz="3600" b="1" i="0" u="none" strike="noStrike" cap="none">
+                <a:solidFill>
+                  <a:schemeClr val="dk1"/>
+                </a:solidFill>
+                <a:latin typeface="Montserrat"/>
+                <a:ea typeface="Montserrat"/>
+                <a:cs typeface="Montserrat"/>
+                <a:sym typeface="Montserrat"/>
+              </a:defRPr>
+            </a:lvl1pPr>
+            <a:lvl2pPr marR="0" lvl="1" algn="r" rtl="0">
+              <a:lnSpc>
+                <a:spcPct val="100000"/>
+              </a:lnSpc>
+              <a:spcBef>
+                <a:spcPts val="0"/>
+              </a:spcBef>
+              <a:spcAft>
+                <a:spcPts val="0"/>
+              </a:spcAft>
+              <a:buClr>
+                <a:schemeClr val="dk1"/>
+              </a:buClr>
+              <a:buSzPts val="6000"/>
+              <a:buFont typeface="Montserrat"/>
+              <a:buNone/>
+              <a:defRPr sz="4500" b="1" i="0" u="none" strike="noStrike" cap="none">
+                <a:solidFill>
+                  <a:schemeClr val="dk1"/>
+                </a:solidFill>
+                <a:latin typeface="Montserrat"/>
+                <a:ea typeface="Montserrat"/>
+                <a:cs typeface="Montserrat"/>
+                <a:sym typeface="Montserrat"/>
+              </a:defRPr>
+            </a:lvl2pPr>
+            <a:lvl3pPr marR="0" lvl="2" algn="r" rtl="0">
+              <a:lnSpc>
+                <a:spcPct val="100000"/>
+              </a:lnSpc>
+              <a:spcBef>
+                <a:spcPts val="0"/>
+              </a:spcBef>
+              <a:spcAft>
+                <a:spcPts val="0"/>
+              </a:spcAft>
+              <a:buClr>
+                <a:schemeClr val="dk1"/>
+              </a:buClr>
+              <a:buSzPts val="6000"/>
+              <a:buFont typeface="Montserrat"/>
+              <a:buNone/>
+              <a:defRPr sz="4500" b="1" i="0" u="none" strike="noStrike" cap="none">
+                <a:solidFill>
+                  <a:schemeClr val="dk1"/>
+                </a:solidFill>
+                <a:latin typeface="Montserrat"/>
+                <a:ea typeface="Montserrat"/>
+                <a:cs typeface="Montserrat"/>
+                <a:sym typeface="Montserrat"/>
+              </a:defRPr>
+            </a:lvl3pPr>
+            <a:lvl4pPr marR="0" lvl="3" algn="r" rtl="0">
+              <a:lnSpc>
+                <a:spcPct val="100000"/>
+              </a:lnSpc>
+              <a:spcBef>
+                <a:spcPts val="0"/>
+              </a:spcBef>
+              <a:spcAft>
+                <a:spcPts val="0"/>
+              </a:spcAft>
+              <a:buClr>
+                <a:schemeClr val="dk1"/>
+              </a:buClr>
+              <a:buSzPts val="6000"/>
+              <a:buFont typeface="Montserrat"/>
+              <a:buNone/>
+              <a:defRPr sz="4500" b="1" i="0" u="none" strike="noStrike" cap="none">
+                <a:solidFill>
+                  <a:schemeClr val="dk1"/>
+                </a:solidFill>
+                <a:latin typeface="Montserrat"/>
+                <a:ea typeface="Montserrat"/>
+                <a:cs typeface="Montserrat"/>
+                <a:sym typeface="Montserrat"/>
+              </a:defRPr>
+            </a:lvl4pPr>
+            <a:lvl5pPr marR="0" lvl="4" algn="r" rtl="0">
+              <a:lnSpc>
+                <a:spcPct val="100000"/>
+              </a:lnSpc>
+              <a:spcBef>
+                <a:spcPts val="0"/>
+              </a:spcBef>
+              <a:spcAft>
+                <a:spcPts val="0"/>
+              </a:spcAft>
+              <a:buClr>
+                <a:schemeClr val="dk1"/>
+              </a:buClr>
+              <a:buSzPts val="6000"/>
+              <a:buFont typeface="Montserrat"/>
+              <a:buNone/>
+              <a:defRPr sz="4500" b="1" i="0" u="none" strike="noStrike" cap="none">
+                <a:solidFill>
+                  <a:schemeClr val="dk1"/>
+                </a:solidFill>
+                <a:latin typeface="Montserrat"/>
+                <a:ea typeface="Montserrat"/>
+                <a:cs typeface="Montserrat"/>
+                <a:sym typeface="Montserrat"/>
+              </a:defRPr>
+            </a:lvl5pPr>
+            <a:lvl6pPr marR="0" lvl="5" algn="r" rtl="0">
+              <a:lnSpc>
+                <a:spcPct val="100000"/>
+              </a:lnSpc>
+              <a:spcBef>
+                <a:spcPts val="0"/>
+              </a:spcBef>
+              <a:spcAft>
+                <a:spcPts val="0"/>
+              </a:spcAft>
+              <a:buClr>
+                <a:schemeClr val="dk1"/>
+              </a:buClr>
+              <a:buSzPts val="6000"/>
+              <a:buFont typeface="Montserrat"/>
+              <a:buNone/>
+              <a:defRPr sz="4500" b="1" i="0" u="none" strike="noStrike" cap="none">
+                <a:solidFill>
+                  <a:schemeClr val="dk1"/>
+                </a:solidFill>
+                <a:latin typeface="Montserrat"/>
+                <a:ea typeface="Montserrat"/>
+                <a:cs typeface="Montserrat"/>
+                <a:sym typeface="Montserrat"/>
+              </a:defRPr>
+            </a:lvl6pPr>
+            <a:lvl7pPr marR="0" lvl="6" algn="r" rtl="0">
+              <a:lnSpc>
+                <a:spcPct val="100000"/>
+              </a:lnSpc>
+              <a:spcBef>
+                <a:spcPts val="0"/>
+              </a:spcBef>
+              <a:spcAft>
+                <a:spcPts val="0"/>
+              </a:spcAft>
+              <a:buClr>
+                <a:schemeClr val="dk1"/>
+              </a:buClr>
+              <a:buSzPts val="6000"/>
+              <a:buFont typeface="Montserrat"/>
+              <a:buNone/>
+              <a:defRPr sz="4500" b="1" i="0" u="none" strike="noStrike" cap="none">
+                <a:solidFill>
+                  <a:schemeClr val="dk1"/>
+                </a:solidFill>
+                <a:latin typeface="Montserrat"/>
+                <a:ea typeface="Montserrat"/>
+                <a:cs typeface="Montserrat"/>
+                <a:sym typeface="Montserrat"/>
+              </a:defRPr>
+            </a:lvl7pPr>
+            <a:lvl8pPr marR="0" lvl="7" algn="r" rtl="0">
+              <a:lnSpc>
+                <a:spcPct val="100000"/>
+              </a:lnSpc>
+              <a:spcBef>
+                <a:spcPts val="0"/>
+              </a:spcBef>
+              <a:spcAft>
+                <a:spcPts val="0"/>
+              </a:spcAft>
+              <a:buClr>
+                <a:schemeClr val="dk1"/>
+              </a:buClr>
+              <a:buSzPts val="6000"/>
+              <a:buFont typeface="Montserrat"/>
+              <a:buNone/>
+              <a:defRPr sz="4500" b="1" i="0" u="none" strike="noStrike" cap="none">
+                <a:solidFill>
+                  <a:schemeClr val="dk1"/>
+                </a:solidFill>
+                <a:latin typeface="Montserrat"/>
+                <a:ea typeface="Montserrat"/>
+                <a:cs typeface="Montserrat"/>
+                <a:sym typeface="Montserrat"/>
+              </a:defRPr>
+            </a:lvl8pPr>
+            <a:lvl9pPr marR="0" lvl="8" algn="r" rtl="0">
+              <a:lnSpc>
+                <a:spcPct val="100000"/>
+              </a:lnSpc>
+              <a:spcBef>
+                <a:spcPts val="0"/>
+              </a:spcBef>
+              <a:spcAft>
+                <a:spcPts val="0"/>
+              </a:spcAft>
+              <a:buClr>
+                <a:schemeClr val="dk1"/>
+              </a:buClr>
+              <a:buSzPts val="6000"/>
+              <a:buFont typeface="Montserrat"/>
+              <a:buNone/>
+              <a:defRPr sz="4500" b="1" i="0" u="none" strike="noStrike" cap="none">
+                <a:solidFill>
+                  <a:schemeClr val="dk1"/>
+                </a:solidFill>
+                <a:latin typeface="Montserrat"/>
+                <a:ea typeface="Montserrat"/>
+                <a:cs typeface="Montserrat"/>
+                <a:sym typeface="Montserrat"/>
+              </a:defRPr>
+            </a:lvl9pPr>
+          </a:lstStyle>
+          <a:p>
+            <a:pPr algn="ctr"/>
+            <a:r>
+              <a:rPr lang="en-US" sz="1600" dirty="0">
+                <a:solidFill>
+                  <a:srgbClr val="282D34"/>
+                </a:solidFill>
+                <a:latin typeface="游ゴシック" panose="020B0400000000000000" pitchFamily="50" charset="-128"/>
+                <a:ea typeface="游ゴシック" panose="020B0400000000000000" pitchFamily="50" charset="-128"/>
+              </a:rPr>
+              <a:t>(Fri)</a:t>
+            </a:r>
+            <a:endParaRPr lang="en-US" sz="1400" dirty="0">
+              <a:solidFill>
+                <a:srgbClr val="282D34"/>
+              </a:solidFill>
+              <a:latin typeface="游ゴシック" panose="020B0400000000000000" pitchFamily="50" charset="-128"/>
+              <a:ea typeface="游ゴシック" panose="020B0400000000000000" pitchFamily="50" charset="-128"/>
+            </a:endParaRPr>
+          </a:p>
+        </p:txBody>
+      </p:sp>
+      <p:sp>
+        <p:nvSpPr>
+          <p:cNvPr id="33" name="Google Shape;62;p11">
+            <a:extLst>
+              <a:ext uri="{FF2B5EF4-FFF2-40B4-BE49-F238E27FC236}">
+                <a16:creationId xmlns:a16="http://schemas.microsoft.com/office/drawing/2014/main" id="{1FE4059F-0022-4978-AA95-FDC5A3396175}"/>
+              </a:ext>
+            </a:extLst>
+          </p:cNvPr>
+          <p:cNvSpPr txBox="1">
+            <a:spLocks/>
+          </p:cNvSpPr>
+          <p:nvPr/>
+        </p:nvSpPr>
+        <p:spPr>
+          <a:xfrm>
+            <a:off x="4407397" y="1128341"/>
+            <a:ext cx="1129801" cy="580593"/>
+          </a:xfrm>
+          <a:prstGeom prst="rect">
+            <a:avLst/>
+          </a:prstGeom>
+          <a:noFill/>
+          <a:ln>
+            <a:noFill/>
+          </a:ln>
+        </p:spPr>
+        <p:txBody>
+          <a:bodyPr spcFirstLastPara="1" wrap="none" lIns="68569" tIns="68569" rIns="68569" bIns="68569" anchor="ctr" anchorCtr="0">
+            <a:noAutofit/>
+          </a:bodyPr>
+          <a:lstStyle>
+            <a:defPPr marR="0" lvl="0" algn="l" rtl="0">
+              <a:lnSpc>
+                <a:spcPct val="100000"/>
+              </a:lnSpc>
+              <a:spcBef>
+                <a:spcPts val="0"/>
+              </a:spcBef>
+              <a:spcAft>
+                <a:spcPts val="0"/>
+              </a:spcAft>
+            </a:defPPr>
+            <a:lvl1pPr marR="0" lvl="0" algn="r" rtl="0">
+              <a:lnSpc>
+                <a:spcPct val="100000"/>
+              </a:lnSpc>
+              <a:spcBef>
+                <a:spcPts val="0"/>
+              </a:spcBef>
+              <a:spcAft>
+                <a:spcPts val="0"/>
+              </a:spcAft>
+              <a:buClr>
+                <a:schemeClr val="dk1"/>
+              </a:buClr>
+              <a:buSzPts val="4800"/>
+              <a:buFont typeface="Montserrat"/>
+              <a:buNone/>
+              <a:defRPr sz="3600" b="1" i="0" u="none" strike="noStrike" cap="none">
+                <a:solidFill>
+                  <a:schemeClr val="dk1"/>
+                </a:solidFill>
+                <a:latin typeface="Montserrat"/>
+                <a:ea typeface="Montserrat"/>
+                <a:cs typeface="Montserrat"/>
+                <a:sym typeface="Montserrat"/>
+              </a:defRPr>
+            </a:lvl1pPr>
+            <a:lvl2pPr marR="0" lvl="1" algn="r" rtl="0">
+              <a:lnSpc>
+                <a:spcPct val="100000"/>
+              </a:lnSpc>
+              <a:spcBef>
+                <a:spcPts val="0"/>
+              </a:spcBef>
+              <a:spcAft>
+                <a:spcPts val="0"/>
+              </a:spcAft>
+              <a:buClr>
+                <a:schemeClr val="dk1"/>
+              </a:buClr>
+              <a:buSzPts val="6000"/>
+              <a:buFont typeface="Montserrat"/>
+              <a:buNone/>
+              <a:defRPr sz="4500" b="1" i="0" u="none" strike="noStrike" cap="none">
+                <a:solidFill>
+                  <a:schemeClr val="dk1"/>
+                </a:solidFill>
+                <a:latin typeface="Montserrat"/>
+                <a:ea typeface="Montserrat"/>
+                <a:cs typeface="Montserrat"/>
+                <a:sym typeface="Montserrat"/>
+              </a:defRPr>
+            </a:lvl2pPr>
+            <a:lvl3pPr marR="0" lvl="2" algn="r" rtl="0">
+              <a:lnSpc>
+                <a:spcPct val="100000"/>
+              </a:lnSpc>
+              <a:spcBef>
+                <a:spcPts val="0"/>
+              </a:spcBef>
+              <a:spcAft>
+                <a:spcPts val="0"/>
+              </a:spcAft>
+              <a:buClr>
+                <a:schemeClr val="dk1"/>
+              </a:buClr>
+              <a:buSzPts val="6000"/>
+              <a:buFont typeface="Montserrat"/>
+              <a:buNone/>
+              <a:defRPr sz="4500" b="1" i="0" u="none" strike="noStrike" cap="none">
+                <a:solidFill>
+                  <a:schemeClr val="dk1"/>
+                </a:solidFill>
+                <a:latin typeface="Montserrat"/>
+                <a:ea typeface="Montserrat"/>
+                <a:cs typeface="Montserrat"/>
+                <a:sym typeface="Montserrat"/>
+              </a:defRPr>
+            </a:lvl3pPr>
+            <a:lvl4pPr marR="0" lvl="3" algn="r" rtl="0">
+              <a:lnSpc>
+                <a:spcPct val="100000"/>
+              </a:lnSpc>
+              <a:spcBef>
+                <a:spcPts val="0"/>
+              </a:spcBef>
+              <a:spcAft>
+                <a:spcPts val="0"/>
+              </a:spcAft>
+              <a:buClr>
+                <a:schemeClr val="dk1"/>
+              </a:buClr>
+              <a:buSzPts val="6000"/>
+              <a:buFont typeface="Montserrat"/>
+              <a:buNone/>
+              <a:defRPr sz="4500" b="1" i="0" u="none" strike="noStrike" cap="none">
+                <a:solidFill>
+                  <a:schemeClr val="dk1"/>
+                </a:solidFill>
+                <a:latin typeface="Montserrat"/>
+                <a:ea typeface="Montserrat"/>
+                <a:cs typeface="Montserrat"/>
+                <a:sym typeface="Montserrat"/>
+              </a:defRPr>
+            </a:lvl4pPr>
+            <a:lvl5pPr marR="0" lvl="4" algn="r" rtl="0">
+              <a:lnSpc>
+                <a:spcPct val="100000"/>
+              </a:lnSpc>
+              <a:spcBef>
+                <a:spcPts val="0"/>
+              </a:spcBef>
+              <a:spcAft>
+                <a:spcPts val="0"/>
+              </a:spcAft>
+              <a:buClr>
+                <a:schemeClr val="dk1"/>
+              </a:buClr>
+              <a:buSzPts val="6000"/>
+              <a:buFont typeface="Montserrat"/>
+              <a:buNone/>
+              <a:defRPr sz="4500" b="1" i="0" u="none" strike="noStrike" cap="none">
+                <a:solidFill>
+                  <a:schemeClr val="dk1"/>
+                </a:solidFill>
+                <a:latin typeface="Montserrat"/>
+                <a:ea typeface="Montserrat"/>
+                <a:cs typeface="Montserrat"/>
+                <a:sym typeface="Montserrat"/>
+              </a:defRPr>
+            </a:lvl5pPr>
+            <a:lvl6pPr marR="0" lvl="5" algn="r" rtl="0">
+              <a:lnSpc>
+                <a:spcPct val="100000"/>
+              </a:lnSpc>
+              <a:spcBef>
+                <a:spcPts val="0"/>
+              </a:spcBef>
+              <a:spcAft>
+                <a:spcPts val="0"/>
+              </a:spcAft>
+              <a:buClr>
+                <a:schemeClr val="dk1"/>
+              </a:buClr>
+              <a:buSzPts val="6000"/>
+              <a:buFont typeface="Montserrat"/>
+              <a:buNone/>
+              <a:defRPr sz="4500" b="1" i="0" u="none" strike="noStrike" cap="none">
+                <a:solidFill>
+                  <a:schemeClr val="dk1"/>
+                </a:solidFill>
+                <a:latin typeface="Montserrat"/>
+                <a:ea typeface="Montserrat"/>
+                <a:cs typeface="Montserrat"/>
+                <a:sym typeface="Montserrat"/>
+              </a:defRPr>
+            </a:lvl6pPr>
+            <a:lvl7pPr marR="0" lvl="6" algn="r" rtl="0">
+              <a:lnSpc>
+                <a:spcPct val="100000"/>
+              </a:lnSpc>
+              <a:spcBef>
+                <a:spcPts val="0"/>
+              </a:spcBef>
+              <a:spcAft>
+                <a:spcPts val="0"/>
+              </a:spcAft>
+              <a:buClr>
+                <a:schemeClr val="dk1"/>
+              </a:buClr>
+              <a:buSzPts val="6000"/>
+              <a:buFont typeface="Montserrat"/>
+              <a:buNone/>
+              <a:defRPr sz="4500" b="1" i="0" u="none" strike="noStrike" cap="none">
+                <a:solidFill>
+                  <a:schemeClr val="dk1"/>
+                </a:solidFill>
+                <a:latin typeface="Montserrat"/>
+                <a:ea typeface="Montserrat"/>
+                <a:cs typeface="Montserrat"/>
+                <a:sym typeface="Montserrat"/>
+              </a:defRPr>
+            </a:lvl7pPr>
+            <a:lvl8pPr marR="0" lvl="7" algn="r" rtl="0">
+              <a:lnSpc>
+                <a:spcPct val="100000"/>
+              </a:lnSpc>
+              <a:spcBef>
+                <a:spcPts val="0"/>
+              </a:spcBef>
+              <a:spcAft>
+                <a:spcPts val="0"/>
+              </a:spcAft>
+              <a:buClr>
+                <a:schemeClr val="dk1"/>
+              </a:buClr>
+              <a:buSzPts val="6000"/>
+              <a:buFont typeface="Montserrat"/>
+              <a:buNone/>
+              <a:defRPr sz="4500" b="1" i="0" u="none" strike="noStrike" cap="none">
+                <a:solidFill>
+                  <a:schemeClr val="dk1"/>
+                </a:solidFill>
+                <a:latin typeface="Montserrat"/>
+                <a:ea typeface="Montserrat"/>
+                <a:cs typeface="Montserrat"/>
+                <a:sym typeface="Montserrat"/>
+              </a:defRPr>
+            </a:lvl8pPr>
+            <a:lvl9pPr marR="0" lvl="8" algn="r" rtl="0">
+              <a:lnSpc>
+                <a:spcPct val="100000"/>
+              </a:lnSpc>
+              <a:spcBef>
+                <a:spcPts val="0"/>
+              </a:spcBef>
+              <a:spcAft>
+                <a:spcPts val="0"/>
+              </a:spcAft>
+              <a:buClr>
+                <a:schemeClr val="dk1"/>
+              </a:buClr>
+              <a:buSzPts val="6000"/>
+              <a:buFont typeface="Montserrat"/>
+              <a:buNone/>
+              <a:defRPr sz="4500" b="1" i="0" u="none" strike="noStrike" cap="none">
+                <a:solidFill>
+                  <a:schemeClr val="dk1"/>
+                </a:solidFill>
+                <a:latin typeface="Montserrat"/>
+                <a:ea typeface="Montserrat"/>
+                <a:cs typeface="Montserrat"/>
+                <a:sym typeface="Montserrat"/>
+              </a:defRPr>
+            </a:lvl9pPr>
+          </a:lstStyle>
+          <a:p>
+            <a:pPr algn="ctr"/>
+            <a:r>
+              <a:rPr lang="en-US" sz="1600" dirty="0">
+                <a:solidFill>
+                  <a:srgbClr val="282D34"/>
+                </a:solidFill>
+                <a:latin typeface="游ゴシック" panose="020B0400000000000000" pitchFamily="50" charset="-128"/>
+                <a:ea typeface="游ゴシック" panose="020B0400000000000000" pitchFamily="50" charset="-128"/>
+              </a:rPr>
+              <a:t>(Thu-Fri)</a:t>
+            </a:r>
+            <a:endParaRPr lang="en-US" sz="1400" dirty="0">
+              <a:solidFill>
+                <a:srgbClr val="282D34"/>
+              </a:solidFill>
+              <a:latin typeface="游ゴシック" panose="020B0400000000000000" pitchFamily="50" charset="-128"/>
+              <a:ea typeface="游ゴシック" panose="020B0400000000000000" pitchFamily="50" charset="-128"/>
+            </a:endParaRPr>
           </a:p>
         </p:txBody>
       </p:sp>
@@ -8977,18 +11046,20 @@
         </p:nvSpPr>
         <p:spPr>
           <a:xfrm>
-            <a:off x="4984752" y="5771967"/>
-            <a:ext cx="1540573" cy="620681"/>
+            <a:off x="4724693" y="7097163"/>
+            <a:ext cx="2016083" cy="702574"/>
           </a:xfrm>
           <a:prstGeom prst="wedgeRoundRectCallout">
             <a:avLst>
-              <a:gd name="adj1" fmla="val 13529"/>
-              <a:gd name="adj2" fmla="val 79892"/>
+              <a:gd name="adj1" fmla="val 11762"/>
+              <a:gd name="adj2" fmla="val -67232"/>
               <a:gd name="adj3" fmla="val 16667"/>
             </a:avLst>
           </a:prstGeom>
           <a:solidFill>
-            <a:schemeClr val="accent1"/>
+            <a:schemeClr val="accent1">
+              <a:lumMod val="75000"/>
+            </a:schemeClr>
           </a:solidFill>
           <a:ln>
             <a:noFill/>
@@ -9015,35 +11086,22 @@
           <a:lstStyle/>
           <a:p>
             <a:r>
-              <a:rPr kumimoji="1" lang="ja-JP" altLang="en-US" sz="800" b="1" dirty="0">
-                <a:solidFill>
-                  <a:schemeClr val="bg1"/>
+              <a:rPr kumimoji="1" lang="ja-JP" altLang="en-US" sz="1000" b="1" dirty="0">
+                <a:solidFill>
+                  <a:schemeClr val="accent2">
+                    <a:lumMod val="60000"/>
+                    <a:lumOff val="40000"/>
+                  </a:schemeClr>
                 </a:solidFill>
               </a:rPr>
-              <a:t>昨年度の参加者</a:t>
-            </a:r>
-            <a:r>
-              <a:rPr kumimoji="1" lang="en-US" altLang="ja-JP" sz="800" b="1" dirty="0">
-                <a:solidFill>
-                  <a:schemeClr val="bg1"/>
-                </a:solidFill>
-              </a:rPr>
-              <a:t>3</a:t>
-            </a:r>
-            <a:r>
-              <a:rPr kumimoji="1" lang="ja-JP" altLang="en-US" sz="800" b="1" dirty="0">
-                <a:solidFill>
-                  <a:schemeClr val="bg1"/>
-                </a:solidFill>
-              </a:rPr>
-              <a:t>名が地域住民に説明している様子です。</a:t>
+              <a:t>昨年度の参加者が地域住民に説明している様子です。</a:t>
             </a:r>
           </a:p>
           <a:p>
             <a:r>
-              <a:rPr kumimoji="1" lang="ja-JP" altLang="en-US" sz="800" b="1" dirty="0">
-                <a:solidFill>
-                  <a:schemeClr val="accent2"/>
+              <a:rPr kumimoji="1" lang="ja-JP" altLang="en-US" sz="1000" b="1" dirty="0">
+                <a:solidFill>
+                  <a:schemeClr val="bg1"/>
                 </a:solidFill>
               </a:rPr>
               <a:t>皆さんも地域住民の熱い思いを体験してみませんか？</a:t>
@@ -9051,932 +11109,12 @@
           </a:p>
         </p:txBody>
       </p:sp>
-      <p:sp>
-        <p:nvSpPr>
-          <p:cNvPr id="217" name="Google Shape;62;p11">
+      <p:pic>
+        <p:nvPicPr>
+          <p:cNvPr id="14" name="図 13">
             <a:extLst>
               <a:ext uri="{FF2B5EF4-FFF2-40B4-BE49-F238E27FC236}">
-                <a16:creationId xmlns:a16="http://schemas.microsoft.com/office/drawing/2014/main" id="{6CDC24D1-200B-4614-BEA8-832887AB91DD}"/>
-              </a:ext>
-            </a:extLst>
-          </p:cNvPr>
-          <p:cNvSpPr txBox="1">
-            <a:spLocks/>
-          </p:cNvSpPr>
-          <p:nvPr/>
-        </p:nvSpPr>
-        <p:spPr>
-          <a:xfrm>
-            <a:off x="2463646" y="1114878"/>
-            <a:ext cx="1140745" cy="871919"/>
-          </a:xfrm>
-          <a:prstGeom prst="rect">
-            <a:avLst/>
-          </a:prstGeom>
-          <a:noFill/>
-          <a:ln>
-            <a:noFill/>
-          </a:ln>
-        </p:spPr>
-        <p:txBody>
-          <a:bodyPr spcFirstLastPara="1" wrap="square" lIns="68569" tIns="68569" rIns="68569" bIns="68569" anchor="ctr" anchorCtr="0">
-            <a:noAutofit/>
-          </a:bodyPr>
-          <a:lstStyle>
-            <a:defPPr marR="0" lvl="0" algn="l" rtl="0">
-              <a:lnSpc>
-                <a:spcPct val="100000"/>
-              </a:lnSpc>
-              <a:spcBef>
-                <a:spcPts val="0"/>
-              </a:spcBef>
-              <a:spcAft>
-                <a:spcPts val="0"/>
-              </a:spcAft>
-            </a:defPPr>
-            <a:lvl1pPr marR="0" lvl="0" algn="r" rtl="0">
-              <a:lnSpc>
-                <a:spcPct val="100000"/>
-              </a:lnSpc>
-              <a:spcBef>
-                <a:spcPts val="0"/>
-              </a:spcBef>
-              <a:spcAft>
-                <a:spcPts val="0"/>
-              </a:spcAft>
-              <a:buClr>
-                <a:schemeClr val="dk1"/>
-              </a:buClr>
-              <a:buSzPts val="4800"/>
-              <a:buFont typeface="Montserrat"/>
-              <a:buNone/>
-              <a:defRPr sz="3600" b="1" i="0" u="none" strike="noStrike" cap="none">
-                <a:solidFill>
-                  <a:schemeClr val="dk1"/>
-                </a:solidFill>
-                <a:latin typeface="Montserrat"/>
-                <a:ea typeface="Montserrat"/>
-                <a:cs typeface="Montserrat"/>
-                <a:sym typeface="Montserrat"/>
-              </a:defRPr>
-            </a:lvl1pPr>
-            <a:lvl2pPr marR="0" lvl="1" algn="r" rtl="0">
-              <a:lnSpc>
-                <a:spcPct val="100000"/>
-              </a:lnSpc>
-              <a:spcBef>
-                <a:spcPts val="0"/>
-              </a:spcBef>
-              <a:spcAft>
-                <a:spcPts val="0"/>
-              </a:spcAft>
-              <a:buClr>
-                <a:schemeClr val="dk1"/>
-              </a:buClr>
-              <a:buSzPts val="6000"/>
-              <a:buFont typeface="Montserrat"/>
-              <a:buNone/>
-              <a:defRPr sz="4500" b="1" i="0" u="none" strike="noStrike" cap="none">
-                <a:solidFill>
-                  <a:schemeClr val="dk1"/>
-                </a:solidFill>
-                <a:latin typeface="Montserrat"/>
-                <a:ea typeface="Montserrat"/>
-                <a:cs typeface="Montserrat"/>
-                <a:sym typeface="Montserrat"/>
-              </a:defRPr>
-            </a:lvl2pPr>
-            <a:lvl3pPr marR="0" lvl="2" algn="r" rtl="0">
-              <a:lnSpc>
-                <a:spcPct val="100000"/>
-              </a:lnSpc>
-              <a:spcBef>
-                <a:spcPts val="0"/>
-              </a:spcBef>
-              <a:spcAft>
-                <a:spcPts val="0"/>
-              </a:spcAft>
-              <a:buClr>
-                <a:schemeClr val="dk1"/>
-              </a:buClr>
-              <a:buSzPts val="6000"/>
-              <a:buFont typeface="Montserrat"/>
-              <a:buNone/>
-              <a:defRPr sz="4500" b="1" i="0" u="none" strike="noStrike" cap="none">
-                <a:solidFill>
-                  <a:schemeClr val="dk1"/>
-                </a:solidFill>
-                <a:latin typeface="Montserrat"/>
-                <a:ea typeface="Montserrat"/>
-                <a:cs typeface="Montserrat"/>
-                <a:sym typeface="Montserrat"/>
-              </a:defRPr>
-            </a:lvl3pPr>
-            <a:lvl4pPr marR="0" lvl="3" algn="r" rtl="0">
-              <a:lnSpc>
-                <a:spcPct val="100000"/>
-              </a:lnSpc>
-              <a:spcBef>
-                <a:spcPts val="0"/>
-              </a:spcBef>
-              <a:spcAft>
-                <a:spcPts val="0"/>
-              </a:spcAft>
-              <a:buClr>
-                <a:schemeClr val="dk1"/>
-              </a:buClr>
-              <a:buSzPts val="6000"/>
-              <a:buFont typeface="Montserrat"/>
-              <a:buNone/>
-              <a:defRPr sz="4500" b="1" i="0" u="none" strike="noStrike" cap="none">
-                <a:solidFill>
-                  <a:schemeClr val="dk1"/>
-                </a:solidFill>
-                <a:latin typeface="Montserrat"/>
-                <a:ea typeface="Montserrat"/>
-                <a:cs typeface="Montserrat"/>
-                <a:sym typeface="Montserrat"/>
-              </a:defRPr>
-            </a:lvl4pPr>
-            <a:lvl5pPr marR="0" lvl="4" algn="r" rtl="0">
-              <a:lnSpc>
-                <a:spcPct val="100000"/>
-              </a:lnSpc>
-              <a:spcBef>
-                <a:spcPts val="0"/>
-              </a:spcBef>
-              <a:spcAft>
-                <a:spcPts val="0"/>
-              </a:spcAft>
-              <a:buClr>
-                <a:schemeClr val="dk1"/>
-              </a:buClr>
-              <a:buSzPts val="6000"/>
-              <a:buFont typeface="Montserrat"/>
-              <a:buNone/>
-              <a:defRPr sz="4500" b="1" i="0" u="none" strike="noStrike" cap="none">
-                <a:solidFill>
-                  <a:schemeClr val="dk1"/>
-                </a:solidFill>
-                <a:latin typeface="Montserrat"/>
-                <a:ea typeface="Montserrat"/>
-                <a:cs typeface="Montserrat"/>
-                <a:sym typeface="Montserrat"/>
-              </a:defRPr>
-            </a:lvl5pPr>
-            <a:lvl6pPr marR="0" lvl="5" algn="r" rtl="0">
-              <a:lnSpc>
-                <a:spcPct val="100000"/>
-              </a:lnSpc>
-              <a:spcBef>
-                <a:spcPts val="0"/>
-              </a:spcBef>
-              <a:spcAft>
-                <a:spcPts val="0"/>
-              </a:spcAft>
-              <a:buClr>
-                <a:schemeClr val="dk1"/>
-              </a:buClr>
-              <a:buSzPts val="6000"/>
-              <a:buFont typeface="Montserrat"/>
-              <a:buNone/>
-              <a:defRPr sz="4500" b="1" i="0" u="none" strike="noStrike" cap="none">
-                <a:solidFill>
-                  <a:schemeClr val="dk1"/>
-                </a:solidFill>
-                <a:latin typeface="Montserrat"/>
-                <a:ea typeface="Montserrat"/>
-                <a:cs typeface="Montserrat"/>
-                <a:sym typeface="Montserrat"/>
-              </a:defRPr>
-            </a:lvl6pPr>
-            <a:lvl7pPr marR="0" lvl="6" algn="r" rtl="0">
-              <a:lnSpc>
-                <a:spcPct val="100000"/>
-              </a:lnSpc>
-              <a:spcBef>
-                <a:spcPts val="0"/>
-              </a:spcBef>
-              <a:spcAft>
-                <a:spcPts val="0"/>
-              </a:spcAft>
-              <a:buClr>
-                <a:schemeClr val="dk1"/>
-              </a:buClr>
-              <a:buSzPts val="6000"/>
-              <a:buFont typeface="Montserrat"/>
-              <a:buNone/>
-              <a:defRPr sz="4500" b="1" i="0" u="none" strike="noStrike" cap="none">
-                <a:solidFill>
-                  <a:schemeClr val="dk1"/>
-                </a:solidFill>
-                <a:latin typeface="Montserrat"/>
-                <a:ea typeface="Montserrat"/>
-                <a:cs typeface="Montserrat"/>
-                <a:sym typeface="Montserrat"/>
-              </a:defRPr>
-            </a:lvl7pPr>
-            <a:lvl8pPr marR="0" lvl="7" algn="r" rtl="0">
-              <a:lnSpc>
-                <a:spcPct val="100000"/>
-              </a:lnSpc>
-              <a:spcBef>
-                <a:spcPts val="0"/>
-              </a:spcBef>
-              <a:spcAft>
-                <a:spcPts val="0"/>
-              </a:spcAft>
-              <a:buClr>
-                <a:schemeClr val="dk1"/>
-              </a:buClr>
-              <a:buSzPts val="6000"/>
-              <a:buFont typeface="Montserrat"/>
-              <a:buNone/>
-              <a:defRPr sz="4500" b="1" i="0" u="none" strike="noStrike" cap="none">
-                <a:solidFill>
-                  <a:schemeClr val="dk1"/>
-                </a:solidFill>
-                <a:latin typeface="Montserrat"/>
-                <a:ea typeface="Montserrat"/>
-                <a:cs typeface="Montserrat"/>
-                <a:sym typeface="Montserrat"/>
-              </a:defRPr>
-            </a:lvl8pPr>
-            <a:lvl9pPr marR="0" lvl="8" algn="r" rtl="0">
-              <a:lnSpc>
-                <a:spcPct val="100000"/>
-              </a:lnSpc>
-              <a:spcBef>
-                <a:spcPts val="0"/>
-              </a:spcBef>
-              <a:spcAft>
-                <a:spcPts val="0"/>
-              </a:spcAft>
-              <a:buClr>
-                <a:schemeClr val="dk1"/>
-              </a:buClr>
-              <a:buSzPts val="6000"/>
-              <a:buFont typeface="Montserrat"/>
-              <a:buNone/>
-              <a:defRPr sz="4500" b="1" i="0" u="none" strike="noStrike" cap="none">
-                <a:solidFill>
-                  <a:schemeClr val="dk1"/>
-                </a:solidFill>
-                <a:latin typeface="Montserrat"/>
-                <a:ea typeface="Montserrat"/>
-                <a:cs typeface="Montserrat"/>
-                <a:sym typeface="Montserrat"/>
-              </a:defRPr>
-            </a:lvl9pPr>
-          </a:lstStyle>
-          <a:p>
-            <a:pPr algn="ctr"/>
-            <a:r>
-              <a:rPr lang="en-US" altLang="ja-JP" sz="6000" dirty="0">
-                <a:solidFill>
-                  <a:schemeClr val="tx1"/>
-                </a:solidFill>
-                <a:latin typeface="游ゴシック" panose="020B0400000000000000" pitchFamily="50" charset="-128"/>
-                <a:ea typeface="游ゴシック" panose="020B0400000000000000" pitchFamily="50" charset="-128"/>
-              </a:rPr>
-              <a:t>9</a:t>
-            </a:r>
-            <a:r>
-              <a:rPr lang="en-US" altLang="ja-JP" sz="2000" dirty="0">
-                <a:solidFill>
-                  <a:schemeClr val="tx1"/>
-                </a:solidFill>
-                <a:latin typeface="游ゴシック" panose="020B0400000000000000" pitchFamily="50" charset="-128"/>
-                <a:ea typeface="游ゴシック" panose="020B0400000000000000" pitchFamily="50" charset="-128"/>
-              </a:rPr>
-              <a:t>/3</a:t>
-            </a:r>
-            <a:endParaRPr lang="en-US" sz="2000" dirty="0">
-              <a:solidFill>
-                <a:schemeClr val="tx1"/>
-              </a:solidFill>
-              <a:latin typeface="游ゴシック" panose="020B0400000000000000" pitchFamily="50" charset="-128"/>
-              <a:ea typeface="游ゴシック" panose="020B0400000000000000" pitchFamily="50" charset="-128"/>
-            </a:endParaRPr>
-          </a:p>
-        </p:txBody>
-      </p:sp>
-      <p:sp>
-        <p:nvSpPr>
-          <p:cNvPr id="218" name="Google Shape;62;p11">
-            <a:extLst>
-              <a:ext uri="{FF2B5EF4-FFF2-40B4-BE49-F238E27FC236}">
-                <a16:creationId xmlns:a16="http://schemas.microsoft.com/office/drawing/2014/main" id="{F49C9AC1-4516-44AD-B80C-7960C0F60B65}"/>
-              </a:ext>
-            </a:extLst>
-          </p:cNvPr>
-          <p:cNvSpPr txBox="1">
-            <a:spLocks/>
-          </p:cNvSpPr>
-          <p:nvPr/>
-        </p:nvSpPr>
-        <p:spPr>
-          <a:xfrm>
-            <a:off x="4072469" y="1114877"/>
-            <a:ext cx="1450018" cy="871919"/>
-          </a:xfrm>
-          <a:prstGeom prst="rect">
-            <a:avLst/>
-          </a:prstGeom>
-          <a:noFill/>
-          <a:ln>
-            <a:noFill/>
-          </a:ln>
-        </p:spPr>
-        <p:txBody>
-          <a:bodyPr spcFirstLastPara="1" wrap="square" lIns="68569" tIns="68569" rIns="68569" bIns="68569" anchor="ctr" anchorCtr="0">
-            <a:noAutofit/>
-          </a:bodyPr>
-          <a:lstStyle>
-            <a:defPPr marR="0" lvl="0" algn="l" rtl="0">
-              <a:lnSpc>
-                <a:spcPct val="100000"/>
-              </a:lnSpc>
-              <a:spcBef>
-                <a:spcPts val="0"/>
-              </a:spcBef>
-              <a:spcAft>
-                <a:spcPts val="0"/>
-              </a:spcAft>
-            </a:defPPr>
-            <a:lvl1pPr marR="0" lvl="0" algn="r" rtl="0">
-              <a:lnSpc>
-                <a:spcPct val="100000"/>
-              </a:lnSpc>
-              <a:spcBef>
-                <a:spcPts val="0"/>
-              </a:spcBef>
-              <a:spcAft>
-                <a:spcPts val="0"/>
-              </a:spcAft>
-              <a:buClr>
-                <a:schemeClr val="dk1"/>
-              </a:buClr>
-              <a:buSzPts val="4800"/>
-              <a:buFont typeface="Montserrat"/>
-              <a:buNone/>
-              <a:defRPr sz="3600" b="1" i="0" u="none" strike="noStrike" cap="none">
-                <a:solidFill>
-                  <a:schemeClr val="dk1"/>
-                </a:solidFill>
-                <a:latin typeface="Montserrat"/>
-                <a:ea typeface="Montserrat"/>
-                <a:cs typeface="Montserrat"/>
-                <a:sym typeface="Montserrat"/>
-              </a:defRPr>
-            </a:lvl1pPr>
-            <a:lvl2pPr marR="0" lvl="1" algn="r" rtl="0">
-              <a:lnSpc>
-                <a:spcPct val="100000"/>
-              </a:lnSpc>
-              <a:spcBef>
-                <a:spcPts val="0"/>
-              </a:spcBef>
-              <a:spcAft>
-                <a:spcPts val="0"/>
-              </a:spcAft>
-              <a:buClr>
-                <a:schemeClr val="dk1"/>
-              </a:buClr>
-              <a:buSzPts val="6000"/>
-              <a:buFont typeface="Montserrat"/>
-              <a:buNone/>
-              <a:defRPr sz="4500" b="1" i="0" u="none" strike="noStrike" cap="none">
-                <a:solidFill>
-                  <a:schemeClr val="dk1"/>
-                </a:solidFill>
-                <a:latin typeface="Montserrat"/>
-                <a:ea typeface="Montserrat"/>
-                <a:cs typeface="Montserrat"/>
-                <a:sym typeface="Montserrat"/>
-              </a:defRPr>
-            </a:lvl2pPr>
-            <a:lvl3pPr marR="0" lvl="2" algn="r" rtl="0">
-              <a:lnSpc>
-                <a:spcPct val="100000"/>
-              </a:lnSpc>
-              <a:spcBef>
-                <a:spcPts val="0"/>
-              </a:spcBef>
-              <a:spcAft>
-                <a:spcPts val="0"/>
-              </a:spcAft>
-              <a:buClr>
-                <a:schemeClr val="dk1"/>
-              </a:buClr>
-              <a:buSzPts val="6000"/>
-              <a:buFont typeface="Montserrat"/>
-              <a:buNone/>
-              <a:defRPr sz="4500" b="1" i="0" u="none" strike="noStrike" cap="none">
-                <a:solidFill>
-                  <a:schemeClr val="dk1"/>
-                </a:solidFill>
-                <a:latin typeface="Montserrat"/>
-                <a:ea typeface="Montserrat"/>
-                <a:cs typeface="Montserrat"/>
-                <a:sym typeface="Montserrat"/>
-              </a:defRPr>
-            </a:lvl3pPr>
-            <a:lvl4pPr marR="0" lvl="3" algn="r" rtl="0">
-              <a:lnSpc>
-                <a:spcPct val="100000"/>
-              </a:lnSpc>
-              <a:spcBef>
-                <a:spcPts val="0"/>
-              </a:spcBef>
-              <a:spcAft>
-                <a:spcPts val="0"/>
-              </a:spcAft>
-              <a:buClr>
-                <a:schemeClr val="dk1"/>
-              </a:buClr>
-              <a:buSzPts val="6000"/>
-              <a:buFont typeface="Montserrat"/>
-              <a:buNone/>
-              <a:defRPr sz="4500" b="1" i="0" u="none" strike="noStrike" cap="none">
-                <a:solidFill>
-                  <a:schemeClr val="dk1"/>
-                </a:solidFill>
-                <a:latin typeface="Montserrat"/>
-                <a:ea typeface="Montserrat"/>
-                <a:cs typeface="Montserrat"/>
-                <a:sym typeface="Montserrat"/>
-              </a:defRPr>
-            </a:lvl4pPr>
-            <a:lvl5pPr marR="0" lvl="4" algn="r" rtl="0">
-              <a:lnSpc>
-                <a:spcPct val="100000"/>
-              </a:lnSpc>
-              <a:spcBef>
-                <a:spcPts val="0"/>
-              </a:spcBef>
-              <a:spcAft>
-                <a:spcPts val="0"/>
-              </a:spcAft>
-              <a:buClr>
-                <a:schemeClr val="dk1"/>
-              </a:buClr>
-              <a:buSzPts val="6000"/>
-              <a:buFont typeface="Montserrat"/>
-              <a:buNone/>
-              <a:defRPr sz="4500" b="1" i="0" u="none" strike="noStrike" cap="none">
-                <a:solidFill>
-                  <a:schemeClr val="dk1"/>
-                </a:solidFill>
-                <a:latin typeface="Montserrat"/>
-                <a:ea typeface="Montserrat"/>
-                <a:cs typeface="Montserrat"/>
-                <a:sym typeface="Montserrat"/>
-              </a:defRPr>
-            </a:lvl5pPr>
-            <a:lvl6pPr marR="0" lvl="5" algn="r" rtl="0">
-              <a:lnSpc>
-                <a:spcPct val="100000"/>
-              </a:lnSpc>
-              <a:spcBef>
-                <a:spcPts val="0"/>
-              </a:spcBef>
-              <a:spcAft>
-                <a:spcPts val="0"/>
-              </a:spcAft>
-              <a:buClr>
-                <a:schemeClr val="dk1"/>
-              </a:buClr>
-              <a:buSzPts val="6000"/>
-              <a:buFont typeface="Montserrat"/>
-              <a:buNone/>
-              <a:defRPr sz="4500" b="1" i="0" u="none" strike="noStrike" cap="none">
-                <a:solidFill>
-                  <a:schemeClr val="dk1"/>
-                </a:solidFill>
-                <a:latin typeface="Montserrat"/>
-                <a:ea typeface="Montserrat"/>
-                <a:cs typeface="Montserrat"/>
-                <a:sym typeface="Montserrat"/>
-              </a:defRPr>
-            </a:lvl6pPr>
-            <a:lvl7pPr marR="0" lvl="6" algn="r" rtl="0">
-              <a:lnSpc>
-                <a:spcPct val="100000"/>
-              </a:lnSpc>
-              <a:spcBef>
-                <a:spcPts val="0"/>
-              </a:spcBef>
-              <a:spcAft>
-                <a:spcPts val="0"/>
-              </a:spcAft>
-              <a:buClr>
-                <a:schemeClr val="dk1"/>
-              </a:buClr>
-              <a:buSzPts val="6000"/>
-              <a:buFont typeface="Montserrat"/>
-              <a:buNone/>
-              <a:defRPr sz="4500" b="1" i="0" u="none" strike="noStrike" cap="none">
-                <a:solidFill>
-                  <a:schemeClr val="dk1"/>
-                </a:solidFill>
-                <a:latin typeface="Montserrat"/>
-                <a:ea typeface="Montserrat"/>
-                <a:cs typeface="Montserrat"/>
-                <a:sym typeface="Montserrat"/>
-              </a:defRPr>
-            </a:lvl7pPr>
-            <a:lvl8pPr marR="0" lvl="7" algn="r" rtl="0">
-              <a:lnSpc>
-                <a:spcPct val="100000"/>
-              </a:lnSpc>
-              <a:spcBef>
-                <a:spcPts val="0"/>
-              </a:spcBef>
-              <a:spcAft>
-                <a:spcPts val="0"/>
-              </a:spcAft>
-              <a:buClr>
-                <a:schemeClr val="dk1"/>
-              </a:buClr>
-              <a:buSzPts val="6000"/>
-              <a:buFont typeface="Montserrat"/>
-              <a:buNone/>
-              <a:defRPr sz="4500" b="1" i="0" u="none" strike="noStrike" cap="none">
-                <a:solidFill>
-                  <a:schemeClr val="dk1"/>
-                </a:solidFill>
-                <a:latin typeface="Montserrat"/>
-                <a:ea typeface="Montserrat"/>
-                <a:cs typeface="Montserrat"/>
-                <a:sym typeface="Montserrat"/>
-              </a:defRPr>
-            </a:lvl8pPr>
-            <a:lvl9pPr marR="0" lvl="8" algn="r" rtl="0">
-              <a:lnSpc>
-                <a:spcPct val="100000"/>
-              </a:lnSpc>
-              <a:spcBef>
-                <a:spcPts val="0"/>
-              </a:spcBef>
-              <a:spcAft>
-                <a:spcPts val="0"/>
-              </a:spcAft>
-              <a:buClr>
-                <a:schemeClr val="dk1"/>
-              </a:buClr>
-              <a:buSzPts val="6000"/>
-              <a:buFont typeface="Montserrat"/>
-              <a:buNone/>
-              <a:defRPr sz="4500" b="1" i="0" u="none" strike="noStrike" cap="none">
-                <a:solidFill>
-                  <a:schemeClr val="dk1"/>
-                </a:solidFill>
-                <a:latin typeface="Montserrat"/>
-                <a:ea typeface="Montserrat"/>
-                <a:cs typeface="Montserrat"/>
-                <a:sym typeface="Montserrat"/>
-              </a:defRPr>
-            </a:lvl9pPr>
-          </a:lstStyle>
-          <a:p>
-            <a:pPr algn="ctr"/>
-            <a:r>
-              <a:rPr lang="en-US" altLang="ja-JP" sz="6000" dirty="0">
-                <a:solidFill>
-                  <a:schemeClr val="tx1"/>
-                </a:solidFill>
-                <a:latin typeface="游ゴシック" panose="020B0400000000000000" pitchFamily="50" charset="-128"/>
-                <a:ea typeface="游ゴシック" panose="020B0400000000000000" pitchFamily="50" charset="-128"/>
-              </a:rPr>
-              <a:t>9</a:t>
-            </a:r>
-            <a:r>
-              <a:rPr lang="en-US" altLang="ja-JP" sz="2000" dirty="0">
-                <a:solidFill>
-                  <a:schemeClr val="tx1"/>
-                </a:solidFill>
-                <a:latin typeface="游ゴシック" panose="020B0400000000000000" pitchFamily="50" charset="-128"/>
-                <a:ea typeface="游ゴシック" panose="020B0400000000000000" pitchFamily="50" charset="-128"/>
-              </a:rPr>
-              <a:t>/16-17</a:t>
-            </a:r>
-            <a:endParaRPr lang="en-US" sz="2000" dirty="0">
-              <a:solidFill>
-                <a:schemeClr val="tx1"/>
-              </a:solidFill>
-              <a:latin typeface="游ゴシック" panose="020B0400000000000000" pitchFamily="50" charset="-128"/>
-              <a:ea typeface="游ゴシック" panose="020B0400000000000000" pitchFamily="50" charset="-128"/>
-            </a:endParaRPr>
-          </a:p>
-        </p:txBody>
-      </p:sp>
-      <p:sp>
-        <p:nvSpPr>
-          <p:cNvPr id="18" name="Google Shape;62;p11">
-            <a:extLst>
-              <a:ext uri="{FF2B5EF4-FFF2-40B4-BE49-F238E27FC236}">
-                <a16:creationId xmlns:a16="http://schemas.microsoft.com/office/drawing/2014/main" id="{0F1D5426-C722-40F2-A3B7-86EF66BF94BD}"/>
-              </a:ext>
-            </a:extLst>
-          </p:cNvPr>
-          <p:cNvSpPr txBox="1">
-            <a:spLocks/>
-          </p:cNvSpPr>
-          <p:nvPr/>
-        </p:nvSpPr>
-        <p:spPr>
-          <a:xfrm>
-            <a:off x="209431" y="4648703"/>
-            <a:ext cx="4677785" cy="531094"/>
-          </a:xfrm>
-          <a:prstGeom prst="rect">
-            <a:avLst/>
-          </a:prstGeom>
-          <a:noFill/>
-          <a:ln>
-            <a:noFill/>
-          </a:ln>
-        </p:spPr>
-        <p:txBody>
-          <a:bodyPr spcFirstLastPara="1" wrap="square" lIns="68569" tIns="68569" rIns="68569" bIns="68569" anchor="ctr" anchorCtr="0">
-            <a:noAutofit/>
-          </a:bodyPr>
-          <a:lstStyle>
-            <a:defPPr marR="0" lvl="0" algn="l" rtl="0">
-              <a:lnSpc>
-                <a:spcPct val="100000"/>
-              </a:lnSpc>
-              <a:spcBef>
-                <a:spcPts val="0"/>
-              </a:spcBef>
-              <a:spcAft>
-                <a:spcPts val="0"/>
-              </a:spcAft>
-            </a:defPPr>
-            <a:lvl1pPr marR="0" lvl="0" algn="r" rtl="0">
-              <a:lnSpc>
-                <a:spcPct val="100000"/>
-              </a:lnSpc>
-              <a:spcBef>
-                <a:spcPts val="0"/>
-              </a:spcBef>
-              <a:spcAft>
-                <a:spcPts val="0"/>
-              </a:spcAft>
-              <a:buClr>
-                <a:schemeClr val="dk1"/>
-              </a:buClr>
-              <a:buSzPts val="4800"/>
-              <a:buFont typeface="Montserrat"/>
-              <a:buNone/>
-              <a:defRPr sz="3600" b="1" i="0" u="none" strike="noStrike" cap="none">
-                <a:solidFill>
-                  <a:schemeClr val="dk1"/>
-                </a:solidFill>
-                <a:latin typeface="Montserrat"/>
-                <a:ea typeface="Montserrat"/>
-                <a:cs typeface="Montserrat"/>
-                <a:sym typeface="Montserrat"/>
-              </a:defRPr>
-            </a:lvl1pPr>
-            <a:lvl2pPr marR="0" lvl="1" algn="r" rtl="0">
-              <a:lnSpc>
-                <a:spcPct val="100000"/>
-              </a:lnSpc>
-              <a:spcBef>
-                <a:spcPts val="0"/>
-              </a:spcBef>
-              <a:spcAft>
-                <a:spcPts val="0"/>
-              </a:spcAft>
-              <a:buClr>
-                <a:schemeClr val="dk1"/>
-              </a:buClr>
-              <a:buSzPts val="6000"/>
-              <a:buFont typeface="Montserrat"/>
-              <a:buNone/>
-              <a:defRPr sz="4500" b="1" i="0" u="none" strike="noStrike" cap="none">
-                <a:solidFill>
-                  <a:schemeClr val="dk1"/>
-                </a:solidFill>
-                <a:latin typeface="Montserrat"/>
-                <a:ea typeface="Montserrat"/>
-                <a:cs typeface="Montserrat"/>
-                <a:sym typeface="Montserrat"/>
-              </a:defRPr>
-            </a:lvl2pPr>
-            <a:lvl3pPr marR="0" lvl="2" algn="r" rtl="0">
-              <a:lnSpc>
-                <a:spcPct val="100000"/>
-              </a:lnSpc>
-              <a:spcBef>
-                <a:spcPts val="0"/>
-              </a:spcBef>
-              <a:spcAft>
-                <a:spcPts val="0"/>
-              </a:spcAft>
-              <a:buClr>
-                <a:schemeClr val="dk1"/>
-              </a:buClr>
-              <a:buSzPts val="6000"/>
-              <a:buFont typeface="Montserrat"/>
-              <a:buNone/>
-              <a:defRPr sz="4500" b="1" i="0" u="none" strike="noStrike" cap="none">
-                <a:solidFill>
-                  <a:schemeClr val="dk1"/>
-                </a:solidFill>
-                <a:latin typeface="Montserrat"/>
-                <a:ea typeface="Montserrat"/>
-                <a:cs typeface="Montserrat"/>
-                <a:sym typeface="Montserrat"/>
-              </a:defRPr>
-            </a:lvl3pPr>
-            <a:lvl4pPr marR="0" lvl="3" algn="r" rtl="0">
-              <a:lnSpc>
-                <a:spcPct val="100000"/>
-              </a:lnSpc>
-              <a:spcBef>
-                <a:spcPts val="0"/>
-              </a:spcBef>
-              <a:spcAft>
-                <a:spcPts val="0"/>
-              </a:spcAft>
-              <a:buClr>
-                <a:schemeClr val="dk1"/>
-              </a:buClr>
-              <a:buSzPts val="6000"/>
-              <a:buFont typeface="Montserrat"/>
-              <a:buNone/>
-              <a:defRPr sz="4500" b="1" i="0" u="none" strike="noStrike" cap="none">
-                <a:solidFill>
-                  <a:schemeClr val="dk1"/>
-                </a:solidFill>
-                <a:latin typeface="Montserrat"/>
-                <a:ea typeface="Montserrat"/>
-                <a:cs typeface="Montserrat"/>
-                <a:sym typeface="Montserrat"/>
-              </a:defRPr>
-            </a:lvl4pPr>
-            <a:lvl5pPr marR="0" lvl="4" algn="r" rtl="0">
-              <a:lnSpc>
-                <a:spcPct val="100000"/>
-              </a:lnSpc>
-              <a:spcBef>
-                <a:spcPts val="0"/>
-              </a:spcBef>
-              <a:spcAft>
-                <a:spcPts val="0"/>
-              </a:spcAft>
-              <a:buClr>
-                <a:schemeClr val="dk1"/>
-              </a:buClr>
-              <a:buSzPts val="6000"/>
-              <a:buFont typeface="Montserrat"/>
-              <a:buNone/>
-              <a:defRPr sz="4500" b="1" i="0" u="none" strike="noStrike" cap="none">
-                <a:solidFill>
-                  <a:schemeClr val="dk1"/>
-                </a:solidFill>
-                <a:latin typeface="Montserrat"/>
-                <a:ea typeface="Montserrat"/>
-                <a:cs typeface="Montserrat"/>
-                <a:sym typeface="Montserrat"/>
-              </a:defRPr>
-            </a:lvl5pPr>
-            <a:lvl6pPr marR="0" lvl="5" algn="r" rtl="0">
-              <a:lnSpc>
-                <a:spcPct val="100000"/>
-              </a:lnSpc>
-              <a:spcBef>
-                <a:spcPts val="0"/>
-              </a:spcBef>
-              <a:spcAft>
-                <a:spcPts val="0"/>
-              </a:spcAft>
-              <a:buClr>
-                <a:schemeClr val="dk1"/>
-              </a:buClr>
-              <a:buSzPts val="6000"/>
-              <a:buFont typeface="Montserrat"/>
-              <a:buNone/>
-              <a:defRPr sz="4500" b="1" i="0" u="none" strike="noStrike" cap="none">
-                <a:solidFill>
-                  <a:schemeClr val="dk1"/>
-                </a:solidFill>
-                <a:latin typeface="Montserrat"/>
-                <a:ea typeface="Montserrat"/>
-                <a:cs typeface="Montserrat"/>
-                <a:sym typeface="Montserrat"/>
-              </a:defRPr>
-            </a:lvl6pPr>
-            <a:lvl7pPr marR="0" lvl="6" algn="r" rtl="0">
-              <a:lnSpc>
-                <a:spcPct val="100000"/>
-              </a:lnSpc>
-              <a:spcBef>
-                <a:spcPts val="0"/>
-              </a:spcBef>
-              <a:spcAft>
-                <a:spcPts val="0"/>
-              </a:spcAft>
-              <a:buClr>
-                <a:schemeClr val="dk1"/>
-              </a:buClr>
-              <a:buSzPts val="6000"/>
-              <a:buFont typeface="Montserrat"/>
-              <a:buNone/>
-              <a:defRPr sz="4500" b="1" i="0" u="none" strike="noStrike" cap="none">
-                <a:solidFill>
-                  <a:schemeClr val="dk1"/>
-                </a:solidFill>
-                <a:latin typeface="Montserrat"/>
-                <a:ea typeface="Montserrat"/>
-                <a:cs typeface="Montserrat"/>
-                <a:sym typeface="Montserrat"/>
-              </a:defRPr>
-            </a:lvl7pPr>
-            <a:lvl8pPr marR="0" lvl="7" algn="r" rtl="0">
-              <a:lnSpc>
-                <a:spcPct val="100000"/>
-              </a:lnSpc>
-              <a:spcBef>
-                <a:spcPts val="0"/>
-              </a:spcBef>
-              <a:spcAft>
-                <a:spcPts val="0"/>
-              </a:spcAft>
-              <a:buClr>
-                <a:schemeClr val="dk1"/>
-              </a:buClr>
-              <a:buSzPts val="6000"/>
-              <a:buFont typeface="Montserrat"/>
-              <a:buNone/>
-              <a:defRPr sz="4500" b="1" i="0" u="none" strike="noStrike" cap="none">
-                <a:solidFill>
-                  <a:schemeClr val="dk1"/>
-                </a:solidFill>
-                <a:latin typeface="Montserrat"/>
-                <a:ea typeface="Montserrat"/>
-                <a:cs typeface="Montserrat"/>
-                <a:sym typeface="Montserrat"/>
-              </a:defRPr>
-            </a:lvl8pPr>
-            <a:lvl9pPr marR="0" lvl="8" algn="r" rtl="0">
-              <a:lnSpc>
-                <a:spcPct val="100000"/>
-              </a:lnSpc>
-              <a:spcBef>
-                <a:spcPts val="0"/>
-              </a:spcBef>
-              <a:spcAft>
-                <a:spcPts val="0"/>
-              </a:spcAft>
-              <a:buClr>
-                <a:schemeClr val="dk1"/>
-              </a:buClr>
-              <a:buSzPts val="6000"/>
-              <a:buFont typeface="Montserrat"/>
-              <a:buNone/>
-              <a:defRPr sz="4500" b="1" i="0" u="none" strike="noStrike" cap="none">
-                <a:solidFill>
-                  <a:schemeClr val="dk1"/>
-                </a:solidFill>
-                <a:latin typeface="Montserrat"/>
-                <a:ea typeface="Montserrat"/>
-                <a:cs typeface="Montserrat"/>
-                <a:sym typeface="Montserrat"/>
-              </a:defRPr>
-            </a:lvl9pPr>
-          </a:lstStyle>
-          <a:p>
-            <a:pPr algn="ctr"/>
-            <a:r>
-              <a:rPr lang="ja-JP" altLang="en-US" sz="1800" dirty="0">
-                <a:solidFill>
-                  <a:schemeClr val="tx1"/>
-                </a:solidFill>
-                <a:latin typeface="游ゴシック" panose="020B0400000000000000" pitchFamily="50" charset="-128"/>
-                <a:ea typeface="游ゴシック" panose="020B0400000000000000" pitchFamily="50" charset="-128"/>
-              </a:rPr>
-              <a:t>リアルな地域課題にチームでチャレンジ！</a:t>
-            </a:r>
-            <a:endParaRPr lang="ja-JP" altLang="en-US" sz="1800" b="0" dirty="0">
-              <a:solidFill>
-                <a:schemeClr val="tx1"/>
-              </a:solidFill>
-              <a:latin typeface="游ゴシック" panose="020B0400000000000000" pitchFamily="50" charset="-128"/>
-              <a:ea typeface="游ゴシック" panose="020B0400000000000000" pitchFamily="50" charset="-128"/>
-            </a:endParaRPr>
-          </a:p>
-        </p:txBody>
-      </p:sp>
-      <p:pic>
-        <p:nvPicPr>
-          <p:cNvPr id="21" name="図 20">
-            <a:extLst>
-              <a:ext uri="{FF2B5EF4-FFF2-40B4-BE49-F238E27FC236}">
-                <a16:creationId xmlns:a16="http://schemas.microsoft.com/office/drawing/2014/main" id="{388FCE08-B365-46B2-9A7D-765DAD59360D}"/>
+                <a16:creationId xmlns:a16="http://schemas.microsoft.com/office/drawing/2014/main" id="{24678F55-CC2D-49EC-A1B7-91D6F5107484}"/>
               </a:ext>
             </a:extLst>
           </p:cNvPr>
@@ -9986,45 +11124,15 @@
           <p:nvPr/>
         </p:nvPicPr>
         <p:blipFill>
-          <a:blip r:embed="rId4"/>
+          <a:blip r:embed="rId7"/>
           <a:stretch>
             <a:fillRect/>
           </a:stretch>
         </p:blipFill>
         <p:spPr>
           <a:xfrm>
-            <a:off x="-10532" y="1860908"/>
-            <a:ext cx="6858000" cy="2700252"/>
-          </a:xfrm>
-          <a:prstGeom prst="rect">
-            <a:avLst/>
-          </a:prstGeom>
-        </p:spPr>
-      </p:pic>
-      <p:pic>
-        <p:nvPicPr>
-          <p:cNvPr id="22" name="図 21">
-            <a:extLst>
-              <a:ext uri="{FF2B5EF4-FFF2-40B4-BE49-F238E27FC236}">
-                <a16:creationId xmlns:a16="http://schemas.microsoft.com/office/drawing/2014/main" id="{4457F4E8-7AAA-4985-B514-C510616751FA}"/>
-              </a:ext>
-            </a:extLst>
-          </p:cNvPr>
-          <p:cNvPicPr>
-            <a:picLocks noChangeAspect="1"/>
-          </p:cNvPicPr>
-          <p:nvPr/>
-        </p:nvPicPr>
-        <p:blipFill>
-          <a:blip r:embed="rId5"/>
-          <a:stretch>
-            <a:fillRect/>
-          </a:stretch>
-        </p:blipFill>
-        <p:spPr>
-          <a:xfrm>
-            <a:off x="428946" y="5129330"/>
-            <a:ext cx="4238754" cy="1754952"/>
+            <a:off x="220332" y="4855607"/>
+            <a:ext cx="5163603" cy="1913463"/>
           </a:xfrm>
           <a:prstGeom prst="rect">
             <a:avLst/>
@@ -10032,6 +11140,11 @@
         </p:spPr>
       </p:pic>
     </p:spTree>
+    <p:extLst>
+      <p:ext uri="{BB962C8B-B14F-4D97-AF65-F5344CB8AC3E}">
+        <p14:creationId xmlns:p14="http://schemas.microsoft.com/office/powerpoint/2010/main" val="3353419306"/>
+      </p:ext>
+    </p:extLst>
   </p:cSld>
   <p:clrMapOvr>
     <a:masterClrMapping/>
@@ -10542,6 +11655,12 @@
 </file>
 
 <file path=customXml/item1.xml><?xml version="1.0" encoding="utf-8"?>
+<p:properties xmlns:p="http://schemas.microsoft.com/office/2006/metadata/properties" xmlns:xsi="http://www.w3.org/2001/XMLSchema-instance" xmlns:pc="http://schemas.microsoft.com/office/infopath/2007/PartnerControls">
+  <documentManagement/>
+</p:properties>
+</file>
+
+<file path=customXml/item2.xml><?xml version="1.0" encoding="utf-8"?>
 <ct:contentTypeSchema xmlns:ct="http://schemas.microsoft.com/office/2006/metadata/contentType" xmlns:ma="http://schemas.microsoft.com/office/2006/metadata/properties/metaAttributes" ct:_="" ma:_="" ma:contentTypeName="ドキュメント" ma:contentTypeID="0x010100849F533D870BD84A9D38273CC91B496D" ma:contentTypeVersion="9" ma:contentTypeDescription="新しいドキュメントを作成します。" ma:contentTypeScope="" ma:versionID="ca4a1d3cb04f69359678dbec6c4b7a52">
   <xsd:schema xmlns:xsd="http://www.w3.org/2001/XMLSchema" xmlns:xs="http://www.w3.org/2001/XMLSchema" xmlns:p="http://schemas.microsoft.com/office/2006/metadata/properties" xmlns:ns2="f50685a2-08a6-49dc-aa5f-a248d4ba7af6" xmlns:ns3="08971484-f606-4522-aa8e-4044dc1a5090" targetNamespace="http://schemas.microsoft.com/office/2006/metadata/properties" ma:root="true" ma:fieldsID="13f254b1b3ba571b2a6d056e41aaac49" ns2:_="" ns3:_="">
     <xsd:import namespace="f50685a2-08a6-49dc-aa5f-a248d4ba7af6"/>
@@ -10738,12 +11857,6 @@
 </ct:contentTypeSchema>
 </file>
 
-<file path=customXml/item2.xml><?xml version="1.0" encoding="utf-8"?>
-<p:properties xmlns:p="http://schemas.microsoft.com/office/2006/metadata/properties" xmlns:xsi="http://www.w3.org/2001/XMLSchema-instance" xmlns:pc="http://schemas.microsoft.com/office/infopath/2007/PartnerControls">
-  <documentManagement/>
-</p:properties>
-</file>
-
 <file path=customXml/item3.xml><?xml version="1.0" encoding="utf-8"?>
 <?mso-contentType ?>
 <FormTemplates xmlns="http://schemas.microsoft.com/sharepoint/v3/contenttype/forms">
@@ -10754,6 +11867,23 @@
 </file>
 
 <file path=customXml/itemProps1.xml><?xml version="1.0" encoding="utf-8"?>
+<ds:datastoreItem xmlns:ds="http://schemas.openxmlformats.org/officeDocument/2006/customXml" ds:itemID="{8AEE9B38-13DB-4563-ACCD-BDAB12348357}">
+  <ds:schemaRefs>
+    <ds:schemaRef ds:uri="http://purl.org/dc/dcmitype/"/>
+    <ds:schemaRef ds:uri="http://purl.org/dc/terms/"/>
+    <ds:schemaRef ds:uri="http://www.w3.org/XML/1998/namespace"/>
+    <ds:schemaRef ds:uri="http://schemas.microsoft.com/office/2006/metadata/properties"/>
+    <ds:schemaRef ds:uri="http://purl.org/dc/elements/1.1/"/>
+    <ds:schemaRef ds:uri="http://schemas.microsoft.com/office/2006/documentManagement/types"/>
+    <ds:schemaRef ds:uri="http://schemas.openxmlformats.org/package/2006/metadata/core-properties"/>
+    <ds:schemaRef ds:uri="http://schemas.microsoft.com/office/infopath/2007/PartnerControls"/>
+    <ds:schemaRef ds:uri="08971484-f606-4522-aa8e-4044dc1a5090"/>
+    <ds:schemaRef ds:uri="f50685a2-08a6-49dc-aa5f-a248d4ba7af6"/>
+  </ds:schemaRefs>
+</ds:datastoreItem>
+</file>
+
+<file path=customXml/itemProps2.xml><?xml version="1.0" encoding="utf-8"?>
 <ds:datastoreItem xmlns:ds="http://schemas.openxmlformats.org/officeDocument/2006/customXml" ds:itemID="{E6AD931F-C54A-489C-81E1-A6D5DB399D7B}">
   <ds:schemaRefs>
     <ds:schemaRef ds:uri="http://schemas.microsoft.com/office/2006/metadata/contentType"/>
@@ -10772,23 +11902,6 @@
 </ds:datastoreItem>
 </file>
 
-<file path=customXml/itemProps2.xml><?xml version="1.0" encoding="utf-8"?>
-<ds:datastoreItem xmlns:ds="http://schemas.openxmlformats.org/officeDocument/2006/customXml" ds:itemID="{8AEE9B38-13DB-4563-ACCD-BDAB12348357}">
-  <ds:schemaRefs>
-    <ds:schemaRef ds:uri="http://schemas.microsoft.com/office/2006/metadata/properties"/>
-    <ds:schemaRef ds:uri="http://purl.org/dc/elements/1.1/"/>
-    <ds:schemaRef ds:uri="http://schemas.openxmlformats.org/package/2006/metadata/core-properties"/>
-    <ds:schemaRef ds:uri="08971484-f606-4522-aa8e-4044dc1a5090"/>
-    <ds:schemaRef ds:uri="http://purl.org/dc/dcmitype/"/>
-    <ds:schemaRef ds:uri="http://schemas.microsoft.com/office/2006/documentManagement/types"/>
-    <ds:schemaRef ds:uri="http://purl.org/dc/terms/"/>
-    <ds:schemaRef ds:uri="http://schemas.microsoft.com/office/infopath/2007/PartnerControls"/>
-    <ds:schemaRef ds:uri="f50685a2-08a6-49dc-aa5f-a248d4ba7af6"/>
-    <ds:schemaRef ds:uri="http://www.w3.org/XML/1998/namespace"/>
-  </ds:schemaRefs>
-</ds:datastoreItem>
-</file>
-
 <file path=customXml/itemProps3.xml><?xml version="1.0" encoding="utf-8"?>
 <ds:datastoreItem xmlns:ds="http://schemas.openxmlformats.org/officeDocument/2006/customXml" ds:itemID="{0EBD1781-257C-4386-A510-75977046327B}">
   <ds:schemaRefs>

--- a/2021/（チラシ）ITで地域課題を解決しよう.pptx
+++ b/2021/（チラシ）ITで地域課題を解決しよう.pptx
@@ -690,7 +690,7 @@
         <pc:chgData name="Itoh Kiyohito" userId="973df969519ed28b" providerId="LiveId" clId="{547C3CDD-96C2-4A28-89E7-0547D37E74C2}" dt="2021-06-29T23:43:51.281" v="3" actId="16037"/>
         <pc:sldMkLst>
           <pc:docMk/>
-          <pc:sldMk cId="0" sldId="257"/>
+          <pc:sldMk cId="3353419306" sldId="257"/>
         </pc:sldMkLst>
       </pc:sldChg>
       <pc:sldChg chg="modNotes">
@@ -1003,7 +1003,7 @@
         <pc:chgData name="Itoh Kiyohito" userId="973df969519ed28b" providerId="LiveId" clId="{4E1BB6A1-EDAF-4481-A0D1-9DE730E36F66}" dt="2021-06-30T06:55:03.808" v="7743" actId="47"/>
         <pc:sldMkLst>
           <pc:docMk/>
-          <pc:sldMk cId="0" sldId="257"/>
+          <pc:sldMk cId="3353419306" sldId="257"/>
         </pc:sldMkLst>
       </pc:sldChg>
       <pc:sldChg chg="del">
@@ -11139,6 +11139,36 @@
           </a:prstGeom>
         </p:spPr>
       </p:pic>
+      <p:pic>
+        <p:nvPicPr>
+          <p:cNvPr id="8" name="図 7">
+            <a:extLst>
+              <a:ext uri="{FF2B5EF4-FFF2-40B4-BE49-F238E27FC236}">
+                <a16:creationId xmlns:a16="http://schemas.microsoft.com/office/drawing/2014/main" id="{60C00C53-ACB2-4CDD-94DF-99C5CAF49062}"/>
+              </a:ext>
+            </a:extLst>
+          </p:cNvPr>
+          <p:cNvPicPr>
+            <a:picLocks noChangeAspect="1"/>
+          </p:cNvPicPr>
+          <p:nvPr/>
+        </p:nvPicPr>
+        <p:blipFill>
+          <a:blip r:embed="rId8"/>
+          <a:stretch>
+            <a:fillRect/>
+          </a:stretch>
+        </p:blipFill>
+        <p:spPr>
+          <a:xfrm>
+            <a:off x="4713591" y="8666946"/>
+            <a:ext cx="891428" cy="891428"/>
+          </a:xfrm>
+          <a:prstGeom prst="rect">
+            <a:avLst/>
+          </a:prstGeom>
+        </p:spPr>
+      </p:pic>
     </p:spTree>
     <p:extLst>
       <p:ext uri="{BB962C8B-B14F-4D97-AF65-F5344CB8AC3E}">
@@ -11655,12 +11685,6 @@
 </file>
 
 <file path=customXml/item1.xml><?xml version="1.0" encoding="utf-8"?>
-<p:properties xmlns:p="http://schemas.microsoft.com/office/2006/metadata/properties" xmlns:xsi="http://www.w3.org/2001/XMLSchema-instance" xmlns:pc="http://schemas.microsoft.com/office/infopath/2007/PartnerControls">
-  <documentManagement/>
-</p:properties>
-</file>
-
-<file path=customXml/item2.xml><?xml version="1.0" encoding="utf-8"?>
 <ct:contentTypeSchema xmlns:ct="http://schemas.microsoft.com/office/2006/metadata/contentType" xmlns:ma="http://schemas.microsoft.com/office/2006/metadata/properties/metaAttributes" ct:_="" ma:_="" ma:contentTypeName="ドキュメント" ma:contentTypeID="0x010100849F533D870BD84A9D38273CC91B496D" ma:contentTypeVersion="9" ma:contentTypeDescription="新しいドキュメントを作成します。" ma:contentTypeScope="" ma:versionID="ca4a1d3cb04f69359678dbec6c4b7a52">
   <xsd:schema xmlns:xsd="http://www.w3.org/2001/XMLSchema" xmlns:xs="http://www.w3.org/2001/XMLSchema" xmlns:p="http://schemas.microsoft.com/office/2006/metadata/properties" xmlns:ns2="f50685a2-08a6-49dc-aa5f-a248d4ba7af6" xmlns:ns3="08971484-f606-4522-aa8e-4044dc1a5090" targetNamespace="http://schemas.microsoft.com/office/2006/metadata/properties" ma:root="true" ma:fieldsID="13f254b1b3ba571b2a6d056e41aaac49" ns2:_="" ns3:_="">
     <xsd:import namespace="f50685a2-08a6-49dc-aa5f-a248d4ba7af6"/>
@@ -11857,6 +11881,12 @@
 </ct:contentTypeSchema>
 </file>
 
+<file path=customXml/item2.xml><?xml version="1.0" encoding="utf-8"?>
+<p:properties xmlns:p="http://schemas.microsoft.com/office/2006/metadata/properties" xmlns:xsi="http://www.w3.org/2001/XMLSchema-instance" xmlns:pc="http://schemas.microsoft.com/office/infopath/2007/PartnerControls">
+  <documentManagement/>
+</p:properties>
+</file>
+
 <file path=customXml/item3.xml><?xml version="1.0" encoding="utf-8"?>
 <?mso-contentType ?>
 <FormTemplates xmlns="http://schemas.microsoft.com/sharepoint/v3/contenttype/forms">
@@ -11867,23 +11897,6 @@
 </file>
 
 <file path=customXml/itemProps1.xml><?xml version="1.0" encoding="utf-8"?>
-<ds:datastoreItem xmlns:ds="http://schemas.openxmlformats.org/officeDocument/2006/customXml" ds:itemID="{8AEE9B38-13DB-4563-ACCD-BDAB12348357}">
-  <ds:schemaRefs>
-    <ds:schemaRef ds:uri="http://purl.org/dc/dcmitype/"/>
-    <ds:schemaRef ds:uri="http://purl.org/dc/terms/"/>
-    <ds:schemaRef ds:uri="http://www.w3.org/XML/1998/namespace"/>
-    <ds:schemaRef ds:uri="http://schemas.microsoft.com/office/2006/metadata/properties"/>
-    <ds:schemaRef ds:uri="http://purl.org/dc/elements/1.1/"/>
-    <ds:schemaRef ds:uri="http://schemas.microsoft.com/office/2006/documentManagement/types"/>
-    <ds:schemaRef ds:uri="http://schemas.openxmlformats.org/package/2006/metadata/core-properties"/>
-    <ds:schemaRef ds:uri="http://schemas.microsoft.com/office/infopath/2007/PartnerControls"/>
-    <ds:schemaRef ds:uri="08971484-f606-4522-aa8e-4044dc1a5090"/>
-    <ds:schemaRef ds:uri="f50685a2-08a6-49dc-aa5f-a248d4ba7af6"/>
-  </ds:schemaRefs>
-</ds:datastoreItem>
-</file>
-
-<file path=customXml/itemProps2.xml><?xml version="1.0" encoding="utf-8"?>
 <ds:datastoreItem xmlns:ds="http://schemas.openxmlformats.org/officeDocument/2006/customXml" ds:itemID="{E6AD931F-C54A-489C-81E1-A6D5DB399D7B}">
   <ds:schemaRefs>
     <ds:schemaRef ds:uri="http://schemas.microsoft.com/office/2006/metadata/contentType"/>
@@ -11902,6 +11915,23 @@
 </ds:datastoreItem>
 </file>
 
+<file path=customXml/itemProps2.xml><?xml version="1.0" encoding="utf-8"?>
+<ds:datastoreItem xmlns:ds="http://schemas.openxmlformats.org/officeDocument/2006/customXml" ds:itemID="{8AEE9B38-13DB-4563-ACCD-BDAB12348357}">
+  <ds:schemaRefs>
+    <ds:schemaRef ds:uri="http://purl.org/dc/dcmitype/"/>
+    <ds:schemaRef ds:uri="http://purl.org/dc/terms/"/>
+    <ds:schemaRef ds:uri="http://www.w3.org/XML/1998/namespace"/>
+    <ds:schemaRef ds:uri="http://schemas.microsoft.com/office/2006/metadata/properties"/>
+    <ds:schemaRef ds:uri="http://purl.org/dc/elements/1.1/"/>
+    <ds:schemaRef ds:uri="http://schemas.microsoft.com/office/2006/documentManagement/types"/>
+    <ds:schemaRef ds:uri="http://schemas.openxmlformats.org/package/2006/metadata/core-properties"/>
+    <ds:schemaRef ds:uri="http://schemas.microsoft.com/office/infopath/2007/PartnerControls"/>
+    <ds:schemaRef ds:uri="08971484-f606-4522-aa8e-4044dc1a5090"/>
+    <ds:schemaRef ds:uri="f50685a2-08a6-49dc-aa5f-a248d4ba7af6"/>
+  </ds:schemaRefs>
+</ds:datastoreItem>
+</file>
+
 <file path=customXml/itemProps3.xml><?xml version="1.0" encoding="utf-8"?>
 <ds:datastoreItem xmlns:ds="http://schemas.openxmlformats.org/officeDocument/2006/customXml" ds:itemID="{0EBD1781-257C-4386-A510-75977046327B}">
   <ds:schemaRefs>
